--- a/presentation/INF319_pjo047.pptx
+++ b/presentation/INF319_pjo047.pptx
@@ -4087,7 +4087,7 @@
         <p:spPr>
           <a:xfrm>
             <a:off x="4338000" y="5589360"/>
-            <a:ext cx="4138560" cy="718560"/>
+            <a:ext cx="4138200" cy="718200"/>
           </a:xfrm>
           <a:prstGeom prst="rect">
             <a:avLst/>
@@ -4124,199 +4124,7 @@
               <a:rPr b="0" lang="nb-NO" sz="4400" spc="-1" strike="noStrike">
                 <a:latin typeface="Arial"/>
               </a:rPr>
-              <a:t>C</a:t>
-            </a:r>
-            <a:r>
-              <a:rPr b="0" lang="nb-NO" sz="4400" spc="-1" strike="noStrike">
-                <a:latin typeface="Arial"/>
-              </a:rPr>
-              <a:t>l</a:t>
-            </a:r>
-            <a:r>
-              <a:rPr b="0" lang="nb-NO" sz="4400" spc="-1" strike="noStrike">
-                <a:latin typeface="Arial"/>
-              </a:rPr>
-              <a:t>i</a:t>
-            </a:r>
-            <a:r>
-              <a:rPr b="0" lang="nb-NO" sz="4400" spc="-1" strike="noStrike">
-                <a:latin typeface="Arial"/>
-              </a:rPr>
-              <a:t>c</a:t>
-            </a:r>
-            <a:r>
-              <a:rPr b="0" lang="nb-NO" sz="4400" spc="-1" strike="noStrike">
-                <a:latin typeface="Arial"/>
-              </a:rPr>
-              <a:t>k</a:t>
-            </a:r>
-            <a:r>
-              <a:rPr b="0" lang="nb-NO" sz="4400" spc="-1" strike="noStrike">
-                <a:latin typeface="Arial"/>
-              </a:rPr>
-              <a:t> </a:t>
-            </a:r>
-            <a:r>
-              <a:rPr b="0" lang="nb-NO" sz="4400" spc="-1" strike="noStrike">
-                <a:latin typeface="Arial"/>
-              </a:rPr>
-              <a:t>t</a:t>
-            </a:r>
-            <a:r>
-              <a:rPr b="0" lang="nb-NO" sz="4400" spc="-1" strike="noStrike">
-                <a:latin typeface="Arial"/>
-              </a:rPr>
-              <a:t>o</a:t>
-            </a:r>
-            <a:r>
-              <a:rPr b="0" lang="nb-NO" sz="4400" spc="-1" strike="noStrike">
-                <a:latin typeface="Arial"/>
-              </a:rPr>
-              <a:t> </a:t>
-            </a:r>
-            <a:r>
-              <a:rPr b="0" lang="nb-NO" sz="4400" spc="-1" strike="noStrike">
-                <a:latin typeface="Arial"/>
-              </a:rPr>
-              <a:t>e</a:t>
-            </a:r>
-            <a:r>
-              <a:rPr b="0" lang="nb-NO" sz="4400" spc="-1" strike="noStrike">
-                <a:latin typeface="Arial"/>
-              </a:rPr>
-              <a:t>d</a:t>
-            </a:r>
-            <a:r>
-              <a:rPr b="0" lang="nb-NO" sz="4400" spc="-1" strike="noStrike">
-                <a:latin typeface="Arial"/>
-              </a:rPr>
-              <a:t>i</a:t>
-            </a:r>
-            <a:r>
-              <a:rPr b="0" lang="nb-NO" sz="4400" spc="-1" strike="noStrike">
-                <a:latin typeface="Arial"/>
-              </a:rPr>
-              <a:t>t </a:t>
-            </a:r>
-            <a:r>
-              <a:rPr b="0" lang="nb-NO" sz="4400" spc="-1" strike="noStrike">
-                <a:latin typeface="Arial"/>
-              </a:rPr>
-              <a:t>t</a:t>
-            </a:r>
-            <a:r>
-              <a:rPr b="0" lang="nb-NO" sz="4400" spc="-1" strike="noStrike">
-                <a:latin typeface="Arial"/>
-              </a:rPr>
-              <a:t>h</a:t>
-            </a:r>
-            <a:r>
-              <a:rPr b="0" lang="nb-NO" sz="4400" spc="-1" strike="noStrike">
-                <a:latin typeface="Arial"/>
-              </a:rPr>
-              <a:t>e</a:t>
-            </a:r>
-            <a:r>
-              <a:rPr b="0" lang="nb-NO" sz="4400" spc="-1" strike="noStrike">
-                <a:latin typeface="Arial"/>
-              </a:rPr>
-              <a:t> </a:t>
-            </a:r>
-            <a:r>
-              <a:rPr b="0" lang="nb-NO" sz="4400" spc="-1" strike="noStrike">
-                <a:latin typeface="Arial"/>
-              </a:rPr>
-              <a:t>t</a:t>
-            </a:r>
-            <a:r>
-              <a:rPr b="0" lang="nb-NO" sz="4400" spc="-1" strike="noStrike">
-                <a:latin typeface="Arial"/>
-              </a:rPr>
-              <a:t>i</a:t>
-            </a:r>
-            <a:r>
-              <a:rPr b="0" lang="nb-NO" sz="4400" spc="-1" strike="noStrike">
-                <a:latin typeface="Arial"/>
-              </a:rPr>
-              <a:t>t</a:t>
-            </a:r>
-            <a:r>
-              <a:rPr b="0" lang="nb-NO" sz="4400" spc="-1" strike="noStrike">
-                <a:latin typeface="Arial"/>
-              </a:rPr>
-              <a:t>l</a:t>
-            </a:r>
-            <a:r>
-              <a:rPr b="0" lang="nb-NO" sz="4400" spc="-1" strike="noStrike">
-                <a:latin typeface="Arial"/>
-              </a:rPr>
-              <a:t>e</a:t>
-            </a:r>
-            <a:r>
-              <a:rPr b="0" lang="nb-NO" sz="4400" spc="-1" strike="noStrike">
-                <a:latin typeface="Arial"/>
-              </a:rPr>
-              <a:t> </a:t>
-            </a:r>
-            <a:r>
-              <a:rPr b="0" lang="nb-NO" sz="4400" spc="-1" strike="noStrike">
-                <a:latin typeface="Arial"/>
-              </a:rPr>
-              <a:t>t</a:t>
-            </a:r>
-            <a:r>
-              <a:rPr b="0" lang="nb-NO" sz="4400" spc="-1" strike="noStrike">
-                <a:latin typeface="Arial"/>
-              </a:rPr>
-              <a:t>e</a:t>
-            </a:r>
-            <a:r>
-              <a:rPr b="0" lang="nb-NO" sz="4400" spc="-1" strike="noStrike">
-                <a:latin typeface="Arial"/>
-              </a:rPr>
-              <a:t>x</a:t>
-            </a:r>
-            <a:r>
-              <a:rPr b="0" lang="nb-NO" sz="4400" spc="-1" strike="noStrike">
-                <a:latin typeface="Arial"/>
-              </a:rPr>
-              <a:t>t </a:t>
-            </a:r>
-            <a:r>
-              <a:rPr b="0" lang="nb-NO" sz="4400" spc="-1" strike="noStrike">
-                <a:latin typeface="Arial"/>
-              </a:rPr>
-              <a:t>f</a:t>
-            </a:r>
-            <a:r>
-              <a:rPr b="0" lang="nb-NO" sz="4400" spc="-1" strike="noStrike">
-                <a:latin typeface="Arial"/>
-              </a:rPr>
-              <a:t>o</a:t>
-            </a:r>
-            <a:r>
-              <a:rPr b="0" lang="nb-NO" sz="4400" spc="-1" strike="noStrike">
-                <a:latin typeface="Arial"/>
-              </a:rPr>
-              <a:t>r</a:t>
-            </a:r>
-            <a:r>
-              <a:rPr b="0" lang="nb-NO" sz="4400" spc="-1" strike="noStrike">
-                <a:latin typeface="Arial"/>
-              </a:rPr>
-              <a:t>m</a:t>
-            </a:r>
-            <a:r>
-              <a:rPr b="0" lang="nb-NO" sz="4400" spc="-1" strike="noStrike">
-                <a:latin typeface="Arial"/>
-              </a:rPr>
-              <a:t>a</a:t>
-            </a:r>
-            <a:r>
-              <a:rPr b="0" lang="nb-NO" sz="4400" spc="-1" strike="noStrike">
-                <a:latin typeface="Arial"/>
-              </a:rPr>
-              <a:t>t</a:t>
+              <a:t>Click to edit the title text format</a:t>
             </a:r>
             <a:endParaRPr b="0" lang="nb-NO" sz="4400" spc="-1" strike="noStrike">
               <a:latin typeface="Arial"/>
@@ -4563,7 +4371,7 @@
         <p:spPr>
           <a:xfrm>
             <a:off x="7956360" y="5733360"/>
-            <a:ext cx="718560" cy="718560"/>
+            <a:ext cx="718200" cy="718200"/>
           </a:xfrm>
           <a:prstGeom prst="rect">
             <a:avLst/>
@@ -5094,7 +4902,7 @@
         <p:spPr>
           <a:xfrm>
             <a:off x="385920" y="-718920"/>
-            <a:ext cx="8279640" cy="454320"/>
+            <a:ext cx="8279280" cy="453960"/>
           </a:xfrm>
           <a:prstGeom prst="rect">
             <a:avLst/>
@@ -5163,7 +4971,7 @@
         <p:spPr>
           <a:xfrm>
             <a:off x="4510440" y="-257400"/>
-            <a:ext cx="360" cy="209520"/>
+            <a:ext cx="360" cy="209160"/>
           </a:xfrm>
           <a:custGeom>
             <a:avLst/>
@@ -5212,7 +5020,7 @@
         <p:spPr>
           <a:xfrm>
             <a:off x="1115640" y="1124640"/>
-            <a:ext cx="6911280" cy="2548800"/>
+            <a:ext cx="6910920" cy="2548440"/>
           </a:xfrm>
           <a:prstGeom prst="rect">
             <a:avLst/>
@@ -5261,7 +5069,7 @@
         <p:spPr>
           <a:xfrm>
             <a:off x="1115640" y="4196520"/>
-            <a:ext cx="6911280" cy="1031040"/>
+            <a:ext cx="6910920" cy="1030680"/>
           </a:xfrm>
           <a:prstGeom prst="rect">
             <a:avLst/>
@@ -5330,7 +5138,7 @@
         <p:spPr>
           <a:xfrm>
             <a:off x="1404000" y="486000"/>
-            <a:ext cx="6298560" cy="538560"/>
+            <a:ext cx="6298200" cy="538200"/>
           </a:xfrm>
           <a:prstGeom prst="rect">
             <a:avLst/>
@@ -5355,7 +5163,7 @@
               </a:lnSpc>
             </a:pPr>
             <a:r>
-              <a:rPr b="0" lang="nb-NO" sz="1200" spc="89" strike="noStrike" cap="all">
+              <a:rPr b="0" lang="nb-NO" sz="1200" spc="86" strike="noStrike" cap="all">
                 <a:solidFill>
                   <a:srgbClr val="a6a6a6"/>
                 </a:solidFill>
@@ -5428,7 +5236,7 @@
         <p:spPr>
           <a:xfrm>
             <a:off x="1022760" y="1014840"/>
-            <a:ext cx="7364160" cy="651600"/>
+            <a:ext cx="7363800" cy="651240"/>
           </a:xfrm>
           <a:prstGeom prst="rect">
             <a:avLst/>
@@ -5477,7 +5285,7 @@
         <p:spPr>
           <a:xfrm>
             <a:off x="1022760" y="1883880"/>
-            <a:ext cx="7364160" cy="3886560"/>
+            <a:ext cx="7363800" cy="3886200"/>
           </a:xfrm>
           <a:prstGeom prst="rect">
             <a:avLst/>
@@ -5498,7 +5306,7 @@
             <a:normAutofit/>
           </a:bodyPr>
           <a:p>
-            <a:pPr marL="343080" indent="-341640">
+            <a:pPr marL="343080" indent="-341280">
               <a:lnSpc>
                 <a:spcPct val="100000"/>
               </a:lnSpc>
@@ -5526,7 +5334,7 @@
             </a:endParaRPr>
           </a:p>
           <a:p>
-            <a:pPr marL="343080" indent="-341640">
+            <a:pPr marL="343080" indent="-341280">
               <a:lnSpc>
                 <a:spcPct val="100000"/>
               </a:lnSpc>
@@ -5554,7 +5362,7 @@
             </a:endParaRPr>
           </a:p>
           <a:p>
-            <a:pPr lvl="1" marL="743040" indent="-284400">
+            <a:pPr lvl="1" marL="743040" indent="-284040">
               <a:lnSpc>
                 <a:spcPct val="100000"/>
               </a:lnSpc>
@@ -5582,7 +5390,7 @@
             </a:endParaRPr>
           </a:p>
           <a:p>
-            <a:pPr marL="343080" indent="-341640">
+            <a:pPr marL="343080" indent="-341280">
               <a:lnSpc>
                 <a:spcPct val="100000"/>
               </a:lnSpc>
@@ -5610,7 +5418,7 @@
             </a:endParaRPr>
           </a:p>
           <a:p>
-            <a:pPr lvl="1" marL="743040" indent="-284400">
+            <a:pPr lvl="1" marL="743040" indent="-284040">
               <a:lnSpc>
                 <a:spcPct val="100000"/>
               </a:lnSpc>
@@ -5638,7 +5446,7 @@
             </a:endParaRPr>
           </a:p>
           <a:p>
-            <a:pPr lvl="1" marL="743040" indent="-284400">
+            <a:pPr lvl="1" marL="743040" indent="-284040">
               <a:lnSpc>
                 <a:spcPct val="100000"/>
               </a:lnSpc>
@@ -5666,7 +5474,7 @@
             </a:endParaRPr>
           </a:p>
           <a:p>
-            <a:pPr marL="343080" indent="-341640">
+            <a:pPr marL="343080" indent="-341280">
               <a:lnSpc>
                 <a:spcPct val="100000"/>
               </a:lnSpc>
@@ -5694,7 +5502,7 @@
             </a:endParaRPr>
           </a:p>
           <a:p>
-            <a:pPr lvl="1" marL="743040" indent="-284400">
+            <a:pPr lvl="1" marL="743040" indent="-284040">
               <a:lnSpc>
                 <a:spcPct val="100000"/>
               </a:lnSpc>
@@ -5722,7 +5530,7 @@
             </a:endParaRPr>
           </a:p>
           <a:p>
-            <a:pPr lvl="1" marL="743040" indent="-284400">
+            <a:pPr lvl="1" marL="743040" indent="-284040">
               <a:lnSpc>
                 <a:spcPct val="100000"/>
               </a:lnSpc>
@@ -5812,7 +5620,7 @@
         <p:spPr>
           <a:xfrm>
             <a:off x="467640" y="6300000"/>
-            <a:ext cx="934560" cy="214560"/>
+            <a:ext cx="934200" cy="214200"/>
           </a:xfrm>
           <a:prstGeom prst="rect">
             <a:avLst/>
@@ -5828,29 +5636,6 @@
           <a:effectRef idx="0"/>
           <a:fontRef idx="minor"/>
         </p:style>
-        <p:txBody>
-          <a:bodyPr lIns="0" rIns="0" tIns="0" bIns="0"/>
-          <a:p>
-            <a:pPr>
-              <a:lnSpc>
-                <a:spcPct val="100000"/>
-              </a:lnSpc>
-            </a:pPr>
-            <a:fld id="{289F23C5-3C13-44BA-8BEF-40A393EFC1FC}" type="datetime1">
-              <a:rPr b="0" lang="nb-NO" sz="1200" spc="-1" strike="noStrike">
-                <a:solidFill>
-                  <a:srgbClr val="a6a6a6"/>
-                </a:solidFill>
-                <a:latin typeface="Times New Roman"/>
-                <a:ea typeface="DejaVu Sans"/>
-              </a:rPr>
-              <a:t>07.12.2018</a:t>
-            </a:fld>
-            <a:endParaRPr b="0" lang="nb-NO" sz="1200" spc="-1" strike="noStrike">
-              <a:latin typeface="Arial"/>
-            </a:endParaRPr>
-          </a:p>
-        </p:txBody>
       </p:sp>
       <p:sp>
         <p:nvSpPr>
@@ -5861,7 +5646,7 @@
         <p:spPr>
           <a:xfrm>
             <a:off x="1404000" y="486000"/>
-            <a:ext cx="6298560" cy="538560"/>
+            <a:ext cx="6298200" cy="538200"/>
           </a:xfrm>
           <a:prstGeom prst="rect">
             <a:avLst/>
@@ -5886,7 +5671,7 @@
               </a:lnSpc>
             </a:pPr>
             <a:r>
-              <a:rPr b="0" lang="nb-NO" sz="1200" spc="89" strike="noStrike" cap="all">
+              <a:rPr b="0" lang="nb-NO" sz="1200" spc="86" strike="noStrike" cap="all">
                 <a:solidFill>
                   <a:srgbClr val="a6a6a6"/>
                 </a:solidFill>
@@ -5910,7 +5695,7 @@
         <p:spPr>
           <a:xfrm>
             <a:off x="1702440" y="6300000"/>
-            <a:ext cx="707760" cy="214560"/>
+            <a:ext cx="707400" cy="214200"/>
           </a:xfrm>
           <a:prstGeom prst="rect">
             <a:avLst/>
@@ -5944,16 +5729,6 @@
               </a:rPr>
               <a:t>Side </a:t>
             </a:r>
-            <a:fld id="{0EEBEB4E-F8DE-4FBC-B450-0C0535070755}" type="slidenum">
-              <a:rPr b="0" lang="nb-NO" sz="1200" spc="-1" strike="noStrike" cap="all">
-                <a:solidFill>
-                  <a:srgbClr val="a6a6a6"/>
-                </a:solidFill>
-                <a:latin typeface="Times New Roman"/>
-                <a:ea typeface="DejaVu Sans"/>
-              </a:rPr>
-              <a:t>1</a:t>
-            </a:fld>
             <a:endParaRPr b="0" lang="nb-NO" sz="1200" spc="-1" strike="noStrike">
               <a:latin typeface="Arial"/>
             </a:endParaRPr>
@@ -6018,7 +5793,7 @@
         <p:spPr>
           <a:xfrm>
             <a:off x="1022760" y="1014840"/>
-            <a:ext cx="7364160" cy="651600"/>
+            <a:ext cx="7363800" cy="651240"/>
           </a:xfrm>
           <a:prstGeom prst="rect">
             <a:avLst/>
@@ -6067,7 +5842,7 @@
         <p:spPr>
           <a:xfrm>
             <a:off x="1022760" y="1883880"/>
-            <a:ext cx="7364160" cy="3886560"/>
+            <a:ext cx="7363800" cy="3886200"/>
           </a:xfrm>
           <a:prstGeom prst="rect">
             <a:avLst/>
@@ -6086,7 +5861,7 @@
         <p:txBody>
           <a:bodyPr lIns="0" rIns="0" tIns="0" bIns="0"/>
           <a:p>
-            <a:pPr marL="343080" indent="-341640">
+            <a:pPr marL="343080" indent="-341280">
               <a:lnSpc>
                 <a:spcPct val="100000"/>
               </a:lnSpc>
@@ -6114,7 +5889,7 @@
             </a:endParaRPr>
           </a:p>
           <a:p>
-            <a:pPr marL="343080" indent="-341640">
+            <a:pPr marL="343080" indent="-341280">
               <a:lnSpc>
                 <a:spcPct val="100000"/>
               </a:lnSpc>
@@ -6142,7 +5917,7 @@
             </a:endParaRPr>
           </a:p>
           <a:p>
-            <a:pPr marL="343080" indent="-341640">
+            <a:pPr marL="343080" indent="-341280">
               <a:lnSpc>
                 <a:spcPct val="100000"/>
               </a:lnSpc>
@@ -6170,7 +5945,7 @@
             </a:endParaRPr>
           </a:p>
           <a:p>
-            <a:pPr lvl="1" marL="864000" indent="-322920">
+            <a:pPr lvl="1" marL="864000" indent="-322560">
               <a:lnSpc>
                 <a:spcPct val="100000"/>
               </a:lnSpc>
@@ -6199,7 +5974,7 @@
             </a:endParaRPr>
           </a:p>
           <a:p>
-            <a:pPr lvl="1" marL="864000" indent="-322920">
+            <a:pPr lvl="1" marL="864000" indent="-322560">
               <a:lnSpc>
                 <a:spcPct val="100000"/>
               </a:lnSpc>
@@ -6228,7 +6003,7 @@
             </a:endParaRPr>
           </a:p>
           <a:p>
-            <a:pPr lvl="1" marL="864000" indent="-322920">
+            <a:pPr lvl="1" marL="864000" indent="-322560">
               <a:lnSpc>
                 <a:spcPct val="100000"/>
               </a:lnSpc>
@@ -6257,7 +6032,7 @@
             </a:endParaRPr>
           </a:p>
           <a:p>
-            <a:pPr marL="343080" indent="-341640">
+            <a:pPr marL="343080" indent="-341280">
               <a:lnSpc>
                 <a:spcPct val="100000"/>
               </a:lnSpc>
@@ -6285,7 +6060,7 @@
             </a:endParaRPr>
           </a:p>
           <a:p>
-            <a:pPr marL="343080" indent="-341640">
+            <a:pPr marL="343080" indent="-341280">
               <a:lnSpc>
                 <a:spcPct val="100000"/>
               </a:lnSpc>
@@ -6313,7 +6088,7 @@
             </a:endParaRPr>
           </a:p>
           <a:p>
-            <a:pPr marL="343080" indent="-341640">
+            <a:pPr marL="343080" indent="-341280">
               <a:lnSpc>
                 <a:spcPct val="100000"/>
               </a:lnSpc>
@@ -6403,7 +6178,7 @@
         <p:spPr>
           <a:xfrm>
             <a:off x="467640" y="6300000"/>
-            <a:ext cx="934560" cy="214560"/>
+            <a:ext cx="934200" cy="214200"/>
           </a:xfrm>
           <a:prstGeom prst="rect">
             <a:avLst/>
@@ -6419,29 +6194,6 @@
           <a:effectRef idx="0"/>
           <a:fontRef idx="minor"/>
         </p:style>
-        <p:txBody>
-          <a:bodyPr lIns="0" rIns="0" tIns="0" bIns="0"/>
-          <a:p>
-            <a:pPr>
-              <a:lnSpc>
-                <a:spcPct val="100000"/>
-              </a:lnSpc>
-            </a:pPr>
-            <a:fld id="{B0915FFC-8571-4A60-9F99-570458339C3D}" type="datetime1">
-              <a:rPr b="0" lang="nb-NO" sz="1200" spc="-1" strike="noStrike">
-                <a:solidFill>
-                  <a:srgbClr val="a6a6a6"/>
-                </a:solidFill>
-                <a:latin typeface="Times New Roman"/>
-                <a:ea typeface="DejaVu Sans"/>
-              </a:rPr>
-              <a:t>07.12.2018</a:t>
-            </a:fld>
-            <a:endParaRPr b="0" lang="nb-NO" sz="1200" spc="-1" strike="noStrike">
-              <a:latin typeface="Arial"/>
-            </a:endParaRPr>
-          </a:p>
-        </p:txBody>
       </p:sp>
       <p:sp>
         <p:nvSpPr>
@@ -6452,7 +6204,7 @@
         <p:spPr>
           <a:xfrm>
             <a:off x="1404000" y="486000"/>
-            <a:ext cx="6298560" cy="538560"/>
+            <a:ext cx="6298200" cy="538200"/>
           </a:xfrm>
           <a:prstGeom prst="rect">
             <a:avLst/>
@@ -6477,7 +6229,7 @@
               </a:lnSpc>
             </a:pPr>
             <a:r>
-              <a:rPr b="0" lang="nb-NO" sz="1200" spc="89" strike="noStrike" cap="all">
+              <a:rPr b="0" lang="nb-NO" sz="1200" spc="86" strike="noStrike" cap="all">
                 <a:solidFill>
                   <a:srgbClr val="a6a6a6"/>
                 </a:solidFill>
@@ -6501,7 +6253,7 @@
         <p:spPr>
           <a:xfrm>
             <a:off x="1702440" y="6300000"/>
-            <a:ext cx="707760" cy="214560"/>
+            <a:ext cx="707400" cy="214200"/>
           </a:xfrm>
           <a:prstGeom prst="rect">
             <a:avLst/>
@@ -6535,16 +6287,6 @@
               </a:rPr>
               <a:t>Side </a:t>
             </a:r>
-            <a:fld id="{80049994-6C4E-48F1-B924-7D7FA364E59B}" type="slidenum">
-              <a:rPr b="0" lang="nb-NO" sz="1200" spc="-1" strike="noStrike" cap="all">
-                <a:solidFill>
-                  <a:srgbClr val="a6a6a6"/>
-                </a:solidFill>
-                <a:latin typeface="Times New Roman"/>
-                <a:ea typeface="DejaVu Sans"/>
-              </a:rPr>
-              <a:t>1</a:t>
-            </a:fld>
             <a:endParaRPr b="0" lang="nb-NO" sz="1200" spc="-1" strike="noStrike">
               <a:latin typeface="Arial"/>
             </a:endParaRPr>
@@ -6609,7 +6351,7 @@
         <p:spPr>
           <a:xfrm>
             <a:off x="1022760" y="1014840"/>
-            <a:ext cx="7364160" cy="651600"/>
+            <a:ext cx="7363800" cy="651240"/>
           </a:xfrm>
           <a:prstGeom prst="rect">
             <a:avLst/>
@@ -6658,7 +6400,7 @@
         <p:spPr>
           <a:xfrm>
             <a:off x="1022760" y="1883880"/>
-            <a:ext cx="7364160" cy="3886560"/>
+            <a:ext cx="7363800" cy="3886200"/>
           </a:xfrm>
           <a:prstGeom prst="rect">
             <a:avLst/>
@@ -6677,7 +6419,7 @@
         <p:txBody>
           <a:bodyPr lIns="0" rIns="0" tIns="0" bIns="0"/>
           <a:p>
-            <a:pPr marL="343080" indent="-341640">
+            <a:pPr marL="343080" indent="-341280">
               <a:lnSpc>
                 <a:spcPct val="100000"/>
               </a:lnSpc>
@@ -6705,7 +6447,7 @@
             </a:endParaRPr>
           </a:p>
           <a:p>
-            <a:pPr marL="343080" indent="-341640">
+            <a:pPr marL="343080" indent="-341280">
               <a:lnSpc>
                 <a:spcPct val="100000"/>
               </a:lnSpc>
@@ -6733,7 +6475,7 @@
             </a:endParaRPr>
           </a:p>
           <a:p>
-            <a:pPr marL="343080" indent="-341640">
+            <a:pPr marL="343080" indent="-341280">
               <a:lnSpc>
                 <a:spcPct val="100000"/>
               </a:lnSpc>
@@ -6761,7 +6503,7 @@
             </a:endParaRPr>
           </a:p>
           <a:p>
-            <a:pPr lvl="1" marL="864000" indent="-322920">
+            <a:pPr lvl="1" marL="864000" indent="-322560">
               <a:lnSpc>
                 <a:spcPct val="100000"/>
               </a:lnSpc>
@@ -6790,7 +6532,7 @@
             </a:endParaRPr>
           </a:p>
           <a:p>
-            <a:pPr lvl="1" marL="864000" indent="-322920">
+            <a:pPr lvl="1" marL="864000" indent="-322560">
               <a:lnSpc>
                 <a:spcPct val="100000"/>
               </a:lnSpc>
@@ -6819,7 +6561,7 @@
             </a:endParaRPr>
           </a:p>
           <a:p>
-            <a:pPr lvl="1" marL="864000" indent="-322920">
+            <a:pPr lvl="1" marL="864000" indent="-322560">
               <a:lnSpc>
                 <a:spcPct val="100000"/>
               </a:lnSpc>
@@ -6848,7 +6590,7 @@
             </a:endParaRPr>
           </a:p>
           <a:p>
-            <a:pPr marL="343080" indent="-341640">
+            <a:pPr marL="343080" indent="-341280">
               <a:lnSpc>
                 <a:spcPct val="100000"/>
               </a:lnSpc>
@@ -6876,7 +6618,7 @@
             </a:endParaRPr>
           </a:p>
           <a:p>
-            <a:pPr marL="343080" indent="-341640">
+            <a:pPr marL="343080" indent="-341280">
               <a:lnSpc>
                 <a:spcPct val="100000"/>
               </a:lnSpc>
@@ -6904,7 +6646,7 @@
             </a:endParaRPr>
           </a:p>
           <a:p>
-            <a:pPr marL="343080" indent="-341640">
+            <a:pPr marL="343080" indent="-341280">
               <a:lnSpc>
                 <a:spcPct val="100000"/>
               </a:lnSpc>
@@ -6994,7 +6736,7 @@
         <p:spPr>
           <a:xfrm>
             <a:off x="467640" y="6300000"/>
-            <a:ext cx="934560" cy="214560"/>
+            <a:ext cx="934200" cy="214200"/>
           </a:xfrm>
           <a:prstGeom prst="rect">
             <a:avLst/>
@@ -7010,29 +6752,6 @@
           <a:effectRef idx="0"/>
           <a:fontRef idx="minor"/>
         </p:style>
-        <p:txBody>
-          <a:bodyPr lIns="0" rIns="0" tIns="0" bIns="0"/>
-          <a:p>
-            <a:pPr>
-              <a:lnSpc>
-                <a:spcPct val="100000"/>
-              </a:lnSpc>
-            </a:pPr>
-            <a:fld id="{676344F3-CF56-45FD-B1B0-34C02C5C11C8}" type="datetime1">
-              <a:rPr b="0" lang="nb-NO" sz="1200" spc="-1" strike="noStrike">
-                <a:solidFill>
-                  <a:srgbClr val="a6a6a6"/>
-                </a:solidFill>
-                <a:latin typeface="Times New Roman"/>
-                <a:ea typeface="DejaVu Sans"/>
-              </a:rPr>
-              <a:t>07.12.2018</a:t>
-            </a:fld>
-            <a:endParaRPr b="0" lang="nb-NO" sz="1200" spc="-1" strike="noStrike">
-              <a:latin typeface="Arial"/>
-            </a:endParaRPr>
-          </a:p>
-        </p:txBody>
       </p:sp>
       <p:sp>
         <p:nvSpPr>
@@ -7043,7 +6762,7 @@
         <p:spPr>
           <a:xfrm>
             <a:off x="1404000" y="486000"/>
-            <a:ext cx="6298560" cy="538560"/>
+            <a:ext cx="6298200" cy="538200"/>
           </a:xfrm>
           <a:prstGeom prst="rect">
             <a:avLst/>
@@ -7068,7 +6787,7 @@
               </a:lnSpc>
             </a:pPr>
             <a:r>
-              <a:rPr b="0" lang="nb-NO" sz="1200" spc="89" strike="noStrike" cap="all">
+              <a:rPr b="0" lang="nb-NO" sz="1200" spc="86" strike="noStrike" cap="all">
                 <a:solidFill>
                   <a:srgbClr val="a6a6a6"/>
                 </a:solidFill>
@@ -7092,7 +6811,7 @@
         <p:spPr>
           <a:xfrm>
             <a:off x="1702440" y="6300000"/>
-            <a:ext cx="707760" cy="214560"/>
+            <a:ext cx="707400" cy="214200"/>
           </a:xfrm>
           <a:prstGeom prst="rect">
             <a:avLst/>
@@ -7126,16 +6845,6 @@
               </a:rPr>
               <a:t>Side </a:t>
             </a:r>
-            <a:fld id="{68678C21-22F7-4811-AA65-D01377726DD7}" type="slidenum">
-              <a:rPr b="0" lang="nb-NO" sz="1200" spc="-1" strike="noStrike" cap="all">
-                <a:solidFill>
-                  <a:srgbClr val="a6a6a6"/>
-                </a:solidFill>
-                <a:latin typeface="Times New Roman"/>
-                <a:ea typeface="DejaVu Sans"/>
-              </a:rPr>
-              <a:t>1</a:t>
-            </a:fld>
             <a:endParaRPr b="0" lang="nb-NO" sz="1200" spc="-1" strike="noStrike">
               <a:latin typeface="Arial"/>
             </a:endParaRPr>
@@ -7200,7 +6909,7 @@
         <p:spPr>
           <a:xfrm>
             <a:off x="1022760" y="1014840"/>
-            <a:ext cx="7364160" cy="651600"/>
+            <a:ext cx="7363800" cy="651240"/>
           </a:xfrm>
           <a:prstGeom prst="rect">
             <a:avLst/>
@@ -7249,7 +6958,7 @@
         <p:spPr>
           <a:xfrm>
             <a:off x="1022760" y="1883880"/>
-            <a:ext cx="7364160" cy="3886560"/>
+            <a:ext cx="7363800" cy="3886200"/>
           </a:xfrm>
           <a:prstGeom prst="rect">
             <a:avLst/>
@@ -7332,7 +7041,7 @@
         <p:spPr>
           <a:xfrm>
             <a:off x="467640" y="6300000"/>
-            <a:ext cx="934560" cy="214560"/>
+            <a:ext cx="934200" cy="214200"/>
           </a:xfrm>
           <a:prstGeom prst="rect">
             <a:avLst/>
@@ -7348,29 +7057,6 @@
           <a:effectRef idx="0"/>
           <a:fontRef idx="minor"/>
         </p:style>
-        <p:txBody>
-          <a:bodyPr lIns="0" rIns="0" tIns="0" bIns="0"/>
-          <a:p>
-            <a:pPr>
-              <a:lnSpc>
-                <a:spcPct val="100000"/>
-              </a:lnSpc>
-            </a:pPr>
-            <a:fld id="{2FB2A40F-4397-41E5-84C0-71C1E8DF449B}" type="datetime1">
-              <a:rPr b="0" lang="nb-NO" sz="1200" spc="-1" strike="noStrike">
-                <a:solidFill>
-                  <a:srgbClr val="a6a6a6"/>
-                </a:solidFill>
-                <a:latin typeface="Times New Roman"/>
-                <a:ea typeface="DejaVu Sans"/>
-              </a:rPr>
-              <a:t>07.12.2018</a:t>
-            </a:fld>
-            <a:endParaRPr b="0" lang="nb-NO" sz="1200" spc="-1" strike="noStrike">
-              <a:latin typeface="Arial"/>
-            </a:endParaRPr>
-          </a:p>
-        </p:txBody>
       </p:sp>
       <p:sp>
         <p:nvSpPr>
@@ -7381,7 +7067,7 @@
         <p:spPr>
           <a:xfrm>
             <a:off x="1404000" y="486000"/>
-            <a:ext cx="6298560" cy="538560"/>
+            <a:ext cx="6298200" cy="538200"/>
           </a:xfrm>
           <a:prstGeom prst="rect">
             <a:avLst/>
@@ -7406,7 +7092,7 @@
               </a:lnSpc>
             </a:pPr>
             <a:r>
-              <a:rPr b="0" lang="nb-NO" sz="1200" spc="89" strike="noStrike" cap="all">
+              <a:rPr b="0" lang="nb-NO" sz="1200" spc="86" strike="noStrike" cap="all">
                 <a:solidFill>
                   <a:srgbClr val="a6a6a6"/>
                 </a:solidFill>
@@ -7430,7 +7116,7 @@
         <p:spPr>
           <a:xfrm>
             <a:off x="1702440" y="6300000"/>
-            <a:ext cx="707760" cy="214560"/>
+            <a:ext cx="707400" cy="214200"/>
           </a:xfrm>
           <a:prstGeom prst="rect">
             <a:avLst/>
@@ -7464,16 +7150,6 @@
               </a:rPr>
               <a:t>Side </a:t>
             </a:r>
-            <a:fld id="{0876B344-49DD-4302-9FAD-669C1F08FB3F}" type="slidenum">
-              <a:rPr b="0" lang="nb-NO" sz="1200" spc="-1" strike="noStrike" cap="all">
-                <a:solidFill>
-                  <a:srgbClr val="a6a6a6"/>
-                </a:solidFill>
-                <a:latin typeface="Times New Roman"/>
-                <a:ea typeface="DejaVu Sans"/>
-              </a:rPr>
-              <a:t>1</a:t>
-            </a:fld>
             <a:endParaRPr b="0" lang="nb-NO" sz="1200" spc="-1" strike="noStrike">
               <a:latin typeface="Arial"/>
             </a:endParaRPr>
@@ -7489,7 +7165,7 @@
         <p:spPr>
           <a:xfrm>
             <a:off x="1547640" y="2349000"/>
-            <a:ext cx="502560" cy="502560"/>
+            <a:ext cx="502200" cy="502200"/>
           </a:xfrm>
           <a:prstGeom prst="ellipse">
             <a:avLst/>
@@ -7549,7 +7225,7 @@
         <p:spPr>
           <a:xfrm>
             <a:off x="1799640" y="2853000"/>
-            <a:ext cx="360" cy="430560"/>
+            <a:ext cx="360" cy="430200"/>
           </a:xfrm>
           <a:custGeom>
             <a:avLst/>
@@ -7602,7 +7278,7 @@
         <p:spPr>
           <a:xfrm>
             <a:off x="1548720" y="3306240"/>
-            <a:ext cx="502560" cy="502560"/>
+            <a:ext cx="502200" cy="502200"/>
           </a:xfrm>
           <a:prstGeom prst="ellipse">
             <a:avLst/>
@@ -7662,7 +7338,7 @@
         <p:spPr>
           <a:xfrm>
             <a:off x="1115640" y="2061000"/>
-            <a:ext cx="1366560" cy="2374920"/>
+            <a:ext cx="1366200" cy="2374560"/>
           </a:xfrm>
           <a:prstGeom prst="rect">
             <a:avLst/>
@@ -7699,7 +7375,7 @@
         <p:spPr>
           <a:xfrm>
             <a:off x="1291320" y="3969000"/>
-            <a:ext cx="1015200" cy="363600"/>
+            <a:ext cx="1014840" cy="363240"/>
           </a:xfrm>
           <a:prstGeom prst="rect">
             <a:avLst/>
@@ -7748,7 +7424,7 @@
         <p:spPr>
           <a:xfrm>
             <a:off x="5076000" y="2349000"/>
-            <a:ext cx="502560" cy="502560"/>
+            <a:ext cx="502200" cy="502200"/>
           </a:xfrm>
           <a:prstGeom prst="ellipse">
             <a:avLst/>
@@ -7807,8 +7483,8 @@
         </p:nvSpPr>
         <p:spPr>
           <a:xfrm flipH="1" flipV="1">
-            <a:off x="5325840" y="2851560"/>
-            <a:ext cx="360" cy="451800"/>
+            <a:off x="5325120" y="2851560"/>
+            <a:ext cx="360" cy="451440"/>
           </a:xfrm>
           <a:custGeom>
             <a:avLst/>
@@ -7861,7 +7537,7 @@
         <p:spPr>
           <a:xfrm>
             <a:off x="5077080" y="3306240"/>
-            <a:ext cx="502560" cy="502560"/>
+            <a:ext cx="502200" cy="502200"/>
           </a:xfrm>
           <a:prstGeom prst="ellipse">
             <a:avLst/>
@@ -7921,7 +7597,7 @@
         <p:spPr>
           <a:xfrm>
             <a:off x="4644000" y="2061000"/>
-            <a:ext cx="1366560" cy="3166920"/>
+            <a:ext cx="1366200" cy="3166560"/>
           </a:xfrm>
           <a:prstGeom prst="rect">
             <a:avLst/>
@@ -7958,7 +7634,7 @@
         <p:spPr>
           <a:xfrm>
             <a:off x="4856040" y="4001400"/>
-            <a:ext cx="942120" cy="363600"/>
+            <a:ext cx="941760" cy="363240"/>
           </a:xfrm>
           <a:prstGeom prst="rect">
             <a:avLst/>
@@ -8007,7 +7683,7 @@
         <p:spPr>
           <a:xfrm>
             <a:off x="2052720" y="3558240"/>
-            <a:ext cx="3022920" cy="360"/>
+            <a:ext cx="3022560" cy="360"/>
           </a:xfrm>
           <a:custGeom>
             <a:avLst/>
@@ -8060,7 +7736,7 @@
         <p:spPr>
           <a:xfrm>
             <a:off x="4586400" y="5343480"/>
-            <a:ext cx="1986120" cy="515520"/>
+            <a:ext cx="1985760" cy="515160"/>
           </a:xfrm>
           <a:prstGeom prst="rect">
             <a:avLst/>
@@ -8109,7 +7785,7 @@
         <p:spPr>
           <a:xfrm>
             <a:off x="5076000" y="4487400"/>
-            <a:ext cx="502560" cy="502560"/>
+            <a:ext cx="502200" cy="502200"/>
           </a:xfrm>
           <a:prstGeom prst="ellipse">
             <a:avLst/>
@@ -8169,7 +7845,7 @@
         <p:spPr>
           <a:xfrm>
             <a:off x="5580000" y="2637000"/>
-            <a:ext cx="1150560" cy="360"/>
+            <a:ext cx="1150200" cy="360"/>
           </a:xfrm>
           <a:custGeom>
             <a:avLst/>
@@ -8221,8 +7897,8 @@
         </p:nvSpPr>
         <p:spPr>
           <a:xfrm flipH="1">
-            <a:off x="5578560" y="4725000"/>
-            <a:ext cx="1150560" cy="360"/>
+            <a:off x="5577840" y="4725000"/>
+            <a:ext cx="1150200" cy="360"/>
           </a:xfrm>
           <a:custGeom>
             <a:avLst/>
@@ -8275,7 +7951,7 @@
         <p:spPr>
           <a:xfrm>
             <a:off x="6732360" y="2493000"/>
-            <a:ext cx="1294560" cy="2374920"/>
+            <a:ext cx="1294200" cy="2374560"/>
           </a:xfrm>
           <a:prstGeom prst="rect">
             <a:avLst/>
@@ -8366,7 +8042,7 @@
         <p:spPr>
           <a:xfrm>
             <a:off x="1022760" y="1014840"/>
-            <a:ext cx="7364160" cy="651600"/>
+            <a:ext cx="7363800" cy="651240"/>
           </a:xfrm>
           <a:prstGeom prst="rect">
             <a:avLst/>
@@ -8415,7 +8091,7 @@
         <p:spPr>
           <a:xfrm>
             <a:off x="1022760" y="1883880"/>
-            <a:ext cx="7364160" cy="3886560"/>
+            <a:ext cx="7363800" cy="3886200"/>
           </a:xfrm>
           <a:prstGeom prst="rect">
             <a:avLst/>
@@ -8434,7 +8110,7 @@
         <p:txBody>
           <a:bodyPr lIns="0" rIns="0" tIns="0" bIns="0"/>
           <a:p>
-            <a:pPr marL="343080" indent="-341640">
+            <a:pPr marL="343080" indent="-341280">
               <a:lnSpc>
                 <a:spcPct val="100000"/>
               </a:lnSpc>
@@ -8462,7 +8138,7 @@
             </a:endParaRPr>
           </a:p>
           <a:p>
-            <a:pPr marL="343080" indent="-341640">
+            <a:pPr marL="343080" indent="-341280">
               <a:lnSpc>
                 <a:spcPct val="100000"/>
               </a:lnSpc>
@@ -8490,7 +8166,7 @@
             </a:endParaRPr>
           </a:p>
           <a:p>
-            <a:pPr marL="343080" indent="-341640">
+            <a:pPr marL="343080" indent="-341280">
               <a:lnSpc>
                 <a:spcPct val="100000"/>
               </a:lnSpc>
@@ -8518,7 +8194,7 @@
             </a:endParaRPr>
           </a:p>
           <a:p>
-            <a:pPr lvl="1" marL="864000" indent="-322920">
+            <a:pPr lvl="1" marL="864000" indent="-322560">
               <a:lnSpc>
                 <a:spcPct val="100000"/>
               </a:lnSpc>
@@ -8547,7 +8223,7 @@
             </a:endParaRPr>
           </a:p>
           <a:p>
-            <a:pPr lvl="1" marL="864000" indent="-322920">
+            <a:pPr lvl="1" marL="864000" indent="-322560">
               <a:lnSpc>
                 <a:spcPct val="100000"/>
               </a:lnSpc>
@@ -8576,7 +8252,7 @@
             </a:endParaRPr>
           </a:p>
           <a:p>
-            <a:pPr lvl="1" marL="864000" indent="-322920">
+            <a:pPr lvl="1" marL="864000" indent="-322560">
               <a:lnSpc>
                 <a:spcPct val="100000"/>
               </a:lnSpc>
@@ -8605,7 +8281,7 @@
             </a:endParaRPr>
           </a:p>
           <a:p>
-            <a:pPr marL="343080" indent="-341640">
+            <a:pPr marL="343080" indent="-341280">
               <a:lnSpc>
                 <a:spcPct val="100000"/>
               </a:lnSpc>
@@ -8633,7 +8309,7 @@
             </a:endParaRPr>
           </a:p>
           <a:p>
-            <a:pPr marL="343080" indent="-341640">
+            <a:pPr marL="343080" indent="-341280">
               <a:lnSpc>
                 <a:spcPct val="100000"/>
               </a:lnSpc>
@@ -8661,7 +8337,7 @@
             </a:endParaRPr>
           </a:p>
           <a:p>
-            <a:pPr marL="343080" indent="-341640">
+            <a:pPr marL="343080" indent="-341280">
               <a:lnSpc>
                 <a:spcPct val="100000"/>
               </a:lnSpc>
@@ -8751,7 +8427,7 @@
         <p:spPr>
           <a:xfrm>
             <a:off x="467640" y="6300000"/>
-            <a:ext cx="934560" cy="214560"/>
+            <a:ext cx="934200" cy="214200"/>
           </a:xfrm>
           <a:prstGeom prst="rect">
             <a:avLst/>
@@ -8767,29 +8443,6 @@
           <a:effectRef idx="0"/>
           <a:fontRef idx="minor"/>
         </p:style>
-        <p:txBody>
-          <a:bodyPr lIns="0" rIns="0" tIns="0" bIns="0"/>
-          <a:p>
-            <a:pPr>
-              <a:lnSpc>
-                <a:spcPct val="100000"/>
-              </a:lnSpc>
-            </a:pPr>
-            <a:fld id="{0D17FD62-310E-464F-9959-B6FFA41AA902}" type="datetime1">
-              <a:rPr b="0" lang="nb-NO" sz="1200" spc="-1" strike="noStrike">
-                <a:solidFill>
-                  <a:srgbClr val="a6a6a6"/>
-                </a:solidFill>
-                <a:latin typeface="Times New Roman"/>
-                <a:ea typeface="DejaVu Sans"/>
-              </a:rPr>
-              <a:t>07.12.2018</a:t>
-            </a:fld>
-            <a:endParaRPr b="0" lang="nb-NO" sz="1200" spc="-1" strike="noStrike">
-              <a:latin typeface="Arial"/>
-            </a:endParaRPr>
-          </a:p>
-        </p:txBody>
       </p:sp>
       <p:sp>
         <p:nvSpPr>
@@ -8800,7 +8453,7 @@
         <p:spPr>
           <a:xfrm>
             <a:off x="1404000" y="486000"/>
-            <a:ext cx="6298560" cy="538560"/>
+            <a:ext cx="6298200" cy="538200"/>
           </a:xfrm>
           <a:prstGeom prst="rect">
             <a:avLst/>
@@ -8825,7 +8478,7 @@
               </a:lnSpc>
             </a:pPr>
             <a:r>
-              <a:rPr b="0" lang="nb-NO" sz="1200" spc="89" strike="noStrike" cap="all">
+              <a:rPr b="0" lang="nb-NO" sz="1200" spc="86" strike="noStrike" cap="all">
                 <a:solidFill>
                   <a:srgbClr val="a6a6a6"/>
                 </a:solidFill>
@@ -8849,7 +8502,7 @@
         <p:spPr>
           <a:xfrm>
             <a:off x="1702440" y="6300000"/>
-            <a:ext cx="707760" cy="214560"/>
+            <a:ext cx="707400" cy="214200"/>
           </a:xfrm>
           <a:prstGeom prst="rect">
             <a:avLst/>
@@ -8883,16 +8536,6 @@
               </a:rPr>
               <a:t>Side </a:t>
             </a:r>
-            <a:fld id="{A2EDE71F-46D2-4E6A-86DC-5529CB8A17F5}" type="slidenum">
-              <a:rPr b="0" lang="nb-NO" sz="1200" spc="-1" strike="noStrike" cap="all">
-                <a:solidFill>
-                  <a:srgbClr val="a6a6a6"/>
-                </a:solidFill>
-                <a:latin typeface="Times New Roman"/>
-                <a:ea typeface="DejaVu Sans"/>
-              </a:rPr>
-              <a:t>1</a:t>
-            </a:fld>
             <a:endParaRPr b="0" lang="nb-NO" sz="1200" spc="-1" strike="noStrike">
               <a:latin typeface="Arial"/>
             </a:endParaRPr>
@@ -8957,7 +8600,7 @@
         <p:spPr>
           <a:xfrm>
             <a:off x="1022760" y="1014840"/>
-            <a:ext cx="7364160" cy="651600"/>
+            <a:ext cx="7363800" cy="651240"/>
           </a:xfrm>
           <a:prstGeom prst="rect">
             <a:avLst/>
@@ -9006,7 +8649,7 @@
         <p:spPr>
           <a:xfrm>
             <a:off x="1022760" y="1883880"/>
-            <a:ext cx="7364160" cy="3886560"/>
+            <a:ext cx="7363800" cy="3886200"/>
           </a:xfrm>
           <a:prstGeom prst="rect">
             <a:avLst/>
@@ -9025,7 +8668,7 @@
         <p:txBody>
           <a:bodyPr lIns="0" rIns="0" tIns="0" bIns="0"/>
           <a:p>
-            <a:pPr marL="343080" indent="-341640">
+            <a:pPr marL="343080" indent="-341280">
               <a:lnSpc>
                 <a:spcPct val="100000"/>
               </a:lnSpc>
@@ -9053,7 +8696,7 @@
             </a:endParaRPr>
           </a:p>
           <a:p>
-            <a:pPr marL="343080" indent="-341640">
+            <a:pPr marL="343080" indent="-341280">
               <a:lnSpc>
                 <a:spcPct val="100000"/>
               </a:lnSpc>
@@ -9081,7 +8724,7 @@
             </a:endParaRPr>
           </a:p>
           <a:p>
-            <a:pPr marL="343080" indent="-341640">
+            <a:pPr marL="343080" indent="-341280">
               <a:lnSpc>
                 <a:spcPct val="100000"/>
               </a:lnSpc>
@@ -9109,7 +8752,7 @@
             </a:endParaRPr>
           </a:p>
           <a:p>
-            <a:pPr lvl="1" marL="864000" indent="-322920">
+            <a:pPr lvl="1" marL="864000" indent="-322560">
               <a:lnSpc>
                 <a:spcPct val="100000"/>
               </a:lnSpc>
@@ -9138,7 +8781,7 @@
             </a:endParaRPr>
           </a:p>
           <a:p>
-            <a:pPr lvl="1" marL="864000" indent="-322920">
+            <a:pPr lvl="1" marL="864000" indent="-322560">
               <a:lnSpc>
                 <a:spcPct val="100000"/>
               </a:lnSpc>
@@ -9167,7 +8810,7 @@
             </a:endParaRPr>
           </a:p>
           <a:p>
-            <a:pPr lvl="1" marL="864000" indent="-322920">
+            <a:pPr lvl="1" marL="864000" indent="-322560">
               <a:lnSpc>
                 <a:spcPct val="100000"/>
               </a:lnSpc>
@@ -9196,7 +8839,7 @@
             </a:endParaRPr>
           </a:p>
           <a:p>
-            <a:pPr marL="343080" indent="-341640">
+            <a:pPr marL="343080" indent="-341280">
               <a:lnSpc>
                 <a:spcPct val="100000"/>
               </a:lnSpc>
@@ -9224,7 +8867,7 @@
             </a:endParaRPr>
           </a:p>
           <a:p>
-            <a:pPr marL="343080" indent="-341640">
+            <a:pPr marL="343080" indent="-341280">
               <a:lnSpc>
                 <a:spcPct val="100000"/>
               </a:lnSpc>
@@ -9252,7 +8895,7 @@
             </a:endParaRPr>
           </a:p>
           <a:p>
-            <a:pPr marL="343080" indent="-341640">
+            <a:pPr marL="343080" indent="-341280">
               <a:lnSpc>
                 <a:spcPct val="100000"/>
               </a:lnSpc>
@@ -9342,7 +8985,7 @@
         <p:spPr>
           <a:xfrm>
             <a:off x="467640" y="6300000"/>
-            <a:ext cx="934560" cy="214560"/>
+            <a:ext cx="934200" cy="214200"/>
           </a:xfrm>
           <a:prstGeom prst="rect">
             <a:avLst/>
@@ -9358,29 +9001,6 @@
           <a:effectRef idx="0"/>
           <a:fontRef idx="minor"/>
         </p:style>
-        <p:txBody>
-          <a:bodyPr lIns="0" rIns="0" tIns="0" bIns="0"/>
-          <a:p>
-            <a:pPr>
-              <a:lnSpc>
-                <a:spcPct val="100000"/>
-              </a:lnSpc>
-            </a:pPr>
-            <a:fld id="{DA167120-6C81-4D09-9C88-E925DDB55429}" type="datetime1">
-              <a:rPr b="0" lang="nb-NO" sz="1200" spc="-1" strike="noStrike">
-                <a:solidFill>
-                  <a:srgbClr val="a6a6a6"/>
-                </a:solidFill>
-                <a:latin typeface="Times New Roman"/>
-                <a:ea typeface="DejaVu Sans"/>
-              </a:rPr>
-              <a:t>07.12.2018</a:t>
-            </a:fld>
-            <a:endParaRPr b="0" lang="nb-NO" sz="1200" spc="-1" strike="noStrike">
-              <a:latin typeface="Arial"/>
-            </a:endParaRPr>
-          </a:p>
-        </p:txBody>
       </p:sp>
       <p:sp>
         <p:nvSpPr>
@@ -9391,7 +9011,7 @@
         <p:spPr>
           <a:xfrm>
             <a:off x="1404000" y="486000"/>
-            <a:ext cx="6298560" cy="538560"/>
+            <a:ext cx="6298200" cy="538200"/>
           </a:xfrm>
           <a:prstGeom prst="rect">
             <a:avLst/>
@@ -9416,7 +9036,7 @@
               </a:lnSpc>
             </a:pPr>
             <a:r>
-              <a:rPr b="0" lang="nb-NO" sz="1200" spc="89" strike="noStrike" cap="all">
+              <a:rPr b="0" lang="nb-NO" sz="1200" spc="86" strike="noStrike" cap="all">
                 <a:solidFill>
                   <a:srgbClr val="a6a6a6"/>
                 </a:solidFill>
@@ -9440,7 +9060,7 @@
         <p:spPr>
           <a:xfrm>
             <a:off x="1702440" y="6300000"/>
-            <a:ext cx="707760" cy="214560"/>
+            <a:ext cx="707400" cy="214200"/>
           </a:xfrm>
           <a:prstGeom prst="rect">
             <a:avLst/>
@@ -9474,16 +9094,6 @@
               </a:rPr>
               <a:t>Side </a:t>
             </a:r>
-            <a:fld id="{BF5F70DD-B8CE-4EE4-B65D-182E66A7ABA3}" type="slidenum">
-              <a:rPr b="0" lang="nb-NO" sz="1200" spc="-1" strike="noStrike" cap="all">
-                <a:solidFill>
-                  <a:srgbClr val="a6a6a6"/>
-                </a:solidFill>
-                <a:latin typeface="Times New Roman"/>
-                <a:ea typeface="DejaVu Sans"/>
-              </a:rPr>
-              <a:t>1</a:t>
-            </a:fld>
             <a:endParaRPr b="0" lang="nb-NO" sz="1200" spc="-1" strike="noStrike">
               <a:latin typeface="Arial"/>
             </a:endParaRPr>
@@ -9548,7 +9158,7 @@
         <p:spPr>
           <a:xfrm>
             <a:off x="1022760" y="1014840"/>
-            <a:ext cx="7364160" cy="651600"/>
+            <a:ext cx="7363800" cy="651240"/>
           </a:xfrm>
           <a:prstGeom prst="rect">
             <a:avLst/>
@@ -9597,7 +9207,7 @@
         <p:spPr>
           <a:xfrm>
             <a:off x="467640" y="6300000"/>
-            <a:ext cx="934560" cy="214560"/>
+            <a:ext cx="934200" cy="214200"/>
           </a:xfrm>
           <a:prstGeom prst="rect">
             <a:avLst/>
@@ -9613,29 +9223,6 @@
           <a:effectRef idx="0"/>
           <a:fontRef idx="minor"/>
         </p:style>
-        <p:txBody>
-          <a:bodyPr lIns="0" rIns="0" tIns="0" bIns="0"/>
-          <a:p>
-            <a:pPr>
-              <a:lnSpc>
-                <a:spcPct val="100000"/>
-              </a:lnSpc>
-            </a:pPr>
-            <a:fld id="{F194596A-4333-4020-BF27-16F247BD01B0}" type="datetime1">
-              <a:rPr b="0" lang="nb-NO" sz="1200" spc="-1" strike="noStrike">
-                <a:solidFill>
-                  <a:srgbClr val="a6a6a6"/>
-                </a:solidFill>
-                <a:latin typeface="Times New Roman"/>
-                <a:ea typeface="DejaVu Sans"/>
-              </a:rPr>
-              <a:t>07.12.2018</a:t>
-            </a:fld>
-            <a:endParaRPr b="0" lang="nb-NO" sz="1200" spc="-1" strike="noStrike">
-              <a:latin typeface="Arial"/>
-            </a:endParaRPr>
-          </a:p>
-        </p:txBody>
       </p:sp>
       <p:sp>
         <p:nvSpPr>
@@ -9646,7 +9233,7 @@
         <p:spPr>
           <a:xfrm>
             <a:off x="1404000" y="486000"/>
-            <a:ext cx="6298560" cy="538560"/>
+            <a:ext cx="6298200" cy="538200"/>
           </a:xfrm>
           <a:prstGeom prst="rect">
             <a:avLst/>
@@ -9671,7 +9258,7 @@
               </a:lnSpc>
             </a:pPr>
             <a:r>
-              <a:rPr b="0" lang="nb-NO" sz="1200" spc="89" strike="noStrike" cap="all">
+              <a:rPr b="0" lang="nb-NO" sz="1200" spc="86" strike="noStrike" cap="all">
                 <a:solidFill>
                   <a:srgbClr val="a6a6a6"/>
                 </a:solidFill>
@@ -9695,7 +9282,7 @@
         <p:spPr>
           <a:xfrm>
             <a:off x="1702440" y="6300000"/>
-            <a:ext cx="707760" cy="214560"/>
+            <a:ext cx="707400" cy="214200"/>
           </a:xfrm>
           <a:prstGeom prst="rect">
             <a:avLst/>
@@ -9729,16 +9316,6 @@
               </a:rPr>
               <a:t>Side </a:t>
             </a:r>
-            <a:fld id="{22C73ECB-0F83-4BF3-AE37-E8156B7F49B1}" type="slidenum">
-              <a:rPr b="0" lang="nb-NO" sz="1200" spc="-1" strike="noStrike" cap="all">
-                <a:solidFill>
-                  <a:srgbClr val="a6a6a6"/>
-                </a:solidFill>
-                <a:latin typeface="Times New Roman"/>
-                <a:ea typeface="DejaVu Sans"/>
-              </a:rPr>
-              <a:t>1</a:t>
-            </a:fld>
             <a:endParaRPr b="0" lang="nb-NO" sz="1200" spc="-1" strike="noStrike">
               <a:latin typeface="Arial"/>
             </a:endParaRPr>
@@ -9754,7 +9331,7 @@
         <p:spPr>
           <a:xfrm>
             <a:off x="2416680" y="4012560"/>
-            <a:ext cx="502560" cy="502560"/>
+            <a:ext cx="502200" cy="502200"/>
           </a:xfrm>
           <a:prstGeom prst="ellipse">
             <a:avLst/>
@@ -9814,7 +9391,7 @@
         <p:spPr>
           <a:xfrm>
             <a:off x="5945400" y="4012560"/>
-            <a:ext cx="502560" cy="502560"/>
+            <a:ext cx="502200" cy="502200"/>
           </a:xfrm>
           <a:prstGeom prst="ellipse">
             <a:avLst/>
@@ -9874,7 +9451,7 @@
         <p:spPr>
           <a:xfrm>
             <a:off x="2921040" y="4264560"/>
-            <a:ext cx="933480" cy="360"/>
+            <a:ext cx="933120" cy="360"/>
           </a:xfrm>
           <a:custGeom>
             <a:avLst/>
@@ -9927,7 +9504,7 @@
         <p:spPr>
           <a:xfrm>
             <a:off x="4899960" y="4264560"/>
-            <a:ext cx="1044000" cy="360"/>
+            <a:ext cx="1043640" cy="360"/>
           </a:xfrm>
           <a:custGeom>
             <a:avLst/>
@@ -10086,7 +9663,7 @@
         <p:spPr>
           <a:xfrm>
             <a:off x="2339640" y="3501000"/>
-            <a:ext cx="656640" cy="420840"/>
+            <a:ext cx="656280" cy="420480"/>
           </a:xfrm>
           <a:prstGeom prst="rect">
             <a:avLst/>
@@ -10109,7 +9686,7 @@
         <p:spPr>
           <a:xfrm>
             <a:off x="6900480" y="3459600"/>
-            <a:ext cx="760680" cy="503280"/>
+            <a:ext cx="760320" cy="502920"/>
           </a:xfrm>
           <a:prstGeom prst="rect">
             <a:avLst/>
@@ -10132,7 +9709,7 @@
         <p:spPr>
           <a:xfrm>
             <a:off x="5868000" y="3501000"/>
-            <a:ext cx="656640" cy="420840"/>
+            <a:ext cx="656280" cy="420480"/>
           </a:xfrm>
           <a:prstGeom prst="rect">
             <a:avLst/>
@@ -10155,7 +9732,7 @@
         <p:spPr>
           <a:xfrm>
             <a:off x="1190520" y="3459600"/>
-            <a:ext cx="760680" cy="503280"/>
+            <a:ext cx="760320" cy="502920"/>
           </a:xfrm>
           <a:prstGeom prst="rect">
             <a:avLst/>
@@ -10174,7 +9751,7 @@
         <p:spPr>
           <a:xfrm>
             <a:off x="1952640" y="3712320"/>
-            <a:ext cx="385560" cy="360"/>
+            <a:ext cx="385200" cy="360"/>
           </a:xfrm>
           <a:custGeom>
             <a:avLst/>
@@ -10227,7 +9804,7 @@
         <p:spPr>
           <a:xfrm>
             <a:off x="6600960" y="3712320"/>
-            <a:ext cx="385560" cy="360"/>
+            <a:ext cx="385200" cy="360"/>
           </a:xfrm>
           <a:custGeom>
             <a:avLst/>
@@ -10280,7 +9857,7 @@
         <p:spPr>
           <a:xfrm>
             <a:off x="1022760" y="1883880"/>
-            <a:ext cx="7364160" cy="3886560"/>
+            <a:ext cx="7363800" cy="3886200"/>
           </a:xfrm>
           <a:prstGeom prst="rect">
             <a:avLst/>
@@ -10301,7 +9878,7 @@
             <a:normAutofit/>
           </a:bodyPr>
           <a:p>
-            <a:pPr marL="343080" indent="-341640">
+            <a:pPr marL="343080" indent="-341280">
               <a:lnSpc>
                 <a:spcPct val="100000"/>
               </a:lnSpc>
@@ -10329,7 +9906,7 @@
             </a:endParaRPr>
           </a:p>
           <a:p>
-            <a:pPr marL="343080" indent="-341640">
+            <a:pPr marL="343080" indent="-341280">
               <a:lnSpc>
                 <a:spcPct val="100000"/>
               </a:lnSpc>
@@ -10357,7 +9934,7 @@
             </a:endParaRPr>
           </a:p>
           <a:p>
-            <a:pPr lvl="1" marL="743040" indent="-284400">
+            <a:pPr lvl="1" marL="743040" indent="-284040">
               <a:lnSpc>
                 <a:spcPct val="100000"/>
               </a:lnSpc>
@@ -10488,7 +10065,7 @@
         <p:spPr>
           <a:xfrm>
             <a:off x="3609720" y="4420800"/>
-            <a:ext cx="2063520" cy="400320"/>
+            <a:ext cx="2063160" cy="399960"/>
           </a:xfrm>
           <a:prstGeom prst="rect">
             <a:avLst/>
@@ -10567,7 +10144,7 @@
         <p:spPr>
           <a:xfrm>
             <a:off x="2311560" y="4504320"/>
-            <a:ext cx="871920" cy="249120"/>
+            <a:ext cx="871560" cy="248760"/>
           </a:xfrm>
           <a:prstGeom prst="rect">
             <a:avLst/>
@@ -10616,7 +10193,7 @@
         <p:spPr>
           <a:xfrm>
             <a:off x="5858280" y="4504680"/>
-            <a:ext cx="980280" cy="249120"/>
+            <a:ext cx="979920" cy="248760"/>
           </a:xfrm>
           <a:prstGeom prst="rect">
             <a:avLst/>
@@ -10665,7 +10242,7 @@
         <p:spPr>
           <a:xfrm>
             <a:off x="3620160" y="5901120"/>
-            <a:ext cx="2380680" cy="400320"/>
+            <a:ext cx="2380320" cy="399960"/>
           </a:xfrm>
           <a:prstGeom prst="rect">
             <a:avLst/>
@@ -10753,7 +10330,7 @@
         </p:nvGraphicFramePr>
         <p:xfrm>
           <a:off x="1216080" y="5070240"/>
-          <a:ext cx="6095160" cy="740160"/>
+          <a:ext cx="6095160" cy="739800"/>
         </p:xfrm>
         <a:graphic>
           <a:graphicData uri="http://schemas.openxmlformats.org/drawingml/2006/table">
@@ -11027,7 +10604,7 @@
                   </a:tcPr>
                 </a:tc>
               </a:tr>
-              <a:tr h="369360">
+              <a:tr h="369000">
                 <a:tc>
                   <a:txBody>
                     <a:bodyPr/>
@@ -11351,7 +10928,7 @@
         <p:spPr>
           <a:xfrm>
             <a:off x="1022760" y="1014840"/>
-            <a:ext cx="7364160" cy="651600"/>
+            <a:ext cx="7363800" cy="651240"/>
           </a:xfrm>
           <a:prstGeom prst="rect">
             <a:avLst/>
@@ -11400,7 +10977,7 @@
         <p:spPr>
           <a:xfrm>
             <a:off x="1022760" y="1883880"/>
-            <a:ext cx="7364160" cy="3886560"/>
+            <a:ext cx="7363800" cy="3886200"/>
           </a:xfrm>
           <a:prstGeom prst="rect">
             <a:avLst/>
@@ -11419,7 +10996,7 @@
         <p:txBody>
           <a:bodyPr lIns="0" rIns="0" tIns="0" bIns="0"/>
           <a:p>
-            <a:pPr marL="343080" indent="-341640">
+            <a:pPr marL="343080" indent="-341280">
               <a:lnSpc>
                 <a:spcPct val="100000"/>
               </a:lnSpc>
@@ -11447,7 +11024,7 @@
             </a:endParaRPr>
           </a:p>
           <a:p>
-            <a:pPr marL="343080" indent="-341640">
+            <a:pPr marL="343080" indent="-341280">
               <a:lnSpc>
                 <a:spcPct val="100000"/>
               </a:lnSpc>
@@ -11475,7 +11052,7 @@
             </a:endParaRPr>
           </a:p>
           <a:p>
-            <a:pPr marL="343080" indent="-341640">
+            <a:pPr marL="343080" indent="-341280">
               <a:lnSpc>
                 <a:spcPct val="100000"/>
               </a:lnSpc>
@@ -11503,7 +11080,7 @@
             </a:endParaRPr>
           </a:p>
           <a:p>
-            <a:pPr lvl="1" marL="864000" indent="-322920">
+            <a:pPr lvl="1" marL="864000" indent="-322560">
               <a:lnSpc>
                 <a:spcPct val="100000"/>
               </a:lnSpc>
@@ -11532,7 +11109,7 @@
             </a:endParaRPr>
           </a:p>
           <a:p>
-            <a:pPr lvl="1" marL="864000" indent="-322920">
+            <a:pPr lvl="1" marL="864000" indent="-322560">
               <a:lnSpc>
                 <a:spcPct val="100000"/>
               </a:lnSpc>
@@ -11561,7 +11138,7 @@
             </a:endParaRPr>
           </a:p>
           <a:p>
-            <a:pPr lvl="1" marL="864000" indent="-322920">
+            <a:pPr lvl="1" marL="864000" indent="-322560">
               <a:lnSpc>
                 <a:spcPct val="100000"/>
               </a:lnSpc>
@@ -11590,7 +11167,7 @@
             </a:endParaRPr>
           </a:p>
           <a:p>
-            <a:pPr marL="343080" indent="-341640">
+            <a:pPr marL="343080" indent="-341280">
               <a:lnSpc>
                 <a:spcPct val="100000"/>
               </a:lnSpc>
@@ -11618,7 +11195,7 @@
             </a:endParaRPr>
           </a:p>
           <a:p>
-            <a:pPr marL="343080" indent="-341640">
+            <a:pPr marL="343080" indent="-341280">
               <a:lnSpc>
                 <a:spcPct val="100000"/>
               </a:lnSpc>
@@ -11646,7 +11223,7 @@
             </a:endParaRPr>
           </a:p>
           <a:p>
-            <a:pPr marL="343080" indent="-341640">
+            <a:pPr marL="343080" indent="-341280">
               <a:lnSpc>
                 <a:spcPct val="100000"/>
               </a:lnSpc>
@@ -11736,7 +11313,7 @@
         <p:spPr>
           <a:xfrm>
             <a:off x="467640" y="6300000"/>
-            <a:ext cx="934560" cy="214560"/>
+            <a:ext cx="934200" cy="214200"/>
           </a:xfrm>
           <a:prstGeom prst="rect">
             <a:avLst/>
@@ -11752,29 +11329,6 @@
           <a:effectRef idx="0"/>
           <a:fontRef idx="minor"/>
         </p:style>
-        <p:txBody>
-          <a:bodyPr lIns="0" rIns="0" tIns="0" bIns="0"/>
-          <a:p>
-            <a:pPr>
-              <a:lnSpc>
-                <a:spcPct val="100000"/>
-              </a:lnSpc>
-            </a:pPr>
-            <a:fld id="{FAA0CD2D-D543-42B0-BB3F-C0C66BD7A2F8}" type="datetime1">
-              <a:rPr b="0" lang="nb-NO" sz="1200" spc="-1" strike="noStrike">
-                <a:solidFill>
-                  <a:srgbClr val="a6a6a6"/>
-                </a:solidFill>
-                <a:latin typeface="Times New Roman"/>
-                <a:ea typeface="DejaVu Sans"/>
-              </a:rPr>
-              <a:t>07.12.2018</a:t>
-            </a:fld>
-            <a:endParaRPr b="0" lang="nb-NO" sz="1200" spc="-1" strike="noStrike">
-              <a:latin typeface="Arial"/>
-            </a:endParaRPr>
-          </a:p>
-        </p:txBody>
       </p:sp>
       <p:sp>
         <p:nvSpPr>
@@ -11785,7 +11339,7 @@
         <p:spPr>
           <a:xfrm>
             <a:off x="1404000" y="486000"/>
-            <a:ext cx="6298560" cy="538560"/>
+            <a:ext cx="6298200" cy="538200"/>
           </a:xfrm>
           <a:prstGeom prst="rect">
             <a:avLst/>
@@ -11810,7 +11364,7 @@
               </a:lnSpc>
             </a:pPr>
             <a:r>
-              <a:rPr b="0" lang="nb-NO" sz="1200" spc="89" strike="noStrike" cap="all">
+              <a:rPr b="0" lang="nb-NO" sz="1200" spc="86" strike="noStrike" cap="all">
                 <a:solidFill>
                   <a:srgbClr val="a6a6a6"/>
                 </a:solidFill>
@@ -11834,7 +11388,7 @@
         <p:spPr>
           <a:xfrm>
             <a:off x="1702440" y="6300000"/>
-            <a:ext cx="707760" cy="214560"/>
+            <a:ext cx="707400" cy="214200"/>
           </a:xfrm>
           <a:prstGeom prst="rect">
             <a:avLst/>
@@ -11868,16 +11422,6 @@
               </a:rPr>
               <a:t>Side </a:t>
             </a:r>
-            <a:fld id="{189C2939-DA1E-4A03-A186-0E95A06595FE}" type="slidenum">
-              <a:rPr b="0" lang="nb-NO" sz="1200" spc="-1" strike="noStrike" cap="all">
-                <a:solidFill>
-                  <a:srgbClr val="a6a6a6"/>
-                </a:solidFill>
-                <a:latin typeface="Times New Roman"/>
-                <a:ea typeface="DejaVu Sans"/>
-              </a:rPr>
-              <a:t>1</a:t>
-            </a:fld>
             <a:endParaRPr b="0" lang="nb-NO" sz="1200" spc="-1" strike="noStrike">
               <a:latin typeface="Arial"/>
             </a:endParaRPr>
@@ -11942,7 +11486,7 @@
         <p:spPr>
           <a:xfrm>
             <a:off x="1022760" y="1014840"/>
-            <a:ext cx="7364160" cy="651600"/>
+            <a:ext cx="7363800" cy="651240"/>
           </a:xfrm>
           <a:prstGeom prst="rect">
             <a:avLst/>
@@ -11991,7 +11535,7 @@
         <p:spPr>
           <a:xfrm>
             <a:off x="1022760" y="1883880"/>
-            <a:ext cx="7364160" cy="3886560"/>
+            <a:ext cx="7363800" cy="3886200"/>
           </a:xfrm>
           <a:prstGeom prst="rect">
             <a:avLst/>
@@ -12010,7 +11554,7 @@
         <p:txBody>
           <a:bodyPr lIns="0" rIns="0" tIns="0" bIns="0"/>
           <a:p>
-            <a:pPr marL="343080" indent="-341640">
+            <a:pPr marL="343080" indent="-341280">
               <a:lnSpc>
                 <a:spcPct val="100000"/>
               </a:lnSpc>
@@ -12038,7 +11582,7 @@
             </a:endParaRPr>
           </a:p>
           <a:p>
-            <a:pPr marL="343080" indent="-341640">
+            <a:pPr marL="343080" indent="-341280">
               <a:lnSpc>
                 <a:spcPct val="100000"/>
               </a:lnSpc>
@@ -12066,7 +11610,7 @@
             </a:endParaRPr>
           </a:p>
           <a:p>
-            <a:pPr marL="343080" indent="-341640">
+            <a:pPr marL="343080" indent="-341280">
               <a:lnSpc>
                 <a:spcPct val="100000"/>
               </a:lnSpc>
@@ -12094,7 +11638,7 @@
             </a:endParaRPr>
           </a:p>
           <a:p>
-            <a:pPr lvl="1" marL="864000" indent="-322920">
+            <a:pPr lvl="1" marL="864000" indent="-322560">
               <a:lnSpc>
                 <a:spcPct val="100000"/>
               </a:lnSpc>
@@ -12123,7 +11667,7 @@
             </a:endParaRPr>
           </a:p>
           <a:p>
-            <a:pPr lvl="1" marL="864000" indent="-322920">
+            <a:pPr lvl="1" marL="864000" indent="-322560">
               <a:lnSpc>
                 <a:spcPct val="100000"/>
               </a:lnSpc>
@@ -12152,7 +11696,7 @@
             </a:endParaRPr>
           </a:p>
           <a:p>
-            <a:pPr lvl="1" marL="864000" indent="-322920">
+            <a:pPr lvl="1" marL="864000" indent="-322560">
               <a:lnSpc>
                 <a:spcPct val="100000"/>
               </a:lnSpc>
@@ -12181,7 +11725,7 @@
             </a:endParaRPr>
           </a:p>
           <a:p>
-            <a:pPr marL="343080" indent="-341640">
+            <a:pPr marL="343080" indent="-341280">
               <a:lnSpc>
                 <a:spcPct val="100000"/>
               </a:lnSpc>
@@ -12209,7 +11753,7 @@
             </a:endParaRPr>
           </a:p>
           <a:p>
-            <a:pPr marL="343080" indent="-341640">
+            <a:pPr marL="343080" indent="-341280">
               <a:lnSpc>
                 <a:spcPct val="100000"/>
               </a:lnSpc>
@@ -12237,7 +11781,7 @@
             </a:endParaRPr>
           </a:p>
           <a:p>
-            <a:pPr marL="343080" indent="-341640">
+            <a:pPr marL="343080" indent="-341280">
               <a:lnSpc>
                 <a:spcPct val="100000"/>
               </a:lnSpc>
@@ -12327,7 +11871,7 @@
         <p:spPr>
           <a:xfrm>
             <a:off x="467640" y="6300000"/>
-            <a:ext cx="934560" cy="214560"/>
+            <a:ext cx="934200" cy="214200"/>
           </a:xfrm>
           <a:prstGeom prst="rect">
             <a:avLst/>
@@ -12343,29 +11887,6 @@
           <a:effectRef idx="0"/>
           <a:fontRef idx="minor"/>
         </p:style>
-        <p:txBody>
-          <a:bodyPr lIns="0" rIns="0" tIns="0" bIns="0"/>
-          <a:p>
-            <a:pPr>
-              <a:lnSpc>
-                <a:spcPct val="100000"/>
-              </a:lnSpc>
-            </a:pPr>
-            <a:fld id="{1420C51D-0AF3-4D2A-976B-837B967B4F85}" type="datetime1">
-              <a:rPr b="0" lang="nb-NO" sz="1200" spc="-1" strike="noStrike">
-                <a:solidFill>
-                  <a:srgbClr val="a6a6a6"/>
-                </a:solidFill>
-                <a:latin typeface="Times New Roman"/>
-                <a:ea typeface="DejaVu Sans"/>
-              </a:rPr>
-              <a:t>07.12.2018</a:t>
-            </a:fld>
-            <a:endParaRPr b="0" lang="nb-NO" sz="1200" spc="-1" strike="noStrike">
-              <a:latin typeface="Arial"/>
-            </a:endParaRPr>
-          </a:p>
-        </p:txBody>
       </p:sp>
       <p:sp>
         <p:nvSpPr>
@@ -12376,7 +11897,7 @@
         <p:spPr>
           <a:xfrm>
             <a:off x="1404000" y="486000"/>
-            <a:ext cx="6298560" cy="538560"/>
+            <a:ext cx="6298200" cy="538200"/>
           </a:xfrm>
           <a:prstGeom prst="rect">
             <a:avLst/>
@@ -12401,7 +11922,7 @@
               </a:lnSpc>
             </a:pPr>
             <a:r>
-              <a:rPr b="0" lang="nb-NO" sz="1200" spc="89" strike="noStrike" cap="all">
+              <a:rPr b="0" lang="nb-NO" sz="1200" spc="86" strike="noStrike" cap="all">
                 <a:solidFill>
                   <a:srgbClr val="a6a6a6"/>
                 </a:solidFill>
@@ -12425,7 +11946,7 @@
         <p:spPr>
           <a:xfrm>
             <a:off x="1702440" y="6300000"/>
-            <a:ext cx="707760" cy="214560"/>
+            <a:ext cx="707400" cy="214200"/>
           </a:xfrm>
           <a:prstGeom prst="rect">
             <a:avLst/>
@@ -12459,16 +11980,6 @@
               </a:rPr>
               <a:t>Side </a:t>
             </a:r>
-            <a:fld id="{B7352087-C045-44FA-812D-4A2F1E1C46CF}" type="slidenum">
-              <a:rPr b="0" lang="nb-NO" sz="1200" spc="-1" strike="noStrike" cap="all">
-                <a:solidFill>
-                  <a:srgbClr val="a6a6a6"/>
-                </a:solidFill>
-                <a:latin typeface="Times New Roman"/>
-                <a:ea typeface="DejaVu Sans"/>
-              </a:rPr>
-              <a:t>1</a:t>
-            </a:fld>
             <a:endParaRPr b="0" lang="nb-NO" sz="1200" spc="-1" strike="noStrike">
               <a:latin typeface="Arial"/>
             </a:endParaRPr>
@@ -12533,7 +12044,7 @@
         <p:spPr>
           <a:xfrm>
             <a:off x="1022760" y="1014840"/>
-            <a:ext cx="7364160" cy="651600"/>
+            <a:ext cx="7363800" cy="651240"/>
           </a:xfrm>
           <a:prstGeom prst="rect">
             <a:avLst/>
@@ -12582,7 +12093,7 @@
         <p:spPr>
           <a:xfrm>
             <a:off x="467640" y="6300000"/>
-            <a:ext cx="934560" cy="214560"/>
+            <a:ext cx="934200" cy="214200"/>
           </a:xfrm>
           <a:prstGeom prst="rect">
             <a:avLst/>
@@ -12598,29 +12109,6 @@
           <a:effectRef idx="0"/>
           <a:fontRef idx="minor"/>
         </p:style>
-        <p:txBody>
-          <a:bodyPr lIns="0" rIns="0" tIns="0" bIns="0"/>
-          <a:p>
-            <a:pPr>
-              <a:lnSpc>
-                <a:spcPct val="100000"/>
-              </a:lnSpc>
-            </a:pPr>
-            <a:fld id="{4920C911-EEF7-451F-9033-1D454F8C9EE8}" type="datetime1">
-              <a:rPr b="0" lang="nb-NO" sz="1200" spc="-1" strike="noStrike">
-                <a:solidFill>
-                  <a:srgbClr val="a6a6a6"/>
-                </a:solidFill>
-                <a:latin typeface="Times New Roman"/>
-                <a:ea typeface="DejaVu Sans"/>
-              </a:rPr>
-              <a:t>07.12.2018</a:t>
-            </a:fld>
-            <a:endParaRPr b="0" lang="nb-NO" sz="1200" spc="-1" strike="noStrike">
-              <a:latin typeface="Arial"/>
-            </a:endParaRPr>
-          </a:p>
-        </p:txBody>
       </p:sp>
       <p:sp>
         <p:nvSpPr>
@@ -12631,7 +12119,7 @@
         <p:spPr>
           <a:xfrm>
             <a:off x="1404000" y="486000"/>
-            <a:ext cx="6298560" cy="538560"/>
+            <a:ext cx="6298200" cy="538200"/>
           </a:xfrm>
           <a:prstGeom prst="rect">
             <a:avLst/>
@@ -12656,7 +12144,7 @@
               </a:lnSpc>
             </a:pPr>
             <a:r>
-              <a:rPr b="0" lang="nb-NO" sz="1200" spc="89" strike="noStrike" cap="all">
+              <a:rPr b="0" lang="nb-NO" sz="1200" spc="86" strike="noStrike" cap="all">
                 <a:solidFill>
                   <a:srgbClr val="a6a6a6"/>
                 </a:solidFill>
@@ -12680,7 +12168,7 @@
         <p:spPr>
           <a:xfrm>
             <a:off x="1702440" y="6300000"/>
-            <a:ext cx="707760" cy="214560"/>
+            <a:ext cx="707400" cy="214200"/>
           </a:xfrm>
           <a:prstGeom prst="rect">
             <a:avLst/>
@@ -12714,16 +12202,6 @@
               </a:rPr>
               <a:t>Side </a:t>
             </a:r>
-            <a:fld id="{55D45FAE-4DD7-41EF-819A-761BF4C23DDD}" type="slidenum">
-              <a:rPr b="0" lang="nb-NO" sz="1200" spc="-1" strike="noStrike" cap="all">
-                <a:solidFill>
-                  <a:srgbClr val="a6a6a6"/>
-                </a:solidFill>
-                <a:latin typeface="Times New Roman"/>
-                <a:ea typeface="DejaVu Sans"/>
-              </a:rPr>
-              <a:t>1</a:t>
-            </a:fld>
             <a:endParaRPr b="0" lang="nb-NO" sz="1200" spc="-1" strike="noStrike">
               <a:latin typeface="Arial"/>
             </a:endParaRPr>
@@ -12739,7 +12217,7 @@
         <p:spPr>
           <a:xfrm>
             <a:off x="2409120" y="4239720"/>
-            <a:ext cx="502560" cy="502560"/>
+            <a:ext cx="502200" cy="502200"/>
           </a:xfrm>
           <a:prstGeom prst="ellipse">
             <a:avLst/>
@@ -12799,7 +12277,7 @@
         <p:spPr>
           <a:xfrm>
             <a:off x="6483960" y="4239720"/>
-            <a:ext cx="502560" cy="502560"/>
+            <a:ext cx="502200" cy="502200"/>
           </a:xfrm>
           <a:prstGeom prst="ellipse">
             <a:avLst/>
@@ -12859,7 +12337,7 @@
         <p:spPr>
           <a:xfrm>
             <a:off x="2913120" y="4491720"/>
-            <a:ext cx="933480" cy="360"/>
+            <a:ext cx="933120" cy="360"/>
           </a:xfrm>
           <a:custGeom>
             <a:avLst/>
@@ -12912,7 +12390,7 @@
         <p:spPr>
           <a:xfrm>
             <a:off x="5438880" y="4491720"/>
-            <a:ext cx="1044000" cy="360"/>
+            <a:ext cx="1043640" cy="360"/>
           </a:xfrm>
           <a:custGeom>
             <a:avLst/>
@@ -12965,7 +12443,7 @@
         <p:spPr>
           <a:xfrm>
             <a:off x="1022760" y="1883880"/>
-            <a:ext cx="7364160" cy="3886560"/>
+            <a:ext cx="7363800" cy="3886200"/>
           </a:xfrm>
           <a:prstGeom prst="rect">
             <a:avLst/>
@@ -13084,7 +12562,7 @@
         <p:spPr>
           <a:xfrm>
             <a:off x="2222640" y="5295600"/>
-            <a:ext cx="1406880" cy="249120"/>
+            <a:ext cx="1406520" cy="248760"/>
           </a:xfrm>
           <a:prstGeom prst="rect">
             <a:avLst/>
@@ -13133,7 +12611,7 @@
         <p:spPr>
           <a:xfrm>
             <a:off x="6258960" y="5247360"/>
-            <a:ext cx="1487520" cy="249120"/>
+            <a:ext cx="1487160" cy="248760"/>
           </a:xfrm>
           <a:prstGeom prst="rect">
             <a:avLst/>
@@ -13681,7 +13159,7 @@
         <p:spPr>
           <a:xfrm>
             <a:off x="1175400" y="2036520"/>
-            <a:ext cx="7364160" cy="3886560"/>
+            <a:ext cx="7363800" cy="3886200"/>
           </a:xfrm>
           <a:prstGeom prst="rect">
             <a:avLst/>
@@ -13700,7 +13178,7 @@
         <p:txBody>
           <a:bodyPr lIns="0" rIns="0" tIns="0" bIns="0"/>
           <a:p>
-            <a:pPr marL="343080" indent="-341640">
+            <a:pPr marL="343080" indent="-341280">
               <a:lnSpc>
                 <a:spcPct val="100000"/>
               </a:lnSpc>
@@ -13728,7 +13206,7 @@
             </a:endParaRPr>
           </a:p>
           <a:p>
-            <a:pPr marL="343080" indent="-341640">
+            <a:pPr marL="343080" indent="-341280">
               <a:lnSpc>
                 <a:spcPct val="100000"/>
               </a:lnSpc>
@@ -13756,7 +13234,7 @@
             </a:endParaRPr>
           </a:p>
           <a:p>
-            <a:pPr marL="343080" indent="-341640">
+            <a:pPr marL="343080" indent="-341280">
               <a:lnSpc>
                 <a:spcPct val="100000"/>
               </a:lnSpc>
@@ -13843,7 +13321,7 @@
         <p:spPr>
           <a:xfrm>
             <a:off x="1022760" y="1014840"/>
-            <a:ext cx="7364160" cy="651600"/>
+            <a:ext cx="7363800" cy="651240"/>
           </a:xfrm>
           <a:prstGeom prst="rect">
             <a:avLst/>
@@ -13892,7 +13370,7 @@
         <p:spPr>
           <a:xfrm>
             <a:off x="1022760" y="1883880"/>
-            <a:ext cx="7364160" cy="3886560"/>
+            <a:ext cx="7363800" cy="3886200"/>
           </a:xfrm>
           <a:prstGeom prst="rect">
             <a:avLst/>
@@ -13911,7 +13389,7 @@
         <p:txBody>
           <a:bodyPr lIns="0" rIns="0" tIns="0" bIns="0"/>
           <a:p>
-            <a:pPr marL="343080" indent="-341640">
+            <a:pPr marL="343080" indent="-341280">
               <a:lnSpc>
                 <a:spcPct val="100000"/>
               </a:lnSpc>
@@ -13939,7 +13417,7 @@
             </a:endParaRPr>
           </a:p>
           <a:p>
-            <a:pPr marL="343080" indent="-341640">
+            <a:pPr marL="343080" indent="-341280">
               <a:lnSpc>
                 <a:spcPct val="100000"/>
               </a:lnSpc>
@@ -13967,7 +13445,7 @@
             </a:endParaRPr>
           </a:p>
           <a:p>
-            <a:pPr marL="343080" indent="-341640">
+            <a:pPr marL="343080" indent="-341280">
               <a:lnSpc>
                 <a:spcPct val="100000"/>
               </a:lnSpc>
@@ -13995,7 +13473,7 @@
             </a:endParaRPr>
           </a:p>
           <a:p>
-            <a:pPr lvl="1" marL="864000" indent="-322920">
+            <a:pPr lvl="1" marL="864000" indent="-322560">
               <a:lnSpc>
                 <a:spcPct val="100000"/>
               </a:lnSpc>
@@ -14024,7 +13502,7 @@
             </a:endParaRPr>
           </a:p>
           <a:p>
-            <a:pPr lvl="1" marL="864000" indent="-322920">
+            <a:pPr lvl="1" marL="864000" indent="-322560">
               <a:lnSpc>
                 <a:spcPct val="100000"/>
               </a:lnSpc>
@@ -14053,7 +13531,7 @@
             </a:endParaRPr>
           </a:p>
           <a:p>
-            <a:pPr lvl="1" marL="864000" indent="-322920">
+            <a:pPr lvl="1" marL="864000" indent="-322560">
               <a:lnSpc>
                 <a:spcPct val="100000"/>
               </a:lnSpc>
@@ -14082,7 +13560,7 @@
             </a:endParaRPr>
           </a:p>
           <a:p>
-            <a:pPr marL="343080" indent="-341640">
+            <a:pPr marL="343080" indent="-341280">
               <a:lnSpc>
                 <a:spcPct val="100000"/>
               </a:lnSpc>
@@ -14110,7 +13588,7 @@
             </a:endParaRPr>
           </a:p>
           <a:p>
-            <a:pPr marL="343080" indent="-341640">
+            <a:pPr marL="343080" indent="-341280">
               <a:lnSpc>
                 <a:spcPct val="100000"/>
               </a:lnSpc>
@@ -14138,7 +13616,7 @@
             </a:endParaRPr>
           </a:p>
           <a:p>
-            <a:pPr marL="343080" indent="-341640">
+            <a:pPr marL="343080" indent="-341280">
               <a:lnSpc>
                 <a:spcPct val="100000"/>
               </a:lnSpc>
@@ -14228,7 +13706,7 @@
         <p:spPr>
           <a:xfrm>
             <a:off x="467640" y="6300000"/>
-            <a:ext cx="934560" cy="214560"/>
+            <a:ext cx="934200" cy="214200"/>
           </a:xfrm>
           <a:prstGeom prst="rect">
             <a:avLst/>
@@ -14244,29 +13722,6 @@
           <a:effectRef idx="0"/>
           <a:fontRef idx="minor"/>
         </p:style>
-        <p:txBody>
-          <a:bodyPr lIns="0" rIns="0" tIns="0" bIns="0"/>
-          <a:p>
-            <a:pPr>
-              <a:lnSpc>
-                <a:spcPct val="100000"/>
-              </a:lnSpc>
-            </a:pPr>
-            <a:fld id="{01D76E4C-EE58-4D1C-A969-ADE1A11FA6B0}" type="datetime1">
-              <a:rPr b="0" lang="nb-NO" sz="1200" spc="-1" strike="noStrike">
-                <a:solidFill>
-                  <a:srgbClr val="a6a6a6"/>
-                </a:solidFill>
-                <a:latin typeface="Times New Roman"/>
-                <a:ea typeface="DejaVu Sans"/>
-              </a:rPr>
-              <a:t>07.12.2018</a:t>
-            </a:fld>
-            <a:endParaRPr b="0" lang="nb-NO" sz="1200" spc="-1" strike="noStrike">
-              <a:latin typeface="Arial"/>
-            </a:endParaRPr>
-          </a:p>
-        </p:txBody>
       </p:sp>
       <p:sp>
         <p:nvSpPr>
@@ -14277,7 +13732,7 @@
         <p:spPr>
           <a:xfrm>
             <a:off x="1404000" y="486000"/>
-            <a:ext cx="6298560" cy="538560"/>
+            <a:ext cx="6298200" cy="538200"/>
           </a:xfrm>
           <a:prstGeom prst="rect">
             <a:avLst/>
@@ -14302,7 +13757,7 @@
               </a:lnSpc>
             </a:pPr>
             <a:r>
-              <a:rPr b="0" lang="nb-NO" sz="1200" spc="89" strike="noStrike" cap="all">
+              <a:rPr b="0" lang="nb-NO" sz="1200" spc="86" strike="noStrike" cap="all">
                 <a:solidFill>
                   <a:srgbClr val="a6a6a6"/>
                 </a:solidFill>
@@ -14326,7 +13781,7 @@
         <p:spPr>
           <a:xfrm>
             <a:off x="1702440" y="6300000"/>
-            <a:ext cx="707760" cy="214560"/>
+            <a:ext cx="707400" cy="214200"/>
           </a:xfrm>
           <a:prstGeom prst="rect">
             <a:avLst/>
@@ -14360,16 +13815,6 @@
               </a:rPr>
               <a:t>Side </a:t>
             </a:r>
-            <a:fld id="{D0015068-741F-4BE7-AB8F-F8D736C7F6B7}" type="slidenum">
-              <a:rPr b="0" lang="nb-NO" sz="1200" spc="-1" strike="noStrike" cap="all">
-                <a:solidFill>
-                  <a:srgbClr val="a6a6a6"/>
-                </a:solidFill>
-                <a:latin typeface="Times New Roman"/>
-                <a:ea typeface="DejaVu Sans"/>
-              </a:rPr>
-              <a:t>1</a:t>
-            </a:fld>
             <a:endParaRPr b="0" lang="nb-NO" sz="1200" spc="-1" strike="noStrike">
               <a:latin typeface="Arial"/>
             </a:endParaRPr>
@@ -14434,7 +13879,7 @@
         <p:spPr>
           <a:xfrm>
             <a:off x="1022760" y="1014840"/>
-            <a:ext cx="7364160" cy="651600"/>
+            <a:ext cx="7363800" cy="651240"/>
           </a:xfrm>
           <a:prstGeom prst="rect">
             <a:avLst/>
@@ -14483,7 +13928,7 @@
         <p:spPr>
           <a:xfrm>
             <a:off x="1022760" y="1883880"/>
-            <a:ext cx="7364160" cy="3886560"/>
+            <a:ext cx="7363800" cy="3886200"/>
           </a:xfrm>
           <a:prstGeom prst="rect">
             <a:avLst/>
@@ -14502,7 +13947,7 @@
         <p:txBody>
           <a:bodyPr lIns="0" rIns="0" tIns="0" bIns="0"/>
           <a:p>
-            <a:pPr marL="343080" indent="-341640">
+            <a:pPr marL="343080" indent="-341280">
               <a:lnSpc>
                 <a:spcPct val="100000"/>
               </a:lnSpc>
@@ -14530,7 +13975,7 @@
             </a:endParaRPr>
           </a:p>
           <a:p>
-            <a:pPr marL="343080" indent="-341640">
+            <a:pPr marL="343080" indent="-341280">
               <a:lnSpc>
                 <a:spcPct val="100000"/>
               </a:lnSpc>
@@ -14558,7 +14003,7 @@
             </a:endParaRPr>
           </a:p>
           <a:p>
-            <a:pPr marL="343080" indent="-341640">
+            <a:pPr marL="343080" indent="-341280">
               <a:lnSpc>
                 <a:spcPct val="100000"/>
               </a:lnSpc>
@@ -14586,7 +14031,7 @@
             </a:endParaRPr>
           </a:p>
           <a:p>
-            <a:pPr lvl="1" marL="864000" indent="-322920">
+            <a:pPr lvl="1" marL="864000" indent="-322560">
               <a:lnSpc>
                 <a:spcPct val="100000"/>
               </a:lnSpc>
@@ -14615,7 +14060,7 @@
             </a:endParaRPr>
           </a:p>
           <a:p>
-            <a:pPr lvl="1" marL="864000" indent="-322920">
+            <a:pPr lvl="1" marL="864000" indent="-322560">
               <a:lnSpc>
                 <a:spcPct val="100000"/>
               </a:lnSpc>
@@ -14644,7 +14089,7 @@
             </a:endParaRPr>
           </a:p>
           <a:p>
-            <a:pPr lvl="1" marL="864000" indent="-322920">
+            <a:pPr lvl="1" marL="864000" indent="-322560">
               <a:lnSpc>
                 <a:spcPct val="100000"/>
               </a:lnSpc>
@@ -14673,7 +14118,7 @@
             </a:endParaRPr>
           </a:p>
           <a:p>
-            <a:pPr marL="343080" indent="-341640">
+            <a:pPr marL="343080" indent="-341280">
               <a:lnSpc>
                 <a:spcPct val="100000"/>
               </a:lnSpc>
@@ -14701,7 +14146,7 @@
             </a:endParaRPr>
           </a:p>
           <a:p>
-            <a:pPr marL="343080" indent="-341640">
+            <a:pPr marL="343080" indent="-341280">
               <a:lnSpc>
                 <a:spcPct val="100000"/>
               </a:lnSpc>
@@ -14729,7 +14174,7 @@
             </a:endParaRPr>
           </a:p>
           <a:p>
-            <a:pPr marL="343080" indent="-341640">
+            <a:pPr marL="343080" indent="-341280">
               <a:lnSpc>
                 <a:spcPct val="100000"/>
               </a:lnSpc>
@@ -14819,7 +14264,7 @@
         <p:spPr>
           <a:xfrm>
             <a:off x="467640" y="6300000"/>
-            <a:ext cx="934560" cy="214560"/>
+            <a:ext cx="934200" cy="214200"/>
           </a:xfrm>
           <a:prstGeom prst="rect">
             <a:avLst/>
@@ -14835,29 +14280,6 @@
           <a:effectRef idx="0"/>
           <a:fontRef idx="minor"/>
         </p:style>
-        <p:txBody>
-          <a:bodyPr lIns="0" rIns="0" tIns="0" bIns="0"/>
-          <a:p>
-            <a:pPr>
-              <a:lnSpc>
-                <a:spcPct val="100000"/>
-              </a:lnSpc>
-            </a:pPr>
-            <a:fld id="{E0D5C212-2761-4F53-A77A-32DAD9D03A62}" type="datetime1">
-              <a:rPr b="0" lang="nb-NO" sz="1200" spc="-1" strike="noStrike">
-                <a:solidFill>
-                  <a:srgbClr val="a6a6a6"/>
-                </a:solidFill>
-                <a:latin typeface="Times New Roman"/>
-                <a:ea typeface="DejaVu Sans"/>
-              </a:rPr>
-              <a:t>07.12.2018</a:t>
-            </a:fld>
-            <a:endParaRPr b="0" lang="nb-NO" sz="1200" spc="-1" strike="noStrike">
-              <a:latin typeface="Arial"/>
-            </a:endParaRPr>
-          </a:p>
-        </p:txBody>
       </p:sp>
       <p:sp>
         <p:nvSpPr>
@@ -14868,7 +14290,7 @@
         <p:spPr>
           <a:xfrm>
             <a:off x="1404000" y="486000"/>
-            <a:ext cx="6298560" cy="538560"/>
+            <a:ext cx="6298200" cy="538200"/>
           </a:xfrm>
           <a:prstGeom prst="rect">
             <a:avLst/>
@@ -14893,7 +14315,7 @@
               </a:lnSpc>
             </a:pPr>
             <a:r>
-              <a:rPr b="0" lang="nb-NO" sz="1200" spc="89" strike="noStrike" cap="all">
+              <a:rPr b="0" lang="nb-NO" sz="1200" spc="86" strike="noStrike" cap="all">
                 <a:solidFill>
                   <a:srgbClr val="a6a6a6"/>
                 </a:solidFill>
@@ -14917,7 +14339,7 @@
         <p:spPr>
           <a:xfrm>
             <a:off x="1702440" y="6300000"/>
-            <a:ext cx="707760" cy="214560"/>
+            <a:ext cx="707400" cy="214200"/>
           </a:xfrm>
           <a:prstGeom prst="rect">
             <a:avLst/>
@@ -14951,16 +14373,6 @@
               </a:rPr>
               <a:t>Side </a:t>
             </a:r>
-            <a:fld id="{4E74DEED-4642-4E28-8CF7-F52ABE7356C0}" type="slidenum">
-              <a:rPr b="0" lang="nb-NO" sz="1200" spc="-1" strike="noStrike" cap="all">
-                <a:solidFill>
-                  <a:srgbClr val="a6a6a6"/>
-                </a:solidFill>
-                <a:latin typeface="Times New Roman"/>
-                <a:ea typeface="DejaVu Sans"/>
-              </a:rPr>
-              <a:t>1</a:t>
-            </a:fld>
             <a:endParaRPr b="0" lang="nb-NO" sz="1200" spc="-1" strike="noStrike">
               <a:latin typeface="Arial"/>
             </a:endParaRPr>
@@ -15025,7 +14437,7 @@
         <p:spPr>
           <a:xfrm>
             <a:off x="1022760" y="1014840"/>
-            <a:ext cx="7364160" cy="651600"/>
+            <a:ext cx="7363800" cy="651240"/>
           </a:xfrm>
           <a:prstGeom prst="rect">
             <a:avLst/>
@@ -15074,7 +14486,7 @@
         <p:spPr>
           <a:xfrm>
             <a:off x="1022760" y="1883880"/>
-            <a:ext cx="7364160" cy="3886560"/>
+            <a:ext cx="7363800" cy="3886200"/>
           </a:xfrm>
           <a:prstGeom prst="rect">
             <a:avLst/>
@@ -15093,7 +14505,7 @@
         <p:txBody>
           <a:bodyPr lIns="0" rIns="0" tIns="0" bIns="0"/>
           <a:p>
-            <a:pPr marL="343080" indent="-341640">
+            <a:pPr marL="343080" indent="-341280">
               <a:lnSpc>
                 <a:spcPct val="100000"/>
               </a:lnSpc>
@@ -15121,7 +14533,7 @@
             </a:endParaRPr>
           </a:p>
           <a:p>
-            <a:pPr marL="343080" indent="-341640">
+            <a:pPr marL="343080" indent="-341280">
               <a:lnSpc>
                 <a:spcPct val="100000"/>
               </a:lnSpc>
@@ -15149,7 +14561,7 @@
             </a:endParaRPr>
           </a:p>
           <a:p>
-            <a:pPr marL="343080" indent="-341640">
+            <a:pPr marL="343080" indent="-341280">
               <a:lnSpc>
                 <a:spcPct val="100000"/>
               </a:lnSpc>
@@ -15177,7 +14589,7 @@
             </a:endParaRPr>
           </a:p>
           <a:p>
-            <a:pPr lvl="1" marL="864000" indent="-322920">
+            <a:pPr lvl="1" marL="864000" indent="-322560">
               <a:lnSpc>
                 <a:spcPct val="100000"/>
               </a:lnSpc>
@@ -15206,7 +14618,7 @@
             </a:endParaRPr>
           </a:p>
           <a:p>
-            <a:pPr lvl="1" marL="864000" indent="-322920">
+            <a:pPr lvl="1" marL="864000" indent="-322560">
               <a:lnSpc>
                 <a:spcPct val="100000"/>
               </a:lnSpc>
@@ -15235,7 +14647,7 @@
             </a:endParaRPr>
           </a:p>
           <a:p>
-            <a:pPr lvl="1" marL="864000" indent="-322920">
+            <a:pPr lvl="1" marL="864000" indent="-322560">
               <a:lnSpc>
                 <a:spcPct val="100000"/>
               </a:lnSpc>
@@ -15264,7 +14676,7 @@
             </a:endParaRPr>
           </a:p>
           <a:p>
-            <a:pPr marL="343080" indent="-341640">
+            <a:pPr marL="343080" indent="-341280">
               <a:lnSpc>
                 <a:spcPct val="100000"/>
               </a:lnSpc>
@@ -15292,7 +14704,7 @@
             </a:endParaRPr>
           </a:p>
           <a:p>
-            <a:pPr marL="343080" indent="-341640">
+            <a:pPr marL="343080" indent="-341280">
               <a:lnSpc>
                 <a:spcPct val="100000"/>
               </a:lnSpc>
@@ -15320,7 +14732,7 @@
             </a:endParaRPr>
           </a:p>
           <a:p>
-            <a:pPr marL="343080" indent="-341640">
+            <a:pPr marL="343080" indent="-341280">
               <a:lnSpc>
                 <a:spcPct val="100000"/>
               </a:lnSpc>
@@ -15410,7 +14822,7 @@
         <p:spPr>
           <a:xfrm>
             <a:off x="467640" y="6300000"/>
-            <a:ext cx="934560" cy="214560"/>
+            <a:ext cx="934200" cy="214200"/>
           </a:xfrm>
           <a:prstGeom prst="rect">
             <a:avLst/>
@@ -15426,29 +14838,6 @@
           <a:effectRef idx="0"/>
           <a:fontRef idx="minor"/>
         </p:style>
-        <p:txBody>
-          <a:bodyPr lIns="0" rIns="0" tIns="0" bIns="0"/>
-          <a:p>
-            <a:pPr>
-              <a:lnSpc>
-                <a:spcPct val="100000"/>
-              </a:lnSpc>
-            </a:pPr>
-            <a:fld id="{07A6F8EF-D38B-4057-94F5-85F48C356053}" type="datetime1">
-              <a:rPr b="0" lang="nb-NO" sz="1200" spc="-1" strike="noStrike">
-                <a:solidFill>
-                  <a:srgbClr val="a6a6a6"/>
-                </a:solidFill>
-                <a:latin typeface="Times New Roman"/>
-                <a:ea typeface="DejaVu Sans"/>
-              </a:rPr>
-              <a:t>07.12.2018</a:t>
-            </a:fld>
-            <a:endParaRPr b="0" lang="nb-NO" sz="1200" spc="-1" strike="noStrike">
-              <a:latin typeface="Arial"/>
-            </a:endParaRPr>
-          </a:p>
-        </p:txBody>
       </p:sp>
       <p:sp>
         <p:nvSpPr>
@@ -15459,7 +14848,7 @@
         <p:spPr>
           <a:xfrm>
             <a:off x="1404000" y="486000"/>
-            <a:ext cx="6298560" cy="538560"/>
+            <a:ext cx="6298200" cy="538200"/>
           </a:xfrm>
           <a:prstGeom prst="rect">
             <a:avLst/>
@@ -15484,7 +14873,7 @@
               </a:lnSpc>
             </a:pPr>
             <a:r>
-              <a:rPr b="0" lang="nb-NO" sz="1200" spc="89" strike="noStrike" cap="all">
+              <a:rPr b="0" lang="nb-NO" sz="1200" spc="86" strike="noStrike" cap="all">
                 <a:solidFill>
                   <a:srgbClr val="a6a6a6"/>
                 </a:solidFill>
@@ -15508,7 +14897,7 @@
         <p:spPr>
           <a:xfrm>
             <a:off x="1702440" y="6300000"/>
-            <a:ext cx="707760" cy="214560"/>
+            <a:ext cx="707400" cy="214200"/>
           </a:xfrm>
           <a:prstGeom prst="rect">
             <a:avLst/>
@@ -15542,16 +14931,6 @@
               </a:rPr>
               <a:t>Side </a:t>
             </a:r>
-            <a:fld id="{403675FB-05BE-40AA-A96B-4BB45A802FCB}" type="slidenum">
-              <a:rPr b="0" lang="nb-NO" sz="1200" spc="-1" strike="noStrike" cap="all">
-                <a:solidFill>
-                  <a:srgbClr val="a6a6a6"/>
-                </a:solidFill>
-                <a:latin typeface="Times New Roman"/>
-                <a:ea typeface="DejaVu Sans"/>
-              </a:rPr>
-              <a:t>1</a:t>
-            </a:fld>
             <a:endParaRPr b="0" lang="nb-NO" sz="1200" spc="-1" strike="noStrike">
               <a:latin typeface="Arial"/>
             </a:endParaRPr>
@@ -15616,7 +14995,7 @@
         <p:spPr>
           <a:xfrm>
             <a:off x="1022760" y="1014840"/>
-            <a:ext cx="7364160" cy="651600"/>
+            <a:ext cx="7363800" cy="651240"/>
           </a:xfrm>
           <a:prstGeom prst="rect">
             <a:avLst/>
@@ -15665,7 +15044,7 @@
         <p:spPr>
           <a:xfrm>
             <a:off x="1022760" y="1883880"/>
-            <a:ext cx="7364160" cy="3886560"/>
+            <a:ext cx="7363800" cy="3886200"/>
           </a:xfrm>
           <a:prstGeom prst="rect">
             <a:avLst/>
@@ -15684,7 +15063,7 @@
         <p:txBody>
           <a:bodyPr lIns="0" rIns="0" tIns="0" bIns="0"/>
           <a:p>
-            <a:pPr marL="343080" indent="-341640">
+            <a:pPr marL="343080" indent="-341280">
               <a:lnSpc>
                 <a:spcPct val="100000"/>
               </a:lnSpc>
@@ -15712,7 +15091,7 @@
             </a:endParaRPr>
           </a:p>
           <a:p>
-            <a:pPr marL="343080" indent="-341640">
+            <a:pPr marL="343080" indent="-341280">
               <a:lnSpc>
                 <a:spcPct val="100000"/>
               </a:lnSpc>
@@ -15740,7 +15119,7 @@
             </a:endParaRPr>
           </a:p>
           <a:p>
-            <a:pPr marL="343080" indent="-341640">
+            <a:pPr marL="343080" indent="-341280">
               <a:lnSpc>
                 <a:spcPct val="100000"/>
               </a:lnSpc>
@@ -15768,7 +15147,7 @@
             </a:endParaRPr>
           </a:p>
           <a:p>
-            <a:pPr marL="343080" indent="-341640">
+            <a:pPr marL="343080" indent="-341280">
               <a:lnSpc>
                 <a:spcPct val="100000"/>
               </a:lnSpc>
@@ -15819,7 +15198,7 @@
         <p:spPr>
           <a:xfrm>
             <a:off x="467640" y="6300000"/>
-            <a:ext cx="934560" cy="214560"/>
+            <a:ext cx="934200" cy="214200"/>
           </a:xfrm>
           <a:prstGeom prst="rect">
             <a:avLst/>
@@ -15835,29 +15214,6 @@
           <a:effectRef idx="0"/>
           <a:fontRef idx="minor"/>
         </p:style>
-        <p:txBody>
-          <a:bodyPr lIns="0" rIns="0" tIns="0" bIns="0"/>
-          <a:p>
-            <a:pPr>
-              <a:lnSpc>
-                <a:spcPct val="100000"/>
-              </a:lnSpc>
-            </a:pPr>
-            <a:fld id="{34F245DE-B82A-4701-ACBD-6D4DE57879E8}" type="datetime1">
-              <a:rPr b="0" lang="nb-NO" sz="1200" spc="-1" strike="noStrike">
-                <a:solidFill>
-                  <a:srgbClr val="a6a6a6"/>
-                </a:solidFill>
-                <a:latin typeface="Times New Roman"/>
-                <a:ea typeface="DejaVu Sans"/>
-              </a:rPr>
-              <a:t>07.12.2018</a:t>
-            </a:fld>
-            <a:endParaRPr b="0" lang="nb-NO" sz="1200" spc="-1" strike="noStrike">
-              <a:latin typeface="Arial"/>
-            </a:endParaRPr>
-          </a:p>
-        </p:txBody>
       </p:sp>
       <p:sp>
         <p:nvSpPr>
@@ -15868,7 +15224,7 @@
         <p:spPr>
           <a:xfrm>
             <a:off x="1404000" y="486000"/>
-            <a:ext cx="6298560" cy="538560"/>
+            <a:ext cx="6298200" cy="538200"/>
           </a:xfrm>
           <a:prstGeom prst="rect">
             <a:avLst/>
@@ -15893,7 +15249,7 @@
               </a:lnSpc>
             </a:pPr>
             <a:r>
-              <a:rPr b="0" lang="nb-NO" sz="1200" spc="89" strike="noStrike" cap="all">
+              <a:rPr b="0" lang="nb-NO" sz="1200" spc="86" strike="noStrike" cap="all">
                 <a:solidFill>
                   <a:srgbClr val="a6a6a6"/>
                 </a:solidFill>
@@ -15917,7 +15273,7 @@
         <p:spPr>
           <a:xfrm>
             <a:off x="1702440" y="6300000"/>
-            <a:ext cx="707760" cy="214560"/>
+            <a:ext cx="707400" cy="214200"/>
           </a:xfrm>
           <a:prstGeom prst="rect">
             <a:avLst/>
@@ -15951,16 +15307,6 @@
               </a:rPr>
               <a:t>Side </a:t>
             </a:r>
-            <a:fld id="{A6107C2D-181B-469D-951D-56922EBB21F0}" type="slidenum">
-              <a:rPr b="0" lang="nb-NO" sz="1200" spc="-1" strike="noStrike" cap="all">
-                <a:solidFill>
-                  <a:srgbClr val="a6a6a6"/>
-                </a:solidFill>
-                <a:latin typeface="Times New Roman"/>
-                <a:ea typeface="DejaVu Sans"/>
-              </a:rPr>
-              <a:t>1</a:t>
-            </a:fld>
             <a:endParaRPr b="0" lang="nb-NO" sz="1200" spc="-1" strike="noStrike">
               <a:latin typeface="Arial"/>
             </a:endParaRPr>
@@ -16025,7 +15371,7 @@
         <p:spPr>
           <a:xfrm>
             <a:off x="1022760" y="1014840"/>
-            <a:ext cx="7364160" cy="651600"/>
+            <a:ext cx="7363800" cy="651240"/>
           </a:xfrm>
           <a:prstGeom prst="rect">
             <a:avLst/>
@@ -16074,7 +15420,7 @@
         <p:spPr>
           <a:xfrm>
             <a:off x="1022760" y="1883880"/>
-            <a:ext cx="7364160" cy="3886560"/>
+            <a:ext cx="7363800" cy="3886200"/>
           </a:xfrm>
           <a:prstGeom prst="rect">
             <a:avLst/>
@@ -16093,7 +15439,7 @@
         <p:txBody>
           <a:bodyPr lIns="0" rIns="0" tIns="0" bIns="0"/>
           <a:p>
-            <a:pPr marL="343080" indent="-341640">
+            <a:pPr marL="343080" indent="-341280">
               <a:lnSpc>
                 <a:spcPct val="100000"/>
               </a:lnSpc>
@@ -16121,7 +15467,7 @@
             </a:endParaRPr>
           </a:p>
           <a:p>
-            <a:pPr marL="343080" indent="-341640">
+            <a:pPr marL="343080" indent="-341280">
               <a:lnSpc>
                 <a:spcPct val="100000"/>
               </a:lnSpc>
@@ -16149,7 +15495,7 @@
             </a:endParaRPr>
           </a:p>
           <a:p>
-            <a:pPr marL="343080" indent="-341640">
+            <a:pPr marL="343080" indent="-341280">
               <a:lnSpc>
                 <a:spcPct val="100000"/>
               </a:lnSpc>
@@ -16177,7 +15523,7 @@
             </a:endParaRPr>
           </a:p>
           <a:p>
-            <a:pPr lvl="1" marL="864000" indent="-322920">
+            <a:pPr lvl="1" marL="864000" indent="-322560">
               <a:lnSpc>
                 <a:spcPct val="100000"/>
               </a:lnSpc>
@@ -16206,7 +15552,7 @@
             </a:endParaRPr>
           </a:p>
           <a:p>
-            <a:pPr lvl="1" marL="864000" indent="-322920">
+            <a:pPr lvl="1" marL="864000" indent="-322560">
               <a:lnSpc>
                 <a:spcPct val="100000"/>
               </a:lnSpc>
@@ -16235,7 +15581,7 @@
             </a:endParaRPr>
           </a:p>
           <a:p>
-            <a:pPr lvl="1" marL="864000" indent="-322920">
+            <a:pPr lvl="1" marL="864000" indent="-322560">
               <a:lnSpc>
                 <a:spcPct val="100000"/>
               </a:lnSpc>
@@ -16264,7 +15610,7 @@
             </a:endParaRPr>
           </a:p>
           <a:p>
-            <a:pPr marL="343080" indent="-341640">
+            <a:pPr marL="343080" indent="-341280">
               <a:lnSpc>
                 <a:spcPct val="100000"/>
               </a:lnSpc>
@@ -16292,7 +15638,7 @@
             </a:endParaRPr>
           </a:p>
           <a:p>
-            <a:pPr marL="343080" indent="-341640">
+            <a:pPr marL="343080" indent="-341280">
               <a:lnSpc>
                 <a:spcPct val="100000"/>
               </a:lnSpc>
@@ -16320,7 +15666,7 @@
             </a:endParaRPr>
           </a:p>
           <a:p>
-            <a:pPr marL="343080" indent="-341640">
+            <a:pPr marL="343080" indent="-341280">
               <a:lnSpc>
                 <a:spcPct val="100000"/>
               </a:lnSpc>
@@ -16410,7 +15756,7 @@
         <p:spPr>
           <a:xfrm>
             <a:off x="467640" y="6300000"/>
-            <a:ext cx="934560" cy="214560"/>
+            <a:ext cx="934200" cy="214200"/>
           </a:xfrm>
           <a:prstGeom prst="rect">
             <a:avLst/>
@@ -16426,29 +15772,6 @@
           <a:effectRef idx="0"/>
           <a:fontRef idx="minor"/>
         </p:style>
-        <p:txBody>
-          <a:bodyPr lIns="0" rIns="0" tIns="0" bIns="0"/>
-          <a:p>
-            <a:pPr>
-              <a:lnSpc>
-                <a:spcPct val="100000"/>
-              </a:lnSpc>
-            </a:pPr>
-            <a:fld id="{7B9D9CEC-B241-4182-B72A-B3E118A5FE98}" type="datetime1">
-              <a:rPr b="0" lang="nb-NO" sz="1200" spc="-1" strike="noStrike">
-                <a:solidFill>
-                  <a:srgbClr val="a6a6a6"/>
-                </a:solidFill>
-                <a:latin typeface="Times New Roman"/>
-                <a:ea typeface="DejaVu Sans"/>
-              </a:rPr>
-              <a:t>07.12.2018</a:t>
-            </a:fld>
-            <a:endParaRPr b="0" lang="nb-NO" sz="1200" spc="-1" strike="noStrike">
-              <a:latin typeface="Arial"/>
-            </a:endParaRPr>
-          </a:p>
-        </p:txBody>
       </p:sp>
       <p:sp>
         <p:nvSpPr>
@@ -16459,7 +15782,7 @@
         <p:spPr>
           <a:xfrm>
             <a:off x="1404000" y="486000"/>
-            <a:ext cx="6298560" cy="538560"/>
+            <a:ext cx="6298200" cy="538200"/>
           </a:xfrm>
           <a:prstGeom prst="rect">
             <a:avLst/>
@@ -16484,7 +15807,7 @@
               </a:lnSpc>
             </a:pPr>
             <a:r>
-              <a:rPr b="0" lang="nb-NO" sz="1200" spc="89" strike="noStrike" cap="all">
+              <a:rPr b="0" lang="nb-NO" sz="1200" spc="86" strike="noStrike" cap="all">
                 <a:solidFill>
                   <a:srgbClr val="a6a6a6"/>
                 </a:solidFill>
@@ -16508,7 +15831,7 @@
         <p:spPr>
           <a:xfrm>
             <a:off x="1702440" y="6300000"/>
-            <a:ext cx="707760" cy="214560"/>
+            <a:ext cx="707400" cy="214200"/>
           </a:xfrm>
           <a:prstGeom prst="rect">
             <a:avLst/>
@@ -16542,16 +15865,6 @@
               </a:rPr>
               <a:t>Side </a:t>
             </a:r>
-            <a:fld id="{062507C1-6364-466D-BC5B-EE0AB8934617}" type="slidenum">
-              <a:rPr b="0" lang="nb-NO" sz="1200" spc="-1" strike="noStrike" cap="all">
-                <a:solidFill>
-                  <a:srgbClr val="a6a6a6"/>
-                </a:solidFill>
-                <a:latin typeface="Times New Roman"/>
-                <a:ea typeface="DejaVu Sans"/>
-              </a:rPr>
-              <a:t>1</a:t>
-            </a:fld>
             <a:endParaRPr b="0" lang="nb-NO" sz="1200" spc="-1" strike="noStrike">
               <a:latin typeface="Arial"/>
             </a:endParaRPr>
@@ -16616,7 +15929,7 @@
         <p:spPr>
           <a:xfrm>
             <a:off x="1022760" y="1014840"/>
-            <a:ext cx="7364160" cy="651600"/>
+            <a:ext cx="7363800" cy="651240"/>
           </a:xfrm>
           <a:prstGeom prst="rect">
             <a:avLst/>
@@ -16665,7 +15978,7 @@
         <p:spPr>
           <a:xfrm>
             <a:off x="1022760" y="1883880"/>
-            <a:ext cx="7364160" cy="3886560"/>
+            <a:ext cx="7363800" cy="3886200"/>
           </a:xfrm>
           <a:prstGeom prst="rect">
             <a:avLst/>
@@ -16684,7 +15997,7 @@
         <p:txBody>
           <a:bodyPr lIns="0" rIns="0" tIns="0" bIns="0"/>
           <a:p>
-            <a:pPr marL="343080" indent="-341640">
+            <a:pPr marL="343080" indent="-341280">
               <a:lnSpc>
                 <a:spcPct val="100000"/>
               </a:lnSpc>
@@ -16712,7 +16025,7 @@
             </a:endParaRPr>
           </a:p>
           <a:p>
-            <a:pPr marL="343080" indent="-341640">
+            <a:pPr marL="343080" indent="-341280">
               <a:lnSpc>
                 <a:spcPct val="100000"/>
               </a:lnSpc>
@@ -16740,7 +16053,7 @@
             </a:endParaRPr>
           </a:p>
           <a:p>
-            <a:pPr marL="343080" indent="-341640">
+            <a:pPr marL="343080" indent="-341280">
               <a:lnSpc>
                 <a:spcPct val="100000"/>
               </a:lnSpc>
@@ -16768,7 +16081,7 @@
             </a:endParaRPr>
           </a:p>
           <a:p>
-            <a:pPr lvl="1" marL="864000" indent="-322920">
+            <a:pPr lvl="1" marL="864000" indent="-322560">
               <a:lnSpc>
                 <a:spcPct val="100000"/>
               </a:lnSpc>
@@ -16797,7 +16110,7 @@
             </a:endParaRPr>
           </a:p>
           <a:p>
-            <a:pPr lvl="1" marL="864000" indent="-322920">
+            <a:pPr lvl="1" marL="864000" indent="-322560">
               <a:lnSpc>
                 <a:spcPct val="100000"/>
               </a:lnSpc>
@@ -16826,7 +16139,7 @@
             </a:endParaRPr>
           </a:p>
           <a:p>
-            <a:pPr lvl="1" marL="864000" indent="-322920">
+            <a:pPr lvl="1" marL="864000" indent="-322560">
               <a:lnSpc>
                 <a:spcPct val="100000"/>
               </a:lnSpc>
@@ -16855,7 +16168,7 @@
             </a:endParaRPr>
           </a:p>
           <a:p>
-            <a:pPr marL="343080" indent="-341640">
+            <a:pPr marL="343080" indent="-341280">
               <a:lnSpc>
                 <a:spcPct val="100000"/>
               </a:lnSpc>
@@ -16883,7 +16196,7 @@
             </a:endParaRPr>
           </a:p>
           <a:p>
-            <a:pPr marL="343080" indent="-341640">
+            <a:pPr marL="343080" indent="-341280">
               <a:lnSpc>
                 <a:spcPct val="100000"/>
               </a:lnSpc>
@@ -16911,7 +16224,7 @@
             </a:endParaRPr>
           </a:p>
           <a:p>
-            <a:pPr marL="343080" indent="-341640">
+            <a:pPr marL="343080" indent="-341280">
               <a:lnSpc>
                 <a:spcPct val="100000"/>
               </a:lnSpc>
@@ -17001,7 +16314,7 @@
         <p:spPr>
           <a:xfrm>
             <a:off x="467640" y="6300000"/>
-            <a:ext cx="934560" cy="214560"/>
+            <a:ext cx="934200" cy="214200"/>
           </a:xfrm>
           <a:prstGeom prst="rect">
             <a:avLst/>
@@ -17017,29 +16330,6 @@
           <a:effectRef idx="0"/>
           <a:fontRef idx="minor"/>
         </p:style>
-        <p:txBody>
-          <a:bodyPr lIns="0" rIns="0" tIns="0" bIns="0"/>
-          <a:p>
-            <a:pPr>
-              <a:lnSpc>
-                <a:spcPct val="100000"/>
-              </a:lnSpc>
-            </a:pPr>
-            <a:fld id="{792DDD53-F9F4-4004-AED0-3AFB4E28D6B4}" type="datetime1">
-              <a:rPr b="0" lang="nb-NO" sz="1200" spc="-1" strike="noStrike">
-                <a:solidFill>
-                  <a:srgbClr val="a6a6a6"/>
-                </a:solidFill>
-                <a:latin typeface="Times New Roman"/>
-                <a:ea typeface="DejaVu Sans"/>
-              </a:rPr>
-              <a:t>07.12.2018</a:t>
-            </a:fld>
-            <a:endParaRPr b="0" lang="nb-NO" sz="1200" spc="-1" strike="noStrike">
-              <a:latin typeface="Arial"/>
-            </a:endParaRPr>
-          </a:p>
-        </p:txBody>
       </p:sp>
       <p:sp>
         <p:nvSpPr>
@@ -17050,7 +16340,7 @@
         <p:spPr>
           <a:xfrm>
             <a:off x="1404000" y="486000"/>
-            <a:ext cx="6298560" cy="538560"/>
+            <a:ext cx="6298200" cy="538200"/>
           </a:xfrm>
           <a:prstGeom prst="rect">
             <a:avLst/>
@@ -17075,7 +16365,7 @@
               </a:lnSpc>
             </a:pPr>
             <a:r>
-              <a:rPr b="0" lang="nb-NO" sz="1200" spc="89" strike="noStrike" cap="all">
+              <a:rPr b="0" lang="nb-NO" sz="1200" spc="86" strike="noStrike" cap="all">
                 <a:solidFill>
                   <a:srgbClr val="a6a6a6"/>
                 </a:solidFill>
@@ -17099,7 +16389,7 @@
         <p:spPr>
           <a:xfrm>
             <a:off x="1702440" y="6300000"/>
-            <a:ext cx="707760" cy="214560"/>
+            <a:ext cx="707400" cy="214200"/>
           </a:xfrm>
           <a:prstGeom prst="rect">
             <a:avLst/>
@@ -17133,16 +16423,6 @@
               </a:rPr>
               <a:t>Side </a:t>
             </a:r>
-            <a:fld id="{3B5CEB02-E140-40B3-9A3A-B10760C39EBE}" type="slidenum">
-              <a:rPr b="0" lang="nb-NO" sz="1200" spc="-1" strike="noStrike" cap="all">
-                <a:solidFill>
-                  <a:srgbClr val="a6a6a6"/>
-                </a:solidFill>
-                <a:latin typeface="Times New Roman"/>
-                <a:ea typeface="DejaVu Sans"/>
-              </a:rPr>
-              <a:t>1</a:t>
-            </a:fld>
             <a:endParaRPr b="0" lang="nb-NO" sz="1200" spc="-1" strike="noStrike">
               <a:latin typeface="Arial"/>
             </a:endParaRPr>
@@ -17207,7 +16487,7 @@
         <p:spPr>
           <a:xfrm>
             <a:off x="1022760" y="1014840"/>
-            <a:ext cx="7364160" cy="651600"/>
+            <a:ext cx="7363800" cy="651240"/>
           </a:xfrm>
           <a:prstGeom prst="rect">
             <a:avLst/>
@@ -17260,7 +16540,7 @@
         <p:spPr>
           <a:xfrm>
             <a:off x="4644000" y="1711800"/>
-            <a:ext cx="3457800" cy="2129760"/>
+            <a:ext cx="3457440" cy="2129400"/>
           </a:xfrm>
           <a:prstGeom prst="rect">
             <a:avLst/>
@@ -17279,7 +16559,7 @@
         <p:spPr>
           <a:xfrm>
             <a:off x="467640" y="6300000"/>
-            <a:ext cx="934560" cy="214560"/>
+            <a:ext cx="934200" cy="214200"/>
           </a:xfrm>
           <a:prstGeom prst="rect">
             <a:avLst/>
@@ -17295,29 +16575,6 @@
           <a:effectRef idx="0"/>
           <a:fontRef idx="minor"/>
         </p:style>
-        <p:txBody>
-          <a:bodyPr lIns="0" rIns="0" tIns="0" bIns="0"/>
-          <a:p>
-            <a:pPr>
-              <a:lnSpc>
-                <a:spcPct val="100000"/>
-              </a:lnSpc>
-            </a:pPr>
-            <a:fld id="{AF06E5E5-23B6-4312-8867-E9D31BB37B3D}" type="datetime1">
-              <a:rPr b="0" lang="nb-NO" sz="1200" spc="-1" strike="noStrike">
-                <a:solidFill>
-                  <a:srgbClr val="a6a6a6"/>
-                </a:solidFill>
-                <a:latin typeface="Times New Roman"/>
-                <a:ea typeface="DejaVu Sans"/>
-              </a:rPr>
-              <a:t>07.12.2018</a:t>
-            </a:fld>
-            <a:endParaRPr b="0" lang="nb-NO" sz="1200" spc="-1" strike="noStrike">
-              <a:latin typeface="Arial"/>
-            </a:endParaRPr>
-          </a:p>
-        </p:txBody>
       </p:sp>
       <p:sp>
         <p:nvSpPr>
@@ -17328,7 +16585,7 @@
         <p:spPr>
           <a:xfrm>
             <a:off x="1404000" y="486000"/>
-            <a:ext cx="6298560" cy="538560"/>
+            <a:ext cx="6298200" cy="538200"/>
           </a:xfrm>
           <a:prstGeom prst="rect">
             <a:avLst/>
@@ -17353,7 +16610,7 @@
               </a:lnSpc>
             </a:pPr>
             <a:r>
-              <a:rPr b="0" lang="nb-NO" sz="1200" spc="89" strike="noStrike" cap="all">
+              <a:rPr b="0" lang="nb-NO" sz="1200" spc="86" strike="noStrike" cap="all">
                 <a:solidFill>
                   <a:srgbClr val="a6a6a6"/>
                 </a:solidFill>
@@ -17377,7 +16634,7 @@
         <p:spPr>
           <a:xfrm>
             <a:off x="1702440" y="6300000"/>
-            <a:ext cx="707760" cy="214560"/>
+            <a:ext cx="707400" cy="214200"/>
           </a:xfrm>
           <a:prstGeom prst="rect">
             <a:avLst/>
@@ -17411,16 +16668,6 @@
               </a:rPr>
               <a:t>Side </a:t>
             </a:r>
-            <a:fld id="{5C5DE71C-49D2-4782-81DA-86BFD1D09C90}" type="slidenum">
-              <a:rPr b="0" lang="nb-NO" sz="1200" spc="-1" strike="noStrike" cap="all">
-                <a:solidFill>
-                  <a:srgbClr val="a6a6a6"/>
-                </a:solidFill>
-                <a:latin typeface="Times New Roman"/>
-                <a:ea typeface="DejaVu Sans"/>
-              </a:rPr>
-              <a:t>1</a:t>
-            </a:fld>
             <a:endParaRPr b="0" lang="nb-NO" sz="1200" spc="-1" strike="noStrike">
               <a:latin typeface="Arial"/>
             </a:endParaRPr>
@@ -17440,7 +16687,7 @@
         <p:spPr>
           <a:xfrm>
             <a:off x="1022760" y="3940200"/>
-            <a:ext cx="4066560" cy="2169360"/>
+            <a:ext cx="4066200" cy="2169000"/>
           </a:xfrm>
           <a:prstGeom prst="rect">
             <a:avLst/>
@@ -17463,7 +16710,7 @@
         <p:spPr>
           <a:xfrm>
             <a:off x="1005840" y="1708920"/>
-            <a:ext cx="2919960" cy="2131200"/>
+            <a:ext cx="2919600" cy="2130840"/>
           </a:xfrm>
           <a:prstGeom prst="rect">
             <a:avLst/>
@@ -17531,7 +16778,7 @@
         <p:spPr>
           <a:xfrm>
             <a:off x="1022760" y="1014840"/>
-            <a:ext cx="7364160" cy="651600"/>
+            <a:ext cx="7363800" cy="651240"/>
           </a:xfrm>
           <a:prstGeom prst="rect">
             <a:avLst/>
@@ -17580,7 +16827,7 @@
         <p:spPr>
           <a:xfrm>
             <a:off x="467640" y="6300000"/>
-            <a:ext cx="934560" cy="214560"/>
+            <a:ext cx="934200" cy="214200"/>
           </a:xfrm>
           <a:prstGeom prst="rect">
             <a:avLst/>
@@ -17596,29 +16843,6 @@
           <a:effectRef idx="0"/>
           <a:fontRef idx="minor"/>
         </p:style>
-        <p:txBody>
-          <a:bodyPr lIns="0" rIns="0" tIns="0" bIns="0"/>
-          <a:p>
-            <a:pPr>
-              <a:lnSpc>
-                <a:spcPct val="100000"/>
-              </a:lnSpc>
-            </a:pPr>
-            <a:fld id="{FD71B2B1-3B22-4F5E-BEBD-45E3228A4DF9}" type="datetime1">
-              <a:rPr b="0" lang="nb-NO" sz="1200" spc="-1" strike="noStrike">
-                <a:solidFill>
-                  <a:srgbClr val="a6a6a6"/>
-                </a:solidFill>
-                <a:latin typeface="Times New Roman"/>
-                <a:ea typeface="DejaVu Sans"/>
-              </a:rPr>
-              <a:t>07.12.2018</a:t>
-            </a:fld>
-            <a:endParaRPr b="0" lang="nb-NO" sz="1200" spc="-1" strike="noStrike">
-              <a:latin typeface="Arial"/>
-            </a:endParaRPr>
-          </a:p>
-        </p:txBody>
       </p:sp>
       <p:sp>
         <p:nvSpPr>
@@ -17629,7 +16853,7 @@
         <p:spPr>
           <a:xfrm>
             <a:off x="1404000" y="486000"/>
-            <a:ext cx="6298560" cy="538560"/>
+            <a:ext cx="6298200" cy="538200"/>
           </a:xfrm>
           <a:prstGeom prst="rect">
             <a:avLst/>
@@ -17654,7 +16878,7 @@
               </a:lnSpc>
             </a:pPr>
             <a:r>
-              <a:rPr b="0" lang="nb-NO" sz="1200" spc="89" strike="noStrike" cap="all">
+              <a:rPr b="0" lang="nb-NO" sz="1200" spc="86" strike="noStrike" cap="all">
                 <a:solidFill>
                   <a:srgbClr val="a6a6a6"/>
                 </a:solidFill>
@@ -17678,7 +16902,7 @@
         <p:spPr>
           <a:xfrm>
             <a:off x="1702440" y="6300000"/>
-            <a:ext cx="707760" cy="214560"/>
+            <a:ext cx="707400" cy="214200"/>
           </a:xfrm>
           <a:prstGeom prst="rect">
             <a:avLst/>
@@ -17712,16 +16936,6 @@
               </a:rPr>
               <a:t>Side </a:t>
             </a:r>
-            <a:fld id="{1079B341-7220-424F-A6CC-D1154E2EB866}" type="slidenum">
-              <a:rPr b="0" lang="nb-NO" sz="1200" spc="-1" strike="noStrike" cap="all">
-                <a:solidFill>
-                  <a:srgbClr val="a6a6a6"/>
-                </a:solidFill>
-                <a:latin typeface="Times New Roman"/>
-                <a:ea typeface="DejaVu Sans"/>
-              </a:rPr>
-              <a:t>1</a:t>
-            </a:fld>
             <a:endParaRPr b="0" lang="nb-NO" sz="1200" spc="-1" strike="noStrike">
               <a:latin typeface="Arial"/>
             </a:endParaRPr>
@@ -17737,7 +16951,7 @@
         <p:spPr>
           <a:xfrm>
             <a:off x="1022760" y="1883880"/>
-            <a:ext cx="7364160" cy="3886560"/>
+            <a:ext cx="7363800" cy="3886200"/>
           </a:xfrm>
           <a:prstGeom prst="rect">
             <a:avLst/>
@@ -17756,7 +16970,7 @@
         <p:txBody>
           <a:bodyPr lIns="0" rIns="0" tIns="0" bIns="0"/>
           <a:p>
-            <a:pPr marL="343080" indent="-341640">
+            <a:pPr marL="343080" indent="-341280">
               <a:lnSpc>
                 <a:spcPct val="100000"/>
               </a:lnSpc>
@@ -17798,7 +17012,7 @@
         <p:spPr>
           <a:xfrm>
             <a:off x="1022760" y="2637000"/>
-            <a:ext cx="6348240" cy="966600"/>
+            <a:ext cx="6347880" cy="966240"/>
           </a:xfrm>
           <a:prstGeom prst="rect">
             <a:avLst/>
@@ -17866,7 +17080,7 @@
         <p:spPr>
           <a:xfrm>
             <a:off x="1022760" y="1014840"/>
-            <a:ext cx="7364160" cy="651600"/>
+            <a:ext cx="7363800" cy="651240"/>
           </a:xfrm>
           <a:prstGeom prst="rect">
             <a:avLst/>
@@ -17915,7 +17129,7 @@
         <p:spPr>
           <a:xfrm>
             <a:off x="467640" y="6300000"/>
-            <a:ext cx="934560" cy="214560"/>
+            <a:ext cx="934200" cy="214200"/>
           </a:xfrm>
           <a:prstGeom prst="rect">
             <a:avLst/>
@@ -17931,29 +17145,6 @@
           <a:effectRef idx="0"/>
           <a:fontRef idx="minor"/>
         </p:style>
-        <p:txBody>
-          <a:bodyPr lIns="0" rIns="0" tIns="0" bIns="0"/>
-          <a:p>
-            <a:pPr>
-              <a:lnSpc>
-                <a:spcPct val="100000"/>
-              </a:lnSpc>
-            </a:pPr>
-            <a:fld id="{7CF36F14-AAA8-453B-9EAD-7962681BFAE3}" type="datetime1">
-              <a:rPr b="0" lang="nb-NO" sz="1200" spc="-1" strike="noStrike">
-                <a:solidFill>
-                  <a:srgbClr val="a6a6a6"/>
-                </a:solidFill>
-                <a:latin typeface="Times New Roman"/>
-                <a:ea typeface="DejaVu Sans"/>
-              </a:rPr>
-              <a:t>07.12.2018</a:t>
-            </a:fld>
-            <a:endParaRPr b="0" lang="nb-NO" sz="1200" spc="-1" strike="noStrike">
-              <a:latin typeface="Arial"/>
-            </a:endParaRPr>
-          </a:p>
-        </p:txBody>
       </p:sp>
       <p:sp>
         <p:nvSpPr>
@@ -17964,7 +17155,7 @@
         <p:spPr>
           <a:xfrm>
             <a:off x="1404000" y="486000"/>
-            <a:ext cx="6298560" cy="538560"/>
+            <a:ext cx="6298200" cy="538200"/>
           </a:xfrm>
           <a:prstGeom prst="rect">
             <a:avLst/>
@@ -17989,7 +17180,7 @@
               </a:lnSpc>
             </a:pPr>
             <a:r>
-              <a:rPr b="0" lang="nb-NO" sz="1200" spc="89" strike="noStrike" cap="all">
+              <a:rPr b="0" lang="nb-NO" sz="1200" spc="86" strike="noStrike" cap="all">
                 <a:solidFill>
                   <a:srgbClr val="a6a6a6"/>
                 </a:solidFill>
@@ -18013,7 +17204,7 @@
         <p:spPr>
           <a:xfrm>
             <a:off x="1702440" y="6300000"/>
-            <a:ext cx="707760" cy="214560"/>
+            <a:ext cx="707400" cy="214200"/>
           </a:xfrm>
           <a:prstGeom prst="rect">
             <a:avLst/>
@@ -18047,16 +17238,6 @@
               </a:rPr>
               <a:t>Side </a:t>
             </a:r>
-            <a:fld id="{3ABBDC21-1E12-4951-9040-422116A559FD}" type="slidenum">
-              <a:rPr b="0" lang="nb-NO" sz="1200" spc="-1" strike="noStrike" cap="all">
-                <a:solidFill>
-                  <a:srgbClr val="a6a6a6"/>
-                </a:solidFill>
-                <a:latin typeface="Times New Roman"/>
-                <a:ea typeface="DejaVu Sans"/>
-              </a:rPr>
-              <a:t>1</a:t>
-            </a:fld>
             <a:endParaRPr b="0" lang="nb-NO" sz="1200" spc="-1" strike="noStrike">
               <a:latin typeface="Arial"/>
             </a:endParaRPr>
@@ -18072,7 +17253,7 @@
         <p:spPr>
           <a:xfrm>
             <a:off x="1022760" y="1883880"/>
-            <a:ext cx="7364160" cy="3886560"/>
+            <a:ext cx="7363800" cy="3886200"/>
           </a:xfrm>
           <a:prstGeom prst="rect">
             <a:avLst/>
@@ -18091,7 +17272,7 @@
         <p:txBody>
           <a:bodyPr lIns="0" rIns="0" tIns="0" bIns="0"/>
           <a:p>
-            <a:pPr marL="343080" indent="-341640">
+            <a:pPr marL="343080" indent="-341280">
               <a:lnSpc>
                 <a:spcPct val="100000"/>
               </a:lnSpc>
@@ -18133,7 +17314,7 @@
         <p:spPr>
           <a:xfrm>
             <a:off x="997920" y="2468880"/>
-            <a:ext cx="6408360" cy="3212640"/>
+            <a:ext cx="6408000" cy="3212280"/>
           </a:xfrm>
           <a:prstGeom prst="rect">
             <a:avLst/>
@@ -18201,7 +17382,7 @@
         <p:spPr>
           <a:xfrm>
             <a:off x="1022760" y="1014840"/>
-            <a:ext cx="7364160" cy="651600"/>
+            <a:ext cx="7363800" cy="651240"/>
           </a:xfrm>
           <a:prstGeom prst="rect">
             <a:avLst/>
@@ -18250,7 +17431,7 @@
         <p:spPr>
           <a:xfrm>
             <a:off x="467640" y="6300000"/>
-            <a:ext cx="934560" cy="214560"/>
+            <a:ext cx="934200" cy="214200"/>
           </a:xfrm>
           <a:prstGeom prst="rect">
             <a:avLst/>
@@ -18266,29 +17447,6 @@
           <a:effectRef idx="0"/>
           <a:fontRef idx="minor"/>
         </p:style>
-        <p:txBody>
-          <a:bodyPr lIns="0" rIns="0" tIns="0" bIns="0"/>
-          <a:p>
-            <a:pPr>
-              <a:lnSpc>
-                <a:spcPct val="100000"/>
-              </a:lnSpc>
-            </a:pPr>
-            <a:fld id="{E985EE62-912F-4520-8AE3-1F583BD3A549}" type="datetime1">
-              <a:rPr b="0" lang="nb-NO" sz="1200" spc="-1" strike="noStrike">
-                <a:solidFill>
-                  <a:srgbClr val="a6a6a6"/>
-                </a:solidFill>
-                <a:latin typeface="Times New Roman"/>
-                <a:ea typeface="DejaVu Sans"/>
-              </a:rPr>
-              <a:t>07.12.2018</a:t>
-            </a:fld>
-            <a:endParaRPr b="0" lang="nb-NO" sz="1200" spc="-1" strike="noStrike">
-              <a:latin typeface="Arial"/>
-            </a:endParaRPr>
-          </a:p>
-        </p:txBody>
       </p:sp>
       <p:sp>
         <p:nvSpPr>
@@ -18299,7 +17457,7 @@
         <p:spPr>
           <a:xfrm>
             <a:off x="1404000" y="486000"/>
-            <a:ext cx="6298560" cy="538560"/>
+            <a:ext cx="6298200" cy="538200"/>
           </a:xfrm>
           <a:prstGeom prst="rect">
             <a:avLst/>
@@ -18324,7 +17482,7 @@
               </a:lnSpc>
             </a:pPr>
             <a:r>
-              <a:rPr b="0" lang="nb-NO" sz="1200" spc="89" strike="noStrike" cap="all">
+              <a:rPr b="0" lang="nb-NO" sz="1200" spc="86" strike="noStrike" cap="all">
                 <a:solidFill>
                   <a:srgbClr val="a6a6a6"/>
                 </a:solidFill>
@@ -18348,7 +17506,7 @@
         <p:spPr>
           <a:xfrm>
             <a:off x="1702440" y="6300000"/>
-            <a:ext cx="707760" cy="214560"/>
+            <a:ext cx="707400" cy="214200"/>
           </a:xfrm>
           <a:prstGeom prst="rect">
             <a:avLst/>
@@ -18382,16 +17540,6 @@
               </a:rPr>
               <a:t>Side </a:t>
             </a:r>
-            <a:fld id="{D60E30EB-620A-4F95-B371-9ABB16D82F12}" type="slidenum">
-              <a:rPr b="0" lang="nb-NO" sz="1200" spc="-1" strike="noStrike" cap="all">
-                <a:solidFill>
-                  <a:srgbClr val="a6a6a6"/>
-                </a:solidFill>
-                <a:latin typeface="Times New Roman"/>
-                <a:ea typeface="DejaVu Sans"/>
-              </a:rPr>
-              <a:t>1</a:t>
-            </a:fld>
             <a:endParaRPr b="0" lang="nb-NO" sz="1200" spc="-1" strike="noStrike">
               <a:latin typeface="Arial"/>
             </a:endParaRPr>
@@ -18407,7 +17555,7 @@
         <p:spPr>
           <a:xfrm>
             <a:off x="1022760" y="1883880"/>
-            <a:ext cx="7364160" cy="3886560"/>
+            <a:ext cx="7363800" cy="3886200"/>
           </a:xfrm>
           <a:prstGeom prst="rect">
             <a:avLst/>
@@ -18426,7 +17574,7 @@
         <p:txBody>
           <a:bodyPr lIns="0" rIns="0" tIns="0" bIns="0"/>
           <a:p>
-            <a:pPr marL="343080" indent="-341640">
+            <a:pPr marL="343080" indent="-341280">
               <a:lnSpc>
                 <a:spcPct val="100000"/>
               </a:lnSpc>
@@ -18468,7 +17616,7 @@
         <p:spPr>
           <a:xfrm>
             <a:off x="1080000" y="2709000"/>
-            <a:ext cx="6946920" cy="1535040"/>
+            <a:ext cx="6946560" cy="1534680"/>
           </a:xfrm>
           <a:prstGeom prst="rect">
             <a:avLst/>
@@ -18536,7 +17684,7 @@
         <p:spPr>
           <a:xfrm>
             <a:off x="1022760" y="1014840"/>
-            <a:ext cx="7364160" cy="651600"/>
+            <a:ext cx="7363800" cy="651240"/>
           </a:xfrm>
           <a:prstGeom prst="rect">
             <a:avLst/>
@@ -18585,7 +17733,7 @@
         <p:spPr>
           <a:xfrm>
             <a:off x="467640" y="6300000"/>
-            <a:ext cx="934560" cy="214560"/>
+            <a:ext cx="934200" cy="214200"/>
           </a:xfrm>
           <a:prstGeom prst="rect">
             <a:avLst/>
@@ -18601,29 +17749,6 @@
           <a:effectRef idx="0"/>
           <a:fontRef idx="minor"/>
         </p:style>
-        <p:txBody>
-          <a:bodyPr lIns="0" rIns="0" tIns="0" bIns="0"/>
-          <a:p>
-            <a:pPr>
-              <a:lnSpc>
-                <a:spcPct val="100000"/>
-              </a:lnSpc>
-            </a:pPr>
-            <a:fld id="{E5009DE2-8D8B-444D-95F4-E2C93438DDCE}" type="datetime1">
-              <a:rPr b="0" lang="nb-NO" sz="1200" spc="-1" strike="noStrike">
-                <a:solidFill>
-                  <a:srgbClr val="a6a6a6"/>
-                </a:solidFill>
-                <a:latin typeface="Times New Roman"/>
-                <a:ea typeface="DejaVu Sans"/>
-              </a:rPr>
-              <a:t>07.12.2018</a:t>
-            </a:fld>
-            <a:endParaRPr b="0" lang="nb-NO" sz="1200" spc="-1" strike="noStrike">
-              <a:latin typeface="Arial"/>
-            </a:endParaRPr>
-          </a:p>
-        </p:txBody>
       </p:sp>
       <p:sp>
         <p:nvSpPr>
@@ -18634,7 +17759,7 @@
         <p:spPr>
           <a:xfrm>
             <a:off x="1404000" y="486000"/>
-            <a:ext cx="6298560" cy="538560"/>
+            <a:ext cx="6298200" cy="538200"/>
           </a:xfrm>
           <a:prstGeom prst="rect">
             <a:avLst/>
@@ -18659,7 +17784,7 @@
               </a:lnSpc>
             </a:pPr>
             <a:r>
-              <a:rPr b="0" lang="nb-NO" sz="1200" spc="89" strike="noStrike" cap="all">
+              <a:rPr b="0" lang="nb-NO" sz="1200" spc="86" strike="noStrike" cap="all">
                 <a:solidFill>
                   <a:srgbClr val="a6a6a6"/>
                 </a:solidFill>
@@ -18683,7 +17808,7 @@
         <p:spPr>
           <a:xfrm>
             <a:off x="1702440" y="6300000"/>
-            <a:ext cx="707760" cy="214560"/>
+            <a:ext cx="707400" cy="214200"/>
           </a:xfrm>
           <a:prstGeom prst="rect">
             <a:avLst/>
@@ -18717,16 +17842,6 @@
               </a:rPr>
               <a:t>Side </a:t>
             </a:r>
-            <a:fld id="{C60DCB04-7AEA-4874-8952-0A73567645CA}" type="slidenum">
-              <a:rPr b="0" lang="nb-NO" sz="1200" spc="-1" strike="noStrike" cap="all">
-                <a:solidFill>
-                  <a:srgbClr val="a6a6a6"/>
-                </a:solidFill>
-                <a:latin typeface="Times New Roman"/>
-                <a:ea typeface="DejaVu Sans"/>
-              </a:rPr>
-              <a:t>1</a:t>
-            </a:fld>
             <a:endParaRPr b="0" lang="nb-NO" sz="1200" spc="-1" strike="noStrike">
               <a:latin typeface="Arial"/>
             </a:endParaRPr>
@@ -18742,7 +17857,7 @@
         <p:spPr>
           <a:xfrm>
             <a:off x="1022760" y="1883880"/>
-            <a:ext cx="7364160" cy="3886560"/>
+            <a:ext cx="7363800" cy="3886200"/>
           </a:xfrm>
           <a:prstGeom prst="rect">
             <a:avLst/>
@@ -18761,7 +17876,7 @@
         <p:txBody>
           <a:bodyPr lIns="0" rIns="0" tIns="0" bIns="0"/>
           <a:p>
-            <a:pPr marL="343080" indent="-341640">
+            <a:pPr marL="343080" indent="-341280">
               <a:lnSpc>
                 <a:spcPct val="100000"/>
               </a:lnSpc>
@@ -18803,7 +17918,7 @@
         <p:spPr>
           <a:xfrm>
             <a:off x="1080000" y="2709000"/>
-            <a:ext cx="6946920" cy="1535040"/>
+            <a:ext cx="6946560" cy="1534680"/>
           </a:xfrm>
           <a:prstGeom prst="rect">
             <a:avLst/>
@@ -18871,7 +17986,7 @@
         <p:spPr>
           <a:xfrm>
             <a:off x="1022760" y="1014840"/>
-            <a:ext cx="7364160" cy="651600"/>
+            <a:ext cx="7363800" cy="651240"/>
           </a:xfrm>
           <a:prstGeom prst="rect">
             <a:avLst/>
@@ -18920,7 +18035,7 @@
         <p:spPr>
           <a:xfrm>
             <a:off x="1022760" y="1883880"/>
-            <a:ext cx="7364160" cy="3886560"/>
+            <a:ext cx="7363800" cy="3886200"/>
           </a:xfrm>
           <a:prstGeom prst="rect">
             <a:avLst/>
@@ -18939,7 +18054,7 @@
         <p:txBody>
           <a:bodyPr lIns="0" rIns="0" tIns="0" bIns="0"/>
           <a:p>
-            <a:pPr marL="343080" indent="-341640">
+            <a:pPr marL="343080" indent="-341280">
               <a:lnSpc>
                 <a:spcPct val="100000"/>
               </a:lnSpc>
@@ -18967,7 +18082,7 @@
             </a:endParaRPr>
           </a:p>
           <a:p>
-            <a:pPr marL="343080" indent="-341640">
+            <a:pPr marL="343080" indent="-341280">
               <a:lnSpc>
                 <a:spcPct val="100000"/>
               </a:lnSpc>
@@ -18995,7 +18110,7 @@
             </a:endParaRPr>
           </a:p>
           <a:p>
-            <a:pPr marL="343080" indent="-341640">
+            <a:pPr marL="343080" indent="-341280">
               <a:lnSpc>
                 <a:spcPct val="100000"/>
               </a:lnSpc>
@@ -19023,7 +18138,7 @@
             </a:endParaRPr>
           </a:p>
           <a:p>
-            <a:pPr lvl="1" marL="864000" indent="-322920">
+            <a:pPr lvl="1" marL="864000" indent="-322560">
               <a:lnSpc>
                 <a:spcPct val="100000"/>
               </a:lnSpc>
@@ -19052,7 +18167,7 @@
             </a:endParaRPr>
           </a:p>
           <a:p>
-            <a:pPr lvl="1" marL="864000" indent="-322920">
+            <a:pPr lvl="1" marL="864000" indent="-322560">
               <a:lnSpc>
                 <a:spcPct val="100000"/>
               </a:lnSpc>
@@ -19081,7 +18196,7 @@
             </a:endParaRPr>
           </a:p>
           <a:p>
-            <a:pPr lvl="1" marL="864000" indent="-322920">
+            <a:pPr lvl="1" marL="864000" indent="-322560">
               <a:lnSpc>
                 <a:spcPct val="100000"/>
               </a:lnSpc>
@@ -19110,7 +18225,7 @@
             </a:endParaRPr>
           </a:p>
           <a:p>
-            <a:pPr marL="343080" indent="-341640">
+            <a:pPr marL="343080" indent="-341280">
               <a:lnSpc>
                 <a:spcPct val="100000"/>
               </a:lnSpc>
@@ -19138,7 +18253,7 @@
             </a:endParaRPr>
           </a:p>
           <a:p>
-            <a:pPr marL="343080" indent="-341640">
+            <a:pPr marL="343080" indent="-341280">
               <a:lnSpc>
                 <a:spcPct val="100000"/>
               </a:lnSpc>
@@ -19166,7 +18281,7 @@
             </a:endParaRPr>
           </a:p>
           <a:p>
-            <a:pPr marL="343080" indent="-341640">
+            <a:pPr marL="343080" indent="-341280">
               <a:lnSpc>
                 <a:spcPct val="100000"/>
               </a:lnSpc>
@@ -19256,7 +18371,7 @@
         <p:spPr>
           <a:xfrm>
             <a:off x="467640" y="6300000"/>
-            <a:ext cx="934560" cy="214560"/>
+            <a:ext cx="934200" cy="214200"/>
           </a:xfrm>
           <a:prstGeom prst="rect">
             <a:avLst/>
@@ -19272,29 +18387,6 @@
           <a:effectRef idx="0"/>
           <a:fontRef idx="minor"/>
         </p:style>
-        <p:txBody>
-          <a:bodyPr lIns="0" rIns="0" tIns="0" bIns="0"/>
-          <a:p>
-            <a:pPr>
-              <a:lnSpc>
-                <a:spcPct val="100000"/>
-              </a:lnSpc>
-            </a:pPr>
-            <a:fld id="{F08A7AA5-C4CF-44E8-A336-2BD4D10653F3}" type="datetime1">
-              <a:rPr b="0" lang="nb-NO" sz="1200" spc="-1" strike="noStrike">
-                <a:solidFill>
-                  <a:srgbClr val="a6a6a6"/>
-                </a:solidFill>
-                <a:latin typeface="Times New Roman"/>
-                <a:ea typeface="DejaVu Sans"/>
-              </a:rPr>
-              <a:t>07.12.2018</a:t>
-            </a:fld>
-            <a:endParaRPr b="0" lang="nb-NO" sz="1200" spc="-1" strike="noStrike">
-              <a:latin typeface="Arial"/>
-            </a:endParaRPr>
-          </a:p>
-        </p:txBody>
       </p:sp>
       <p:sp>
         <p:nvSpPr>
@@ -19305,7 +18397,7 @@
         <p:spPr>
           <a:xfrm>
             <a:off x="1404000" y="486000"/>
-            <a:ext cx="6298560" cy="538560"/>
+            <a:ext cx="6298200" cy="538200"/>
           </a:xfrm>
           <a:prstGeom prst="rect">
             <a:avLst/>
@@ -19330,7 +18422,7 @@
               </a:lnSpc>
             </a:pPr>
             <a:r>
-              <a:rPr b="0" lang="nb-NO" sz="1200" spc="89" strike="noStrike" cap="all">
+              <a:rPr b="0" lang="nb-NO" sz="1200" spc="86" strike="noStrike" cap="all">
                 <a:solidFill>
                   <a:srgbClr val="a6a6a6"/>
                 </a:solidFill>
@@ -19354,7 +18446,7 @@
         <p:spPr>
           <a:xfrm>
             <a:off x="1702440" y="6300000"/>
-            <a:ext cx="707760" cy="214560"/>
+            <a:ext cx="707400" cy="214200"/>
           </a:xfrm>
           <a:prstGeom prst="rect">
             <a:avLst/>
@@ -19388,16 +18480,6 @@
               </a:rPr>
               <a:t>Side </a:t>
             </a:r>
-            <a:fld id="{9249C751-F449-43CF-B129-752CC9D623D3}" type="slidenum">
-              <a:rPr b="0" lang="nb-NO" sz="1200" spc="-1" strike="noStrike" cap="all">
-                <a:solidFill>
-                  <a:srgbClr val="a6a6a6"/>
-                </a:solidFill>
-                <a:latin typeface="Times New Roman"/>
-                <a:ea typeface="DejaVu Sans"/>
-              </a:rPr>
-              <a:t>1</a:t>
-            </a:fld>
             <a:endParaRPr b="0" lang="nb-NO" sz="1200" spc="-1" strike="noStrike">
               <a:latin typeface="Arial"/>
             </a:endParaRPr>
@@ -19462,7 +18544,7 @@
         <p:spPr>
           <a:xfrm>
             <a:off x="1022760" y="1014840"/>
-            <a:ext cx="7364160" cy="651600"/>
+            <a:ext cx="7363800" cy="651240"/>
           </a:xfrm>
           <a:prstGeom prst="rect">
             <a:avLst/>
@@ -19511,7 +18593,7 @@
         <p:spPr>
           <a:xfrm>
             <a:off x="467640" y="6300000"/>
-            <a:ext cx="934560" cy="214560"/>
+            <a:ext cx="934200" cy="214200"/>
           </a:xfrm>
           <a:prstGeom prst="rect">
             <a:avLst/>
@@ -19527,29 +18609,6 @@
           <a:effectRef idx="0"/>
           <a:fontRef idx="minor"/>
         </p:style>
-        <p:txBody>
-          <a:bodyPr lIns="0" rIns="0" tIns="0" bIns="0"/>
-          <a:p>
-            <a:pPr>
-              <a:lnSpc>
-                <a:spcPct val="100000"/>
-              </a:lnSpc>
-            </a:pPr>
-            <a:fld id="{C6456AF6-39EB-4712-B8A6-5EAFF0BE2112}" type="datetime1">
-              <a:rPr b="0" lang="nb-NO" sz="1200" spc="-1" strike="noStrike">
-                <a:solidFill>
-                  <a:srgbClr val="a6a6a6"/>
-                </a:solidFill>
-                <a:latin typeface="Times New Roman"/>
-                <a:ea typeface="DejaVu Sans"/>
-              </a:rPr>
-              <a:t>07.12.2018</a:t>
-            </a:fld>
-            <a:endParaRPr b="0" lang="nb-NO" sz="1200" spc="-1" strike="noStrike">
-              <a:latin typeface="Arial"/>
-            </a:endParaRPr>
-          </a:p>
-        </p:txBody>
       </p:sp>
       <p:sp>
         <p:nvSpPr>
@@ -19560,7 +18619,7 @@
         <p:spPr>
           <a:xfrm>
             <a:off x="1404000" y="486000"/>
-            <a:ext cx="6298560" cy="538560"/>
+            <a:ext cx="6298200" cy="538200"/>
           </a:xfrm>
           <a:prstGeom prst="rect">
             <a:avLst/>
@@ -19585,7 +18644,7 @@
               </a:lnSpc>
             </a:pPr>
             <a:r>
-              <a:rPr b="0" lang="nb-NO" sz="1200" spc="89" strike="noStrike" cap="all">
+              <a:rPr b="0" lang="nb-NO" sz="1200" spc="86" strike="noStrike" cap="all">
                 <a:solidFill>
                   <a:srgbClr val="a6a6a6"/>
                 </a:solidFill>
@@ -19609,7 +18668,7 @@
         <p:spPr>
           <a:xfrm>
             <a:off x="1702440" y="6300000"/>
-            <a:ext cx="707760" cy="214560"/>
+            <a:ext cx="707400" cy="214200"/>
           </a:xfrm>
           <a:prstGeom prst="rect">
             <a:avLst/>
@@ -19643,16 +18702,6 @@
               </a:rPr>
               <a:t>Side </a:t>
             </a:r>
-            <a:fld id="{16960542-C37D-4731-ACEF-0471CF763816}" type="slidenum">
-              <a:rPr b="0" lang="nb-NO" sz="1200" spc="-1" strike="noStrike" cap="all">
-                <a:solidFill>
-                  <a:srgbClr val="a6a6a6"/>
-                </a:solidFill>
-                <a:latin typeface="Times New Roman"/>
-                <a:ea typeface="DejaVu Sans"/>
-              </a:rPr>
-              <a:t>1</a:t>
-            </a:fld>
             <a:endParaRPr b="0" lang="nb-NO" sz="1200" spc="-1" strike="noStrike">
               <a:latin typeface="Arial"/>
             </a:endParaRPr>
@@ -19668,7 +18717,7 @@
         <p:spPr>
           <a:xfrm>
             <a:off x="1022760" y="1883880"/>
-            <a:ext cx="7364160" cy="3886560"/>
+            <a:ext cx="7363800" cy="3886200"/>
           </a:xfrm>
           <a:prstGeom prst="rect">
             <a:avLst/>
@@ -19687,7 +18736,7 @@
         <p:txBody>
           <a:bodyPr lIns="0" rIns="0" tIns="0" bIns="0"/>
           <a:p>
-            <a:pPr marL="343080" indent="-341640">
+            <a:pPr marL="343080" indent="-341280">
               <a:lnSpc>
                 <a:spcPct val="100000"/>
               </a:lnSpc>
@@ -19729,7 +18778,7 @@
         <p:spPr>
           <a:xfrm>
             <a:off x="1188000" y="2493000"/>
-            <a:ext cx="6730920" cy="1616040"/>
+            <a:ext cx="6730560" cy="1615680"/>
           </a:xfrm>
           <a:prstGeom prst="rect">
             <a:avLst/>
@@ -19797,7 +18846,7 @@
         <p:spPr>
           <a:xfrm>
             <a:off x="1022760" y="1014840"/>
-            <a:ext cx="7364160" cy="651600"/>
+            <a:ext cx="7363800" cy="651240"/>
           </a:xfrm>
           <a:prstGeom prst="rect">
             <a:avLst/>
@@ -19846,7 +18895,7 @@
         <p:spPr>
           <a:xfrm>
             <a:off x="467640" y="6300000"/>
-            <a:ext cx="934560" cy="214560"/>
+            <a:ext cx="934200" cy="214200"/>
           </a:xfrm>
           <a:prstGeom prst="rect">
             <a:avLst/>
@@ -19862,29 +18911,6 @@
           <a:effectRef idx="0"/>
           <a:fontRef idx="minor"/>
         </p:style>
-        <p:txBody>
-          <a:bodyPr lIns="0" rIns="0" tIns="0" bIns="0"/>
-          <a:p>
-            <a:pPr>
-              <a:lnSpc>
-                <a:spcPct val="100000"/>
-              </a:lnSpc>
-            </a:pPr>
-            <a:fld id="{A2538DB1-4BCB-485E-85CA-81BF1D08CF02}" type="datetime1">
-              <a:rPr b="0" lang="nb-NO" sz="1200" spc="-1" strike="noStrike">
-                <a:solidFill>
-                  <a:srgbClr val="a6a6a6"/>
-                </a:solidFill>
-                <a:latin typeface="Times New Roman"/>
-                <a:ea typeface="DejaVu Sans"/>
-              </a:rPr>
-              <a:t>07.12.2018</a:t>
-            </a:fld>
-            <a:endParaRPr b="0" lang="nb-NO" sz="1200" spc="-1" strike="noStrike">
-              <a:latin typeface="Arial"/>
-            </a:endParaRPr>
-          </a:p>
-        </p:txBody>
       </p:sp>
       <p:sp>
         <p:nvSpPr>
@@ -19895,7 +18921,7 @@
         <p:spPr>
           <a:xfrm>
             <a:off x="1404000" y="486000"/>
-            <a:ext cx="6298560" cy="538560"/>
+            <a:ext cx="6298200" cy="538200"/>
           </a:xfrm>
           <a:prstGeom prst="rect">
             <a:avLst/>
@@ -19920,7 +18946,7 @@
               </a:lnSpc>
             </a:pPr>
             <a:r>
-              <a:rPr b="0" lang="nb-NO" sz="1200" spc="89" strike="noStrike" cap="all">
+              <a:rPr b="0" lang="nb-NO" sz="1200" spc="86" strike="noStrike" cap="all">
                 <a:solidFill>
                   <a:srgbClr val="a6a6a6"/>
                 </a:solidFill>
@@ -19944,7 +18970,7 @@
         <p:spPr>
           <a:xfrm>
             <a:off x="1702440" y="6300000"/>
-            <a:ext cx="707760" cy="214560"/>
+            <a:ext cx="707400" cy="214200"/>
           </a:xfrm>
           <a:prstGeom prst="rect">
             <a:avLst/>
@@ -19978,16 +19004,6 @@
               </a:rPr>
               <a:t>Side </a:t>
             </a:r>
-            <a:fld id="{1DBAA1F3-7380-4785-935F-F808DF2BDF65}" type="slidenum">
-              <a:rPr b="0" lang="nb-NO" sz="1200" spc="-1" strike="noStrike" cap="all">
-                <a:solidFill>
-                  <a:srgbClr val="a6a6a6"/>
-                </a:solidFill>
-                <a:latin typeface="Times New Roman"/>
-                <a:ea typeface="DejaVu Sans"/>
-              </a:rPr>
-              <a:t>1</a:t>
-            </a:fld>
             <a:endParaRPr b="0" lang="nb-NO" sz="1200" spc="-1" strike="noStrike">
               <a:latin typeface="Arial"/>
             </a:endParaRPr>
@@ -20003,7 +19019,7 @@
         <p:spPr>
           <a:xfrm>
             <a:off x="1022760" y="1883880"/>
-            <a:ext cx="7364160" cy="3886560"/>
+            <a:ext cx="7363800" cy="3886200"/>
           </a:xfrm>
           <a:prstGeom prst="rect">
             <a:avLst/>
@@ -20022,7 +19038,7 @@
         <p:txBody>
           <a:bodyPr lIns="0" rIns="0" tIns="0" bIns="0"/>
           <a:p>
-            <a:pPr marL="343080" indent="-341640">
+            <a:pPr marL="343080" indent="-341280">
               <a:lnSpc>
                 <a:spcPct val="100000"/>
               </a:lnSpc>
@@ -20064,7 +19080,7 @@
         <p:spPr>
           <a:xfrm>
             <a:off x="1339560" y="2678760"/>
-            <a:ext cx="6730920" cy="2609280"/>
+            <a:ext cx="6730560" cy="2608920"/>
           </a:xfrm>
           <a:prstGeom prst="rect">
             <a:avLst/>
@@ -20132,7 +19148,7 @@
         <p:spPr>
           <a:xfrm>
             <a:off x="1022760" y="1014840"/>
-            <a:ext cx="7364160" cy="651600"/>
+            <a:ext cx="7363800" cy="651240"/>
           </a:xfrm>
           <a:prstGeom prst="rect">
             <a:avLst/>
@@ -20181,7 +19197,7 @@
         <p:spPr>
           <a:xfrm>
             <a:off x="467640" y="6300000"/>
-            <a:ext cx="934560" cy="214560"/>
+            <a:ext cx="934200" cy="214200"/>
           </a:xfrm>
           <a:prstGeom prst="rect">
             <a:avLst/>
@@ -20197,29 +19213,6 @@
           <a:effectRef idx="0"/>
           <a:fontRef idx="minor"/>
         </p:style>
-        <p:txBody>
-          <a:bodyPr lIns="0" rIns="0" tIns="0" bIns="0"/>
-          <a:p>
-            <a:pPr>
-              <a:lnSpc>
-                <a:spcPct val="100000"/>
-              </a:lnSpc>
-            </a:pPr>
-            <a:fld id="{51F4DB64-E590-4F72-BCC1-ABF53F546D60}" type="datetime1">
-              <a:rPr b="0" lang="nb-NO" sz="1200" spc="-1" strike="noStrike">
-                <a:solidFill>
-                  <a:srgbClr val="a6a6a6"/>
-                </a:solidFill>
-                <a:latin typeface="Times New Roman"/>
-                <a:ea typeface="DejaVu Sans"/>
-              </a:rPr>
-              <a:t>07.12.2018</a:t>
-            </a:fld>
-            <a:endParaRPr b="0" lang="nb-NO" sz="1200" spc="-1" strike="noStrike">
-              <a:latin typeface="Arial"/>
-            </a:endParaRPr>
-          </a:p>
-        </p:txBody>
       </p:sp>
       <p:sp>
         <p:nvSpPr>
@@ -20230,7 +19223,7 @@
         <p:spPr>
           <a:xfrm>
             <a:off x="1404000" y="486000"/>
-            <a:ext cx="6298560" cy="538560"/>
+            <a:ext cx="6298200" cy="538200"/>
           </a:xfrm>
           <a:prstGeom prst="rect">
             <a:avLst/>
@@ -20255,7 +19248,7 @@
               </a:lnSpc>
             </a:pPr>
             <a:r>
-              <a:rPr b="0" lang="nb-NO" sz="1200" spc="89" strike="noStrike" cap="all">
+              <a:rPr b="0" lang="nb-NO" sz="1200" spc="86" strike="noStrike" cap="all">
                 <a:solidFill>
                   <a:srgbClr val="a6a6a6"/>
                 </a:solidFill>
@@ -20279,7 +19272,7 @@
         <p:spPr>
           <a:xfrm>
             <a:off x="1702440" y="6300000"/>
-            <a:ext cx="707760" cy="214560"/>
+            <a:ext cx="707400" cy="214200"/>
           </a:xfrm>
           <a:prstGeom prst="rect">
             <a:avLst/>
@@ -20313,16 +19306,6 @@
               </a:rPr>
               <a:t>Side </a:t>
             </a:r>
-            <a:fld id="{00EA35C4-D979-435E-B21C-78D88DB3294E}" type="slidenum">
-              <a:rPr b="0" lang="nb-NO" sz="1200" spc="-1" strike="noStrike" cap="all">
-                <a:solidFill>
-                  <a:srgbClr val="a6a6a6"/>
-                </a:solidFill>
-                <a:latin typeface="Times New Roman"/>
-                <a:ea typeface="DejaVu Sans"/>
-              </a:rPr>
-              <a:t>1</a:t>
-            </a:fld>
             <a:endParaRPr b="0" lang="nb-NO" sz="1200" spc="-1" strike="noStrike">
               <a:latin typeface="Arial"/>
             </a:endParaRPr>
@@ -20338,7 +19321,7 @@
         <p:spPr>
           <a:xfrm>
             <a:off x="1022760" y="1883880"/>
-            <a:ext cx="7364160" cy="3886560"/>
+            <a:ext cx="7363800" cy="3886200"/>
           </a:xfrm>
           <a:prstGeom prst="rect">
             <a:avLst/>
@@ -20357,7 +19340,7 @@
         <p:txBody>
           <a:bodyPr lIns="0" rIns="0" tIns="0" bIns="0"/>
           <a:p>
-            <a:pPr marL="343080" indent="-341640">
+            <a:pPr marL="343080" indent="-341280">
               <a:lnSpc>
                 <a:spcPct val="100000"/>
               </a:lnSpc>
@@ -20450,7 +19433,7 @@
             </a:endParaRPr>
           </a:p>
           <a:p>
-            <a:pPr marL="343080" indent="-341640">
+            <a:pPr marL="343080" indent="-341280">
               <a:lnSpc>
                 <a:spcPct val="100000"/>
               </a:lnSpc>
@@ -20492,7 +19475,7 @@
         <p:spPr>
           <a:xfrm>
             <a:off x="1140120" y="2565000"/>
-            <a:ext cx="7129800" cy="1804320"/>
+            <a:ext cx="7129440" cy="1803960"/>
           </a:xfrm>
           <a:prstGeom prst="rect">
             <a:avLst/>
@@ -20515,7 +19498,7 @@
         <p:spPr>
           <a:xfrm>
             <a:off x="1140120" y="5174280"/>
-            <a:ext cx="6348240" cy="966600"/>
+            <a:ext cx="6347880" cy="966240"/>
           </a:xfrm>
           <a:prstGeom prst="rect">
             <a:avLst/>
@@ -20583,7 +19566,7 @@
         <p:spPr>
           <a:xfrm>
             <a:off x="1022760" y="1014840"/>
-            <a:ext cx="7364160" cy="651600"/>
+            <a:ext cx="7363800" cy="651240"/>
           </a:xfrm>
           <a:prstGeom prst="rect">
             <a:avLst/>
@@ -20632,7 +19615,7 @@
         <p:spPr>
           <a:xfrm>
             <a:off x="467640" y="6300000"/>
-            <a:ext cx="934560" cy="214560"/>
+            <a:ext cx="934200" cy="214200"/>
           </a:xfrm>
           <a:prstGeom prst="rect">
             <a:avLst/>
@@ -20648,29 +19631,6 @@
           <a:effectRef idx="0"/>
           <a:fontRef idx="minor"/>
         </p:style>
-        <p:txBody>
-          <a:bodyPr lIns="0" rIns="0" tIns="0" bIns="0"/>
-          <a:p>
-            <a:pPr>
-              <a:lnSpc>
-                <a:spcPct val="100000"/>
-              </a:lnSpc>
-            </a:pPr>
-            <a:fld id="{B13DAB06-D002-485E-BC5A-52DBF5D20637}" type="datetime1">
-              <a:rPr b="0" lang="nb-NO" sz="1200" spc="-1" strike="noStrike">
-                <a:solidFill>
-                  <a:srgbClr val="a6a6a6"/>
-                </a:solidFill>
-                <a:latin typeface="Times New Roman"/>
-                <a:ea typeface="DejaVu Sans"/>
-              </a:rPr>
-              <a:t>07.12.2018</a:t>
-            </a:fld>
-            <a:endParaRPr b="0" lang="nb-NO" sz="1200" spc="-1" strike="noStrike">
-              <a:latin typeface="Arial"/>
-            </a:endParaRPr>
-          </a:p>
-        </p:txBody>
       </p:sp>
       <p:sp>
         <p:nvSpPr>
@@ -20681,7 +19641,7 @@
         <p:spPr>
           <a:xfrm>
             <a:off x="1404000" y="486000"/>
-            <a:ext cx="6298560" cy="538560"/>
+            <a:ext cx="6298200" cy="538200"/>
           </a:xfrm>
           <a:prstGeom prst="rect">
             <a:avLst/>
@@ -20706,7 +19666,7 @@
               </a:lnSpc>
             </a:pPr>
             <a:r>
-              <a:rPr b="0" lang="nb-NO" sz="1200" spc="89" strike="noStrike" cap="all">
+              <a:rPr b="0" lang="nb-NO" sz="1200" spc="86" strike="noStrike" cap="all">
                 <a:solidFill>
                   <a:srgbClr val="a6a6a6"/>
                 </a:solidFill>
@@ -20730,7 +19690,7 @@
         <p:spPr>
           <a:xfrm>
             <a:off x="1702440" y="6300000"/>
-            <a:ext cx="707760" cy="214560"/>
+            <a:ext cx="707400" cy="214200"/>
           </a:xfrm>
           <a:prstGeom prst="rect">
             <a:avLst/>
@@ -20764,16 +19724,6 @@
               </a:rPr>
               <a:t>Side </a:t>
             </a:r>
-            <a:fld id="{62622C53-C351-49CF-88E8-6C46526A24AC}" type="slidenum">
-              <a:rPr b="0" lang="nb-NO" sz="1200" spc="-1" strike="noStrike" cap="all">
-                <a:solidFill>
-                  <a:srgbClr val="a6a6a6"/>
-                </a:solidFill>
-                <a:latin typeface="Times New Roman"/>
-                <a:ea typeface="DejaVu Sans"/>
-              </a:rPr>
-              <a:t>1</a:t>
-            </a:fld>
             <a:endParaRPr b="0" lang="nb-NO" sz="1200" spc="-1" strike="noStrike">
               <a:latin typeface="Arial"/>
             </a:endParaRPr>
@@ -20789,7 +19739,7 @@
         <p:spPr>
           <a:xfrm>
             <a:off x="1022760" y="1883880"/>
-            <a:ext cx="7364160" cy="3886560"/>
+            <a:ext cx="7363800" cy="3886200"/>
           </a:xfrm>
           <a:prstGeom prst="rect">
             <a:avLst/>
@@ -20808,7 +19758,7 @@
         <p:txBody>
           <a:bodyPr lIns="0" rIns="0" tIns="0" bIns="0"/>
           <a:p>
-            <a:pPr marL="343080" indent="-341640">
+            <a:pPr marL="343080" indent="-341280">
               <a:lnSpc>
                 <a:spcPct val="100000"/>
               </a:lnSpc>
@@ -20928,7 +19878,7 @@
         <p:spPr>
           <a:xfrm>
             <a:off x="1212480" y="2617200"/>
-            <a:ext cx="6985080" cy="2732040"/>
+            <a:ext cx="6984720" cy="2731680"/>
           </a:xfrm>
           <a:prstGeom prst="rect">
             <a:avLst/>
@@ -20996,7 +19946,7 @@
         <p:spPr>
           <a:xfrm>
             <a:off x="1022760" y="1014840"/>
-            <a:ext cx="7364160" cy="651600"/>
+            <a:ext cx="7363800" cy="651240"/>
           </a:xfrm>
           <a:prstGeom prst="rect">
             <a:avLst/>
@@ -21045,7 +19995,7 @@
         <p:spPr>
           <a:xfrm>
             <a:off x="1022760" y="1883880"/>
-            <a:ext cx="7364160" cy="3886560"/>
+            <a:ext cx="7363800" cy="3886200"/>
           </a:xfrm>
           <a:prstGeom prst="rect">
             <a:avLst/>
@@ -21064,7 +20014,7 @@
         <p:txBody>
           <a:bodyPr lIns="0" rIns="0" tIns="0" bIns="0"/>
           <a:p>
-            <a:pPr marL="343080" indent="-341640">
+            <a:pPr marL="343080" indent="-341280">
               <a:lnSpc>
                 <a:spcPct val="100000"/>
               </a:lnSpc>
@@ -21092,7 +20042,7 @@
             </a:endParaRPr>
           </a:p>
           <a:p>
-            <a:pPr marL="343080" indent="-341640">
+            <a:pPr marL="343080" indent="-341280">
               <a:lnSpc>
                 <a:spcPct val="100000"/>
               </a:lnSpc>
@@ -21120,7 +20070,7 @@
             </a:endParaRPr>
           </a:p>
           <a:p>
-            <a:pPr marL="343080" indent="-341640">
+            <a:pPr marL="343080" indent="-341280">
               <a:lnSpc>
                 <a:spcPct val="100000"/>
               </a:lnSpc>
@@ -21148,7 +20098,7 @@
             </a:endParaRPr>
           </a:p>
           <a:p>
-            <a:pPr lvl="1" marL="864000" indent="-322920">
+            <a:pPr lvl="1" marL="864000" indent="-322560">
               <a:lnSpc>
                 <a:spcPct val="100000"/>
               </a:lnSpc>
@@ -21177,7 +20127,7 @@
             </a:endParaRPr>
           </a:p>
           <a:p>
-            <a:pPr lvl="1" marL="864000" indent="-322920">
+            <a:pPr lvl="1" marL="864000" indent="-322560">
               <a:lnSpc>
                 <a:spcPct val="100000"/>
               </a:lnSpc>
@@ -21206,7 +20156,7 @@
             </a:endParaRPr>
           </a:p>
           <a:p>
-            <a:pPr lvl="1" marL="864000" indent="-322920">
+            <a:pPr lvl="1" marL="864000" indent="-322560">
               <a:lnSpc>
                 <a:spcPct val="100000"/>
               </a:lnSpc>
@@ -21235,7 +20185,7 @@
             </a:endParaRPr>
           </a:p>
           <a:p>
-            <a:pPr marL="343080" indent="-341640">
+            <a:pPr marL="343080" indent="-341280">
               <a:lnSpc>
                 <a:spcPct val="100000"/>
               </a:lnSpc>
@@ -21263,7 +20213,7 @@
             </a:endParaRPr>
           </a:p>
           <a:p>
-            <a:pPr marL="343080" indent="-341640">
+            <a:pPr marL="343080" indent="-341280">
               <a:lnSpc>
                 <a:spcPct val="100000"/>
               </a:lnSpc>
@@ -21291,7 +20241,7 @@
             </a:endParaRPr>
           </a:p>
           <a:p>
-            <a:pPr marL="343080" indent="-341640">
+            <a:pPr marL="343080" indent="-341280">
               <a:lnSpc>
                 <a:spcPct val="100000"/>
               </a:lnSpc>
@@ -21381,7 +20331,7 @@
         <p:spPr>
           <a:xfrm>
             <a:off x="467640" y="6300000"/>
-            <a:ext cx="934560" cy="214560"/>
+            <a:ext cx="934200" cy="214200"/>
           </a:xfrm>
           <a:prstGeom prst="rect">
             <a:avLst/>
@@ -21397,29 +20347,6 @@
           <a:effectRef idx="0"/>
           <a:fontRef idx="minor"/>
         </p:style>
-        <p:txBody>
-          <a:bodyPr lIns="0" rIns="0" tIns="0" bIns="0"/>
-          <a:p>
-            <a:pPr>
-              <a:lnSpc>
-                <a:spcPct val="100000"/>
-              </a:lnSpc>
-            </a:pPr>
-            <a:fld id="{47241C06-E288-4F4F-8D5C-F6FB40927366}" type="datetime1">
-              <a:rPr b="0" lang="nb-NO" sz="1200" spc="-1" strike="noStrike">
-                <a:solidFill>
-                  <a:srgbClr val="a6a6a6"/>
-                </a:solidFill>
-                <a:latin typeface="Times New Roman"/>
-                <a:ea typeface="DejaVu Sans"/>
-              </a:rPr>
-              <a:t>07.12.2018</a:t>
-            </a:fld>
-            <a:endParaRPr b="0" lang="nb-NO" sz="1200" spc="-1" strike="noStrike">
-              <a:latin typeface="Arial"/>
-            </a:endParaRPr>
-          </a:p>
-        </p:txBody>
       </p:sp>
       <p:sp>
         <p:nvSpPr>
@@ -21430,7 +20357,7 @@
         <p:spPr>
           <a:xfrm>
             <a:off x="1404000" y="486000"/>
-            <a:ext cx="6298560" cy="538560"/>
+            <a:ext cx="6298200" cy="538200"/>
           </a:xfrm>
           <a:prstGeom prst="rect">
             <a:avLst/>
@@ -21455,7 +20382,7 @@
               </a:lnSpc>
             </a:pPr>
             <a:r>
-              <a:rPr b="0" lang="nb-NO" sz="1200" spc="89" strike="noStrike" cap="all">
+              <a:rPr b="0" lang="nb-NO" sz="1200" spc="86" strike="noStrike" cap="all">
                 <a:solidFill>
                   <a:srgbClr val="a6a6a6"/>
                 </a:solidFill>
@@ -21479,7 +20406,7 @@
         <p:spPr>
           <a:xfrm>
             <a:off x="1702440" y="6300000"/>
-            <a:ext cx="707760" cy="214560"/>
+            <a:ext cx="707400" cy="214200"/>
           </a:xfrm>
           <a:prstGeom prst="rect">
             <a:avLst/>
@@ -21513,16 +20440,6 @@
               </a:rPr>
               <a:t>Side </a:t>
             </a:r>
-            <a:fld id="{66E05D4D-25F4-4251-9193-CB319326DFAC}" type="slidenum">
-              <a:rPr b="0" lang="nb-NO" sz="1200" spc="-1" strike="noStrike" cap="all">
-                <a:solidFill>
-                  <a:srgbClr val="a6a6a6"/>
-                </a:solidFill>
-                <a:latin typeface="Times New Roman"/>
-                <a:ea typeface="DejaVu Sans"/>
-              </a:rPr>
-              <a:t>1</a:t>
-            </a:fld>
             <a:endParaRPr b="0" lang="nb-NO" sz="1200" spc="-1" strike="noStrike">
               <a:latin typeface="Arial"/>
             </a:endParaRPr>
@@ -21587,7 +20504,7 @@
         <p:spPr>
           <a:xfrm>
             <a:off x="1022760" y="1014840"/>
-            <a:ext cx="7364160" cy="651600"/>
+            <a:ext cx="7363800" cy="651240"/>
           </a:xfrm>
           <a:prstGeom prst="rect">
             <a:avLst/>
@@ -21636,7 +20553,7 @@
         <p:spPr>
           <a:xfrm>
             <a:off x="1022760" y="1883880"/>
-            <a:ext cx="7364160" cy="3886560"/>
+            <a:ext cx="7363800" cy="3886200"/>
           </a:xfrm>
           <a:prstGeom prst="rect">
             <a:avLst/>
@@ -21662,7 +20579,7 @@
         <p:spPr>
           <a:xfrm>
             <a:off x="467640" y="6300000"/>
-            <a:ext cx="934560" cy="214560"/>
+            <a:ext cx="934200" cy="214200"/>
           </a:xfrm>
           <a:prstGeom prst="rect">
             <a:avLst/>
@@ -21678,29 +20595,6 @@
           <a:effectRef idx="0"/>
           <a:fontRef idx="minor"/>
         </p:style>
-        <p:txBody>
-          <a:bodyPr lIns="0" rIns="0" tIns="0" bIns="0"/>
-          <a:p>
-            <a:pPr>
-              <a:lnSpc>
-                <a:spcPct val="100000"/>
-              </a:lnSpc>
-            </a:pPr>
-            <a:fld id="{71789316-0AC1-4C3F-B0C1-D97BE4FF2EBA}" type="datetime1">
-              <a:rPr b="0" lang="nb-NO" sz="1200" spc="-1" strike="noStrike">
-                <a:solidFill>
-                  <a:srgbClr val="a6a6a6"/>
-                </a:solidFill>
-                <a:latin typeface="Times New Roman"/>
-                <a:ea typeface="DejaVu Sans"/>
-              </a:rPr>
-              <a:t>07.12.2018</a:t>
-            </a:fld>
-            <a:endParaRPr b="0" lang="nb-NO" sz="1200" spc="-1" strike="noStrike">
-              <a:latin typeface="Arial"/>
-            </a:endParaRPr>
-          </a:p>
-        </p:txBody>
       </p:sp>
       <p:sp>
         <p:nvSpPr>
@@ -21711,7 +20605,7 @@
         <p:spPr>
           <a:xfrm>
             <a:off x="1404000" y="486000"/>
-            <a:ext cx="6298560" cy="538560"/>
+            <a:ext cx="6298200" cy="538200"/>
           </a:xfrm>
           <a:prstGeom prst="rect">
             <a:avLst/>
@@ -21736,7 +20630,7 @@
               </a:lnSpc>
             </a:pPr>
             <a:r>
-              <a:rPr b="0" lang="nb-NO" sz="1200" spc="89" strike="noStrike" cap="all">
+              <a:rPr b="0" lang="nb-NO" sz="1200" spc="86" strike="noStrike" cap="all">
                 <a:solidFill>
                   <a:srgbClr val="a6a6a6"/>
                 </a:solidFill>
@@ -21760,7 +20654,7 @@
         <p:spPr>
           <a:xfrm>
             <a:off x="1702440" y="6300000"/>
-            <a:ext cx="707760" cy="214560"/>
+            <a:ext cx="707400" cy="214200"/>
           </a:xfrm>
           <a:prstGeom prst="rect">
             <a:avLst/>
@@ -21794,16 +20688,6 @@
               </a:rPr>
               <a:t>Side </a:t>
             </a:r>
-            <a:fld id="{1EF95D8F-B696-43B3-83A6-82C4DE095694}" type="slidenum">
-              <a:rPr b="0" lang="nb-NO" sz="1200" spc="-1" strike="noStrike" cap="all">
-                <a:solidFill>
-                  <a:srgbClr val="a6a6a6"/>
-                </a:solidFill>
-                <a:latin typeface="Times New Roman"/>
-                <a:ea typeface="DejaVu Sans"/>
-              </a:rPr>
-              <a:t>1</a:t>
-            </a:fld>
             <a:endParaRPr b="0" lang="nb-NO" sz="1200" spc="-1" strike="noStrike">
               <a:latin typeface="Arial"/>
             </a:endParaRPr>
@@ -21823,7 +20707,7 @@
         <p:spPr>
           <a:xfrm>
             <a:off x="1005840" y="1737360"/>
-            <a:ext cx="4587480" cy="4234680"/>
+            <a:ext cx="4587120" cy="4234320"/>
           </a:xfrm>
           <a:prstGeom prst="rect">
             <a:avLst/>
@@ -21891,7 +20775,7 @@
         <p:spPr>
           <a:xfrm>
             <a:off x="1022760" y="1014840"/>
-            <a:ext cx="7364160" cy="651600"/>
+            <a:ext cx="7363800" cy="651240"/>
           </a:xfrm>
           <a:prstGeom prst="rect">
             <a:avLst/>
@@ -21940,7 +20824,7 @@
         <p:spPr>
           <a:xfrm>
             <a:off x="1022760" y="1883880"/>
-            <a:ext cx="7364160" cy="3886560"/>
+            <a:ext cx="7363800" cy="3886200"/>
           </a:xfrm>
           <a:prstGeom prst="rect">
             <a:avLst/>
@@ -21966,7 +20850,7 @@
         <p:spPr>
           <a:xfrm>
             <a:off x="467640" y="6300000"/>
-            <a:ext cx="934560" cy="214560"/>
+            <a:ext cx="934200" cy="214200"/>
           </a:xfrm>
           <a:prstGeom prst="rect">
             <a:avLst/>
@@ -21982,29 +20866,6 @@
           <a:effectRef idx="0"/>
           <a:fontRef idx="minor"/>
         </p:style>
-        <p:txBody>
-          <a:bodyPr lIns="0" rIns="0" tIns="0" bIns="0"/>
-          <a:p>
-            <a:pPr>
-              <a:lnSpc>
-                <a:spcPct val="100000"/>
-              </a:lnSpc>
-            </a:pPr>
-            <a:fld id="{9EBC4EFA-674B-4325-93BD-BC4A89D9C53C}" type="datetime1">
-              <a:rPr b="0" lang="nb-NO" sz="1200" spc="-1" strike="noStrike">
-                <a:solidFill>
-                  <a:srgbClr val="a6a6a6"/>
-                </a:solidFill>
-                <a:latin typeface="Times New Roman"/>
-                <a:ea typeface="DejaVu Sans"/>
-              </a:rPr>
-              <a:t>07.12.2018</a:t>
-            </a:fld>
-            <a:endParaRPr b="0" lang="nb-NO" sz="1200" spc="-1" strike="noStrike">
-              <a:latin typeface="Arial"/>
-            </a:endParaRPr>
-          </a:p>
-        </p:txBody>
       </p:sp>
       <p:sp>
         <p:nvSpPr>
@@ -22015,7 +20876,7 @@
         <p:spPr>
           <a:xfrm>
             <a:off x="1404000" y="486000"/>
-            <a:ext cx="6298560" cy="538560"/>
+            <a:ext cx="6298200" cy="538200"/>
           </a:xfrm>
           <a:prstGeom prst="rect">
             <a:avLst/>
@@ -22040,7 +20901,7 @@
               </a:lnSpc>
             </a:pPr>
             <a:r>
-              <a:rPr b="0" lang="nb-NO" sz="1200" spc="89" strike="noStrike" cap="all">
+              <a:rPr b="0" lang="nb-NO" sz="1200" spc="86" strike="noStrike" cap="all">
                 <a:solidFill>
                   <a:srgbClr val="a6a6a6"/>
                 </a:solidFill>
@@ -22064,7 +20925,7 @@
         <p:spPr>
           <a:xfrm>
             <a:off x="1702440" y="6300000"/>
-            <a:ext cx="707760" cy="214560"/>
+            <a:ext cx="707400" cy="214200"/>
           </a:xfrm>
           <a:prstGeom prst="rect">
             <a:avLst/>
@@ -22098,16 +20959,6 @@
               </a:rPr>
               <a:t>Side </a:t>
             </a:r>
-            <a:fld id="{2192CCF1-657C-4BF7-AA5D-1AE112DC3D95}" type="slidenum">
-              <a:rPr b="0" lang="nb-NO" sz="1200" spc="-1" strike="noStrike" cap="all">
-                <a:solidFill>
-                  <a:srgbClr val="a6a6a6"/>
-                </a:solidFill>
-                <a:latin typeface="Times New Roman"/>
-                <a:ea typeface="DejaVu Sans"/>
-              </a:rPr>
-              <a:t>1</a:t>
-            </a:fld>
             <a:endParaRPr b="0" lang="nb-NO" sz="1200" spc="-1" strike="noStrike">
               <a:latin typeface="Arial"/>
             </a:endParaRPr>
@@ -22127,7 +20978,7 @@
         <p:spPr>
           <a:xfrm>
             <a:off x="945360" y="1683720"/>
-            <a:ext cx="5363640" cy="4615920"/>
+            <a:ext cx="5363280" cy="4615560"/>
           </a:xfrm>
           <a:prstGeom prst="rect">
             <a:avLst/>
@@ -22195,7 +21046,7 @@
         <p:spPr>
           <a:xfrm>
             <a:off x="1022760" y="1014840"/>
-            <a:ext cx="7364160" cy="651600"/>
+            <a:ext cx="7363800" cy="651240"/>
           </a:xfrm>
           <a:prstGeom prst="rect">
             <a:avLst/>
@@ -22244,7 +21095,7 @@
         <p:spPr>
           <a:xfrm>
             <a:off x="1022760" y="1883880"/>
-            <a:ext cx="7364160" cy="3886560"/>
+            <a:ext cx="7363800" cy="3886200"/>
           </a:xfrm>
           <a:prstGeom prst="rect">
             <a:avLst/>
@@ -22270,7 +21121,7 @@
         <p:spPr>
           <a:xfrm>
             <a:off x="467640" y="6300000"/>
-            <a:ext cx="934560" cy="214560"/>
+            <a:ext cx="934200" cy="214200"/>
           </a:xfrm>
           <a:prstGeom prst="rect">
             <a:avLst/>
@@ -22286,29 +21137,6 @@
           <a:effectRef idx="0"/>
           <a:fontRef idx="minor"/>
         </p:style>
-        <p:txBody>
-          <a:bodyPr lIns="0" rIns="0" tIns="0" bIns="0"/>
-          <a:p>
-            <a:pPr>
-              <a:lnSpc>
-                <a:spcPct val="100000"/>
-              </a:lnSpc>
-            </a:pPr>
-            <a:fld id="{E311BA30-3165-4D05-993C-6BF5BF014A7A}" type="datetime1">
-              <a:rPr b="0" lang="nb-NO" sz="1200" spc="-1" strike="noStrike">
-                <a:solidFill>
-                  <a:srgbClr val="a6a6a6"/>
-                </a:solidFill>
-                <a:latin typeface="Times New Roman"/>
-                <a:ea typeface="DejaVu Sans"/>
-              </a:rPr>
-              <a:t>07.12.2018</a:t>
-            </a:fld>
-            <a:endParaRPr b="0" lang="nb-NO" sz="1200" spc="-1" strike="noStrike">
-              <a:latin typeface="Arial"/>
-            </a:endParaRPr>
-          </a:p>
-        </p:txBody>
       </p:sp>
       <p:sp>
         <p:nvSpPr>
@@ -22319,7 +21147,7 @@
         <p:spPr>
           <a:xfrm>
             <a:off x="1404000" y="486000"/>
-            <a:ext cx="6298560" cy="538560"/>
+            <a:ext cx="6298200" cy="538200"/>
           </a:xfrm>
           <a:prstGeom prst="rect">
             <a:avLst/>
@@ -22344,7 +21172,7 @@
               </a:lnSpc>
             </a:pPr>
             <a:r>
-              <a:rPr b="0" lang="nb-NO" sz="1200" spc="89" strike="noStrike" cap="all">
+              <a:rPr b="0" lang="nb-NO" sz="1200" spc="86" strike="noStrike" cap="all">
                 <a:solidFill>
                   <a:srgbClr val="a6a6a6"/>
                 </a:solidFill>
@@ -22368,7 +21196,7 @@
         <p:spPr>
           <a:xfrm>
             <a:off x="1702440" y="6300000"/>
-            <a:ext cx="707760" cy="214560"/>
+            <a:ext cx="707400" cy="214200"/>
           </a:xfrm>
           <a:prstGeom prst="rect">
             <a:avLst/>
@@ -22402,16 +21230,6 @@
               </a:rPr>
               <a:t>Side </a:t>
             </a:r>
-            <a:fld id="{30132C5C-7BD6-4C47-AF4B-FCCB248914D9}" type="slidenum">
-              <a:rPr b="0" lang="nb-NO" sz="1200" spc="-1" strike="noStrike" cap="all">
-                <a:solidFill>
-                  <a:srgbClr val="a6a6a6"/>
-                </a:solidFill>
-                <a:latin typeface="Times New Roman"/>
-                <a:ea typeface="DejaVu Sans"/>
-              </a:rPr>
-              <a:t>1</a:t>
-            </a:fld>
             <a:endParaRPr b="0" lang="nb-NO" sz="1200" spc="-1" strike="noStrike">
               <a:latin typeface="Arial"/>
             </a:endParaRPr>
@@ -22431,7 +21249,7 @@
         <p:spPr>
           <a:xfrm>
             <a:off x="1005840" y="1737360"/>
-            <a:ext cx="5020560" cy="2607480"/>
+            <a:ext cx="5020200" cy="2607120"/>
           </a:xfrm>
           <a:prstGeom prst="rect">
             <a:avLst/>
@@ -22454,7 +21272,7 @@
         <p:spPr>
           <a:xfrm>
             <a:off x="1005840" y="4297680"/>
-            <a:ext cx="5028840" cy="1797480"/>
+            <a:ext cx="5028480" cy="1797120"/>
           </a:xfrm>
           <a:prstGeom prst="rect">
             <a:avLst/>
@@ -22522,7 +21340,7 @@
         <p:spPr>
           <a:xfrm>
             <a:off x="2030040" y="4797000"/>
-            <a:ext cx="5082480" cy="291600"/>
+            <a:ext cx="5082120" cy="291240"/>
           </a:xfrm>
           <a:prstGeom prst="rect">
             <a:avLst/>
@@ -22547,7 +21365,7 @@
               </a:lnSpc>
             </a:pPr>
             <a:r>
-              <a:rPr b="0" lang="nb-NO" sz="1600" spc="89" strike="noStrike" cap="all">
+              <a:rPr b="0" lang="nb-NO" sz="1600" spc="86" strike="noStrike" cap="all">
                 <a:solidFill>
                   <a:srgbClr val="808080"/>
                 </a:solidFill>
@@ -22575,7 +21393,7 @@
         <p:spPr>
           <a:xfrm>
             <a:off x="7930080" y="5949360"/>
-            <a:ext cx="679320" cy="574560"/>
+            <a:ext cx="678960" cy="574200"/>
           </a:xfrm>
           <a:prstGeom prst="rect">
             <a:avLst/>
@@ -22594,7 +21412,7 @@
         <p:spPr>
           <a:xfrm>
             <a:off x="3474720" y="993600"/>
-            <a:ext cx="2092320" cy="651600"/>
+            <a:ext cx="2091960" cy="651240"/>
           </a:xfrm>
           <a:prstGeom prst="rect">
             <a:avLst/>
@@ -22692,7 +21510,7 @@
         <p:spPr>
           <a:xfrm>
             <a:off x="1022760" y="1014840"/>
-            <a:ext cx="7364160" cy="651600"/>
+            <a:ext cx="7363800" cy="651240"/>
           </a:xfrm>
           <a:prstGeom prst="rect">
             <a:avLst/>
@@ -22741,7 +21559,7 @@
         <p:spPr>
           <a:xfrm>
             <a:off x="1022760" y="1883880"/>
-            <a:ext cx="7364160" cy="3886560"/>
+            <a:ext cx="7363800" cy="3886200"/>
           </a:xfrm>
           <a:prstGeom prst="rect">
             <a:avLst/>
@@ -22762,7 +21580,7 @@
             <a:normAutofit/>
           </a:bodyPr>
           <a:p>
-            <a:pPr marL="343080" indent="-341640">
+            <a:pPr marL="343080" indent="-341280">
               <a:lnSpc>
                 <a:spcPct val="100000"/>
               </a:lnSpc>
@@ -22790,7 +21608,7 @@
             </a:endParaRPr>
           </a:p>
           <a:p>
-            <a:pPr marL="343080" indent="-341640">
+            <a:pPr marL="343080" indent="-341280">
               <a:lnSpc>
                 <a:spcPct val="100000"/>
               </a:lnSpc>
@@ -22818,7 +21636,7 @@
             </a:endParaRPr>
           </a:p>
           <a:p>
-            <a:pPr marL="343080" indent="-341640">
+            <a:pPr marL="343080" indent="-341280">
               <a:lnSpc>
                 <a:spcPct val="100000"/>
               </a:lnSpc>
@@ -22846,7 +21664,7 @@
             </a:endParaRPr>
           </a:p>
           <a:p>
-            <a:pPr marL="343080" indent="-341640">
+            <a:pPr marL="343080" indent="-341280">
               <a:lnSpc>
                 <a:spcPct val="100000"/>
               </a:lnSpc>
@@ -22874,7 +21692,7 @@
             </a:endParaRPr>
           </a:p>
           <a:p>
-            <a:pPr marL="343080" indent="-341640">
+            <a:pPr marL="343080" indent="-341280">
               <a:lnSpc>
                 <a:spcPct val="100000"/>
               </a:lnSpc>
@@ -22902,7 +21720,7 @@
             </a:endParaRPr>
           </a:p>
           <a:p>
-            <a:pPr marL="343080" indent="-341640">
+            <a:pPr marL="343080" indent="-341280">
               <a:lnSpc>
                 <a:spcPct val="100000"/>
               </a:lnSpc>
@@ -22930,7 +21748,7 @@
             </a:endParaRPr>
           </a:p>
           <a:p>
-            <a:pPr marL="343080" indent="-341640">
+            <a:pPr marL="343080" indent="-341280">
               <a:lnSpc>
                 <a:spcPct val="100000"/>
               </a:lnSpc>
@@ -22968,7 +21786,7 @@
         <p:spPr>
           <a:xfrm>
             <a:off x="467640" y="6300000"/>
-            <a:ext cx="934560" cy="214560"/>
+            <a:ext cx="934200" cy="214200"/>
           </a:xfrm>
           <a:prstGeom prst="rect">
             <a:avLst/>
@@ -22984,29 +21802,6 @@
           <a:effectRef idx="0"/>
           <a:fontRef idx="minor"/>
         </p:style>
-        <p:txBody>
-          <a:bodyPr lIns="0" rIns="0" tIns="0" bIns="0"/>
-          <a:p>
-            <a:pPr>
-              <a:lnSpc>
-                <a:spcPct val="100000"/>
-              </a:lnSpc>
-            </a:pPr>
-            <a:fld id="{8B18C8DD-03B3-411F-9D60-59241A19B6C9}" type="datetime1">
-              <a:rPr b="0" lang="nb-NO" sz="1200" spc="-1" strike="noStrike">
-                <a:solidFill>
-                  <a:srgbClr val="a6a6a6"/>
-                </a:solidFill>
-                <a:latin typeface="Times New Roman"/>
-                <a:ea typeface="DejaVu Sans"/>
-              </a:rPr>
-              <a:t>07.12.2018</a:t>
-            </a:fld>
-            <a:endParaRPr b="0" lang="nb-NO" sz="1200" spc="-1" strike="noStrike">
-              <a:latin typeface="Arial"/>
-            </a:endParaRPr>
-          </a:p>
-        </p:txBody>
       </p:sp>
       <p:sp>
         <p:nvSpPr>
@@ -23017,7 +21812,7 @@
         <p:spPr>
           <a:xfrm>
             <a:off x="1404000" y="486000"/>
-            <a:ext cx="6298560" cy="538560"/>
+            <a:ext cx="6298200" cy="538200"/>
           </a:xfrm>
           <a:prstGeom prst="rect">
             <a:avLst/>
@@ -23042,7 +21837,7 @@
               </a:lnSpc>
             </a:pPr>
             <a:r>
-              <a:rPr b="0" lang="nb-NO" sz="1200" spc="89" strike="noStrike" cap="all">
+              <a:rPr b="0" lang="nb-NO" sz="1200" spc="86" strike="noStrike" cap="all">
                 <a:solidFill>
                   <a:srgbClr val="a6a6a6"/>
                 </a:solidFill>
@@ -23066,7 +21861,7 @@
         <p:spPr>
           <a:xfrm>
             <a:off x="1702440" y="6300000"/>
-            <a:ext cx="707760" cy="214560"/>
+            <a:ext cx="707400" cy="214200"/>
           </a:xfrm>
           <a:prstGeom prst="rect">
             <a:avLst/>
@@ -23100,16 +21895,6 @@
               </a:rPr>
               <a:t>Side </a:t>
             </a:r>
-            <a:fld id="{13B04553-4B04-4FA6-9AB4-5DE415741EFE}" type="slidenum">
-              <a:rPr b="0" lang="nb-NO" sz="1200" spc="-1" strike="noStrike" cap="all">
-                <a:solidFill>
-                  <a:srgbClr val="a6a6a6"/>
-                </a:solidFill>
-                <a:latin typeface="Times New Roman"/>
-                <a:ea typeface="DejaVu Sans"/>
-              </a:rPr>
-              <a:t>1</a:t>
-            </a:fld>
             <a:endParaRPr b="0" lang="nb-NO" sz="1200" spc="-1" strike="noStrike">
               <a:latin typeface="Arial"/>
             </a:endParaRPr>
@@ -23174,7 +21959,7 @@
         <p:spPr>
           <a:xfrm>
             <a:off x="1022760" y="1014840"/>
-            <a:ext cx="7364160" cy="651600"/>
+            <a:ext cx="7363800" cy="651240"/>
           </a:xfrm>
           <a:prstGeom prst="rect">
             <a:avLst/>
@@ -23223,7 +22008,7 @@
         <p:spPr>
           <a:xfrm>
             <a:off x="1022760" y="1883880"/>
-            <a:ext cx="7364160" cy="3886560"/>
+            <a:ext cx="7363800" cy="3886200"/>
           </a:xfrm>
           <a:prstGeom prst="rect">
             <a:avLst/>
@@ -23242,7 +22027,7 @@
         <p:txBody>
           <a:bodyPr lIns="0" rIns="0" tIns="0" bIns="0"/>
           <a:p>
-            <a:pPr marL="343080" indent="-341640">
+            <a:pPr marL="343080" indent="-341280">
               <a:lnSpc>
                 <a:spcPct val="100000"/>
               </a:lnSpc>
@@ -23270,7 +22055,7 @@
             </a:endParaRPr>
           </a:p>
           <a:p>
-            <a:pPr marL="343080" indent="-341640">
+            <a:pPr marL="343080" indent="-341280">
               <a:lnSpc>
                 <a:spcPct val="100000"/>
               </a:lnSpc>
@@ -23298,7 +22083,7 @@
             </a:endParaRPr>
           </a:p>
           <a:p>
-            <a:pPr marL="343080" indent="-341640">
+            <a:pPr marL="343080" indent="-341280">
               <a:lnSpc>
                 <a:spcPct val="100000"/>
               </a:lnSpc>
@@ -23326,7 +22111,7 @@
             </a:endParaRPr>
           </a:p>
           <a:p>
-            <a:pPr lvl="1" marL="864000" indent="-322920">
+            <a:pPr lvl="1" marL="864000" indent="-322560">
               <a:lnSpc>
                 <a:spcPct val="100000"/>
               </a:lnSpc>
@@ -23355,7 +22140,7 @@
             </a:endParaRPr>
           </a:p>
           <a:p>
-            <a:pPr lvl="1" marL="864000" indent="-322920">
+            <a:pPr lvl="1" marL="864000" indent="-322560">
               <a:lnSpc>
                 <a:spcPct val="100000"/>
               </a:lnSpc>
@@ -23384,7 +22169,7 @@
             </a:endParaRPr>
           </a:p>
           <a:p>
-            <a:pPr lvl="1" marL="864000" indent="-322920">
+            <a:pPr lvl="1" marL="864000" indent="-322560">
               <a:lnSpc>
                 <a:spcPct val="100000"/>
               </a:lnSpc>
@@ -23413,7 +22198,7 @@
             </a:endParaRPr>
           </a:p>
           <a:p>
-            <a:pPr marL="343080" indent="-341640">
+            <a:pPr marL="343080" indent="-341280">
               <a:lnSpc>
                 <a:spcPct val="100000"/>
               </a:lnSpc>
@@ -23441,7 +22226,7 @@
             </a:endParaRPr>
           </a:p>
           <a:p>
-            <a:pPr marL="343080" indent="-341640">
+            <a:pPr marL="343080" indent="-341280">
               <a:lnSpc>
                 <a:spcPct val="100000"/>
               </a:lnSpc>
@@ -23469,7 +22254,7 @@
             </a:endParaRPr>
           </a:p>
           <a:p>
-            <a:pPr marL="343080" indent="-341640">
+            <a:pPr marL="343080" indent="-341280">
               <a:lnSpc>
                 <a:spcPct val="100000"/>
               </a:lnSpc>
@@ -23559,7 +22344,7 @@
         <p:spPr>
           <a:xfrm>
             <a:off x="467640" y="6300000"/>
-            <a:ext cx="934560" cy="214560"/>
+            <a:ext cx="934200" cy="214200"/>
           </a:xfrm>
           <a:prstGeom prst="rect">
             <a:avLst/>
@@ -23575,29 +22360,6 @@
           <a:effectRef idx="0"/>
           <a:fontRef idx="minor"/>
         </p:style>
-        <p:txBody>
-          <a:bodyPr lIns="0" rIns="0" tIns="0" bIns="0"/>
-          <a:p>
-            <a:pPr>
-              <a:lnSpc>
-                <a:spcPct val="100000"/>
-              </a:lnSpc>
-            </a:pPr>
-            <a:fld id="{375CF883-4E92-418D-A7CC-311AB8D25923}" type="datetime1">
-              <a:rPr b="0" lang="nb-NO" sz="1200" spc="-1" strike="noStrike">
-                <a:solidFill>
-                  <a:srgbClr val="a6a6a6"/>
-                </a:solidFill>
-                <a:latin typeface="Times New Roman"/>
-                <a:ea typeface="DejaVu Sans"/>
-              </a:rPr>
-              <a:t>07.12.2018</a:t>
-            </a:fld>
-            <a:endParaRPr b="0" lang="nb-NO" sz="1200" spc="-1" strike="noStrike">
-              <a:latin typeface="Arial"/>
-            </a:endParaRPr>
-          </a:p>
-        </p:txBody>
       </p:sp>
       <p:sp>
         <p:nvSpPr>
@@ -23608,7 +22370,7 @@
         <p:spPr>
           <a:xfrm>
             <a:off x="1404000" y="486000"/>
-            <a:ext cx="6298560" cy="538560"/>
+            <a:ext cx="6298200" cy="538200"/>
           </a:xfrm>
           <a:prstGeom prst="rect">
             <a:avLst/>
@@ -23633,7 +22395,7 @@
               </a:lnSpc>
             </a:pPr>
             <a:r>
-              <a:rPr b="0" lang="nb-NO" sz="1200" spc="89" strike="noStrike" cap="all">
+              <a:rPr b="0" lang="nb-NO" sz="1200" spc="86" strike="noStrike" cap="all">
                 <a:solidFill>
                   <a:srgbClr val="a6a6a6"/>
                 </a:solidFill>
@@ -23657,7 +22419,7 @@
         <p:spPr>
           <a:xfrm>
             <a:off x="1702440" y="6300000"/>
-            <a:ext cx="707760" cy="214560"/>
+            <a:ext cx="707400" cy="214200"/>
           </a:xfrm>
           <a:prstGeom prst="rect">
             <a:avLst/>
@@ -23691,16 +22453,6 @@
               </a:rPr>
               <a:t>Side </a:t>
             </a:r>
-            <a:fld id="{1BF0B65C-19E1-4AB2-BC46-14541271D991}" type="slidenum">
-              <a:rPr b="0" lang="nb-NO" sz="1200" spc="-1" strike="noStrike" cap="all">
-                <a:solidFill>
-                  <a:srgbClr val="a6a6a6"/>
-                </a:solidFill>
-                <a:latin typeface="Times New Roman"/>
-                <a:ea typeface="DejaVu Sans"/>
-              </a:rPr>
-              <a:t>1</a:t>
-            </a:fld>
             <a:endParaRPr b="0" lang="nb-NO" sz="1200" spc="-1" strike="noStrike">
               <a:latin typeface="Arial"/>
             </a:endParaRPr>
@@ -23765,7 +22517,7 @@
         <p:spPr>
           <a:xfrm>
             <a:off x="1022760" y="1014840"/>
-            <a:ext cx="7364160" cy="651600"/>
+            <a:ext cx="7363800" cy="651240"/>
           </a:xfrm>
           <a:prstGeom prst="rect">
             <a:avLst/>
@@ -23814,7 +22566,7 @@
         <p:spPr>
           <a:xfrm>
             <a:off x="1022760" y="1883880"/>
-            <a:ext cx="7364160" cy="3886560"/>
+            <a:ext cx="7363800" cy="3886200"/>
           </a:xfrm>
           <a:prstGeom prst="rect">
             <a:avLst/>
@@ -23833,7 +22585,7 @@
         <p:txBody>
           <a:bodyPr lIns="0" rIns="0" tIns="0" bIns="0"/>
           <a:p>
-            <a:pPr marL="343080" indent="-341640">
+            <a:pPr marL="343080" indent="-341280">
               <a:lnSpc>
                 <a:spcPct val="100000"/>
               </a:lnSpc>
@@ -23861,7 +22613,7 @@
             </a:endParaRPr>
           </a:p>
           <a:p>
-            <a:pPr marL="343080" indent="-341640">
+            <a:pPr marL="343080" indent="-341280">
               <a:lnSpc>
                 <a:spcPct val="100000"/>
               </a:lnSpc>
@@ -23889,7 +22641,7 @@
             </a:endParaRPr>
           </a:p>
           <a:p>
-            <a:pPr marL="343080" indent="-341640">
+            <a:pPr marL="343080" indent="-341280">
               <a:lnSpc>
                 <a:spcPct val="100000"/>
               </a:lnSpc>
@@ -23917,7 +22669,7 @@
             </a:endParaRPr>
           </a:p>
           <a:p>
-            <a:pPr lvl="1" marL="864000" indent="-322920">
+            <a:pPr lvl="1" marL="864000" indent="-322560">
               <a:lnSpc>
                 <a:spcPct val="100000"/>
               </a:lnSpc>
@@ -23946,7 +22698,7 @@
             </a:endParaRPr>
           </a:p>
           <a:p>
-            <a:pPr lvl="1" marL="864000" indent="-322920">
+            <a:pPr lvl="1" marL="864000" indent="-322560">
               <a:lnSpc>
                 <a:spcPct val="100000"/>
               </a:lnSpc>
@@ -23975,7 +22727,7 @@
             </a:endParaRPr>
           </a:p>
           <a:p>
-            <a:pPr lvl="1" marL="864000" indent="-322920">
+            <a:pPr lvl="1" marL="864000" indent="-322560">
               <a:lnSpc>
                 <a:spcPct val="100000"/>
               </a:lnSpc>
@@ -24004,7 +22756,7 @@
             </a:endParaRPr>
           </a:p>
           <a:p>
-            <a:pPr marL="343080" indent="-341640">
+            <a:pPr marL="343080" indent="-341280">
               <a:lnSpc>
                 <a:spcPct val="100000"/>
               </a:lnSpc>
@@ -24032,7 +22784,7 @@
             </a:endParaRPr>
           </a:p>
           <a:p>
-            <a:pPr marL="343080" indent="-341640">
+            <a:pPr marL="343080" indent="-341280">
               <a:lnSpc>
                 <a:spcPct val="100000"/>
               </a:lnSpc>
@@ -24060,7 +22812,7 @@
             </a:endParaRPr>
           </a:p>
           <a:p>
-            <a:pPr marL="343080" indent="-341640">
+            <a:pPr marL="343080" indent="-341280">
               <a:lnSpc>
                 <a:spcPct val="100000"/>
               </a:lnSpc>
@@ -24150,7 +22902,7 @@
         <p:spPr>
           <a:xfrm>
             <a:off x="467640" y="6300000"/>
-            <a:ext cx="934560" cy="214560"/>
+            <a:ext cx="934200" cy="214200"/>
           </a:xfrm>
           <a:prstGeom prst="rect">
             <a:avLst/>
@@ -24166,29 +22918,6 @@
           <a:effectRef idx="0"/>
           <a:fontRef idx="minor"/>
         </p:style>
-        <p:txBody>
-          <a:bodyPr lIns="0" rIns="0" tIns="0" bIns="0"/>
-          <a:p>
-            <a:pPr>
-              <a:lnSpc>
-                <a:spcPct val="100000"/>
-              </a:lnSpc>
-            </a:pPr>
-            <a:fld id="{82E55D3F-3734-4DCD-9FFC-D67F04F60FC7}" type="datetime1">
-              <a:rPr b="0" lang="nb-NO" sz="1200" spc="-1" strike="noStrike">
-                <a:solidFill>
-                  <a:srgbClr val="a6a6a6"/>
-                </a:solidFill>
-                <a:latin typeface="Times New Roman"/>
-                <a:ea typeface="DejaVu Sans"/>
-              </a:rPr>
-              <a:t>07.12.2018</a:t>
-            </a:fld>
-            <a:endParaRPr b="0" lang="nb-NO" sz="1200" spc="-1" strike="noStrike">
-              <a:latin typeface="Arial"/>
-            </a:endParaRPr>
-          </a:p>
-        </p:txBody>
       </p:sp>
       <p:sp>
         <p:nvSpPr>
@@ -24199,7 +22928,7 @@
         <p:spPr>
           <a:xfrm>
             <a:off x="1404000" y="486000"/>
-            <a:ext cx="6298560" cy="538560"/>
+            <a:ext cx="6298200" cy="538200"/>
           </a:xfrm>
           <a:prstGeom prst="rect">
             <a:avLst/>
@@ -24224,7 +22953,7 @@
               </a:lnSpc>
             </a:pPr>
             <a:r>
-              <a:rPr b="0" lang="nb-NO" sz="1200" spc="89" strike="noStrike" cap="all">
+              <a:rPr b="0" lang="nb-NO" sz="1200" spc="86" strike="noStrike" cap="all">
                 <a:solidFill>
                   <a:srgbClr val="a6a6a6"/>
                 </a:solidFill>
@@ -24248,7 +22977,7 @@
         <p:spPr>
           <a:xfrm>
             <a:off x="1702440" y="6300000"/>
-            <a:ext cx="707760" cy="214560"/>
+            <a:ext cx="707400" cy="214200"/>
           </a:xfrm>
           <a:prstGeom prst="rect">
             <a:avLst/>
@@ -24282,16 +23011,6 @@
               </a:rPr>
               <a:t>Side </a:t>
             </a:r>
-            <a:fld id="{B68B3408-B591-4C01-A21A-2085B06CD7BB}" type="slidenum">
-              <a:rPr b="0" lang="nb-NO" sz="1200" spc="-1" strike="noStrike" cap="all">
-                <a:solidFill>
-                  <a:srgbClr val="a6a6a6"/>
-                </a:solidFill>
-                <a:latin typeface="Times New Roman"/>
-                <a:ea typeface="DejaVu Sans"/>
-              </a:rPr>
-              <a:t>1</a:t>
-            </a:fld>
             <a:endParaRPr b="0" lang="nb-NO" sz="1200" spc="-1" strike="noStrike">
               <a:latin typeface="Arial"/>
             </a:endParaRPr>
@@ -24356,7 +23075,7 @@
         <p:spPr>
           <a:xfrm>
             <a:off x="1022760" y="1014840"/>
-            <a:ext cx="7364160" cy="651600"/>
+            <a:ext cx="7363800" cy="651240"/>
           </a:xfrm>
           <a:prstGeom prst="rect">
             <a:avLst/>
@@ -24405,7 +23124,7 @@
         <p:spPr>
           <a:xfrm>
             <a:off x="1022760" y="1883880"/>
-            <a:ext cx="7364160" cy="3886560"/>
+            <a:ext cx="7363800" cy="3886200"/>
           </a:xfrm>
           <a:prstGeom prst="rect">
             <a:avLst/>
@@ -24424,7 +23143,7 @@
         <p:txBody>
           <a:bodyPr lIns="0" rIns="0" tIns="0" bIns="0"/>
           <a:p>
-            <a:pPr marL="343080" indent="-341640">
+            <a:pPr marL="343080" indent="-341280">
               <a:lnSpc>
                 <a:spcPct val="100000"/>
               </a:lnSpc>
@@ -24452,7 +23171,7 @@
             </a:endParaRPr>
           </a:p>
           <a:p>
-            <a:pPr marL="343080" indent="-341640">
+            <a:pPr marL="343080" indent="-341280">
               <a:lnSpc>
                 <a:spcPct val="100000"/>
               </a:lnSpc>
@@ -24480,7 +23199,7 @@
             </a:endParaRPr>
           </a:p>
           <a:p>
-            <a:pPr marL="343080" indent="-341640">
+            <a:pPr marL="343080" indent="-341280">
               <a:lnSpc>
                 <a:spcPct val="100000"/>
               </a:lnSpc>
@@ -24508,7 +23227,7 @@
             </a:endParaRPr>
           </a:p>
           <a:p>
-            <a:pPr marL="343080" indent="-341640">
+            <a:pPr marL="343080" indent="-341280">
               <a:lnSpc>
                 <a:spcPct val="100000"/>
               </a:lnSpc>
@@ -24536,7 +23255,7 @@
             </a:endParaRPr>
           </a:p>
           <a:p>
-            <a:pPr marL="343080" indent="-341640">
+            <a:pPr marL="343080" indent="-341280">
               <a:lnSpc>
                 <a:spcPct val="100000"/>
               </a:lnSpc>
@@ -24564,7 +23283,7 @@
             </a:endParaRPr>
           </a:p>
           <a:p>
-            <a:pPr marL="343080" indent="-341640">
+            <a:pPr marL="343080" indent="-341280">
               <a:lnSpc>
                 <a:spcPct val="100000"/>
               </a:lnSpc>
@@ -24592,7 +23311,7 @@
             </a:endParaRPr>
           </a:p>
           <a:p>
-            <a:pPr marL="343080" indent="-341640">
+            <a:pPr marL="343080" indent="-341280">
               <a:lnSpc>
                 <a:spcPct val="100000"/>
               </a:lnSpc>
@@ -24620,7 +23339,7 @@
             </a:endParaRPr>
           </a:p>
           <a:p>
-            <a:pPr marL="343080" indent="-341640">
+            <a:pPr marL="343080" indent="-341280">
               <a:lnSpc>
                 <a:spcPct val="100000"/>
               </a:lnSpc>
@@ -24648,7 +23367,7 @@
             </a:endParaRPr>
           </a:p>
           <a:p>
-            <a:pPr marL="343080" indent="-341640">
+            <a:pPr marL="343080" indent="-341280">
               <a:lnSpc>
                 <a:spcPct val="100000"/>
               </a:lnSpc>
@@ -24686,7 +23405,7 @@
         <p:spPr>
           <a:xfrm>
             <a:off x="467640" y="6300000"/>
-            <a:ext cx="934560" cy="214560"/>
+            <a:ext cx="934200" cy="214200"/>
           </a:xfrm>
           <a:prstGeom prst="rect">
             <a:avLst/>
@@ -24702,29 +23421,6 @@
           <a:effectRef idx="0"/>
           <a:fontRef idx="minor"/>
         </p:style>
-        <p:txBody>
-          <a:bodyPr lIns="0" rIns="0" tIns="0" bIns="0"/>
-          <a:p>
-            <a:pPr>
-              <a:lnSpc>
-                <a:spcPct val="100000"/>
-              </a:lnSpc>
-            </a:pPr>
-            <a:fld id="{BF6F56C9-7B37-4EDB-A1C4-532EB1B4E619}" type="datetime1">
-              <a:rPr b="0" lang="nb-NO" sz="1200" spc="-1" strike="noStrike">
-                <a:solidFill>
-                  <a:srgbClr val="a6a6a6"/>
-                </a:solidFill>
-                <a:latin typeface="Times New Roman"/>
-                <a:ea typeface="DejaVu Sans"/>
-              </a:rPr>
-              <a:t>07.12.2018</a:t>
-            </a:fld>
-            <a:endParaRPr b="0" lang="nb-NO" sz="1200" spc="-1" strike="noStrike">
-              <a:latin typeface="Arial"/>
-            </a:endParaRPr>
-          </a:p>
-        </p:txBody>
       </p:sp>
       <p:sp>
         <p:nvSpPr>
@@ -24735,7 +23431,7 @@
         <p:spPr>
           <a:xfrm>
             <a:off x="1404000" y="486000"/>
-            <a:ext cx="6298560" cy="538560"/>
+            <a:ext cx="6298200" cy="538200"/>
           </a:xfrm>
           <a:prstGeom prst="rect">
             <a:avLst/>
@@ -24760,7 +23456,7 @@
               </a:lnSpc>
             </a:pPr>
             <a:r>
-              <a:rPr b="0" lang="nb-NO" sz="1200" spc="89" strike="noStrike" cap="all">
+              <a:rPr b="0" lang="nb-NO" sz="1200" spc="86" strike="noStrike" cap="all">
                 <a:solidFill>
                   <a:srgbClr val="a6a6a6"/>
                 </a:solidFill>
@@ -24784,7 +23480,7 @@
         <p:spPr>
           <a:xfrm>
             <a:off x="1702440" y="6300000"/>
-            <a:ext cx="707760" cy="214560"/>
+            <a:ext cx="707400" cy="214200"/>
           </a:xfrm>
           <a:prstGeom prst="rect">
             <a:avLst/>
@@ -24818,16 +23514,6 @@
               </a:rPr>
               <a:t>Side </a:t>
             </a:r>
-            <a:fld id="{9B9C779B-31F5-4903-A138-2D9667E6C4C3}" type="slidenum">
-              <a:rPr b="0" lang="nb-NO" sz="1200" spc="-1" strike="noStrike" cap="all">
-                <a:solidFill>
-                  <a:srgbClr val="a6a6a6"/>
-                </a:solidFill>
-                <a:latin typeface="Times New Roman"/>
-                <a:ea typeface="DejaVu Sans"/>
-              </a:rPr>
-              <a:t>1</a:t>
-            </a:fld>
             <a:endParaRPr b="0" lang="nb-NO" sz="1200" spc="-1" strike="noStrike">
               <a:latin typeface="Arial"/>
             </a:endParaRPr>
@@ -24892,7 +23578,7 @@
         <p:spPr>
           <a:xfrm>
             <a:off x="1022760" y="1014840"/>
-            <a:ext cx="7364160" cy="651600"/>
+            <a:ext cx="7363800" cy="651240"/>
           </a:xfrm>
           <a:prstGeom prst="rect">
             <a:avLst/>
@@ -24941,7 +23627,7 @@
         <p:spPr>
           <a:xfrm>
             <a:off x="1022760" y="1883880"/>
-            <a:ext cx="7364160" cy="3886560"/>
+            <a:ext cx="7363800" cy="3886200"/>
           </a:xfrm>
           <a:prstGeom prst="rect">
             <a:avLst/>
@@ -24960,7 +23646,7 @@
         <p:txBody>
           <a:bodyPr lIns="0" rIns="0" tIns="0" bIns="0"/>
           <a:p>
-            <a:pPr marL="343080" indent="-341640">
+            <a:pPr marL="343080" indent="-341280">
               <a:lnSpc>
                 <a:spcPct val="100000"/>
               </a:lnSpc>
@@ -24988,7 +23674,7 @@
             </a:endParaRPr>
           </a:p>
           <a:p>
-            <a:pPr marL="343080" indent="-341640">
+            <a:pPr marL="343080" indent="-341280">
               <a:lnSpc>
                 <a:spcPct val="100000"/>
               </a:lnSpc>
@@ -25016,7 +23702,7 @@
             </a:endParaRPr>
           </a:p>
           <a:p>
-            <a:pPr marL="343080" indent="-341640">
+            <a:pPr marL="343080" indent="-341280">
               <a:lnSpc>
                 <a:spcPct val="100000"/>
               </a:lnSpc>
@@ -25044,7 +23730,7 @@
             </a:endParaRPr>
           </a:p>
           <a:p>
-            <a:pPr lvl="1" marL="864000" indent="-322920">
+            <a:pPr lvl="1" marL="864000" indent="-322560">
               <a:lnSpc>
                 <a:spcPct val="100000"/>
               </a:lnSpc>
@@ -25073,7 +23759,7 @@
             </a:endParaRPr>
           </a:p>
           <a:p>
-            <a:pPr lvl="1" marL="864000" indent="-322920">
+            <a:pPr lvl="1" marL="864000" indent="-322560">
               <a:lnSpc>
                 <a:spcPct val="100000"/>
               </a:lnSpc>
@@ -25102,7 +23788,7 @@
             </a:endParaRPr>
           </a:p>
           <a:p>
-            <a:pPr lvl="1" marL="864000" indent="-322920">
+            <a:pPr lvl="1" marL="864000" indent="-322560">
               <a:lnSpc>
                 <a:spcPct val="100000"/>
               </a:lnSpc>
@@ -25131,7 +23817,7 @@
             </a:endParaRPr>
           </a:p>
           <a:p>
-            <a:pPr marL="343080" indent="-341640">
+            <a:pPr marL="343080" indent="-341280">
               <a:lnSpc>
                 <a:spcPct val="100000"/>
               </a:lnSpc>
@@ -25159,7 +23845,7 @@
             </a:endParaRPr>
           </a:p>
           <a:p>
-            <a:pPr marL="343080" indent="-341640">
+            <a:pPr marL="343080" indent="-341280">
               <a:lnSpc>
                 <a:spcPct val="100000"/>
               </a:lnSpc>
@@ -25187,7 +23873,7 @@
             </a:endParaRPr>
           </a:p>
           <a:p>
-            <a:pPr marL="343080" indent="-341640">
+            <a:pPr marL="343080" indent="-341280">
               <a:lnSpc>
                 <a:spcPct val="100000"/>
               </a:lnSpc>
@@ -25277,7 +23963,7 @@
         <p:spPr>
           <a:xfrm>
             <a:off x="467640" y="6300000"/>
-            <a:ext cx="934560" cy="214560"/>
+            <a:ext cx="934200" cy="214200"/>
           </a:xfrm>
           <a:prstGeom prst="rect">
             <a:avLst/>
@@ -25293,29 +23979,6 @@
           <a:effectRef idx="0"/>
           <a:fontRef idx="minor"/>
         </p:style>
-        <p:txBody>
-          <a:bodyPr lIns="0" rIns="0" tIns="0" bIns="0"/>
-          <a:p>
-            <a:pPr>
-              <a:lnSpc>
-                <a:spcPct val="100000"/>
-              </a:lnSpc>
-            </a:pPr>
-            <a:fld id="{17B3BAB2-FA4B-48B9-89BA-6382CE37FB12}" type="datetime1">
-              <a:rPr b="0" lang="nb-NO" sz="1200" spc="-1" strike="noStrike">
-                <a:solidFill>
-                  <a:srgbClr val="a6a6a6"/>
-                </a:solidFill>
-                <a:latin typeface="Times New Roman"/>
-                <a:ea typeface="DejaVu Sans"/>
-              </a:rPr>
-              <a:t>07.12.2018</a:t>
-            </a:fld>
-            <a:endParaRPr b="0" lang="nb-NO" sz="1200" spc="-1" strike="noStrike">
-              <a:latin typeface="Arial"/>
-            </a:endParaRPr>
-          </a:p>
-        </p:txBody>
       </p:sp>
       <p:sp>
         <p:nvSpPr>
@@ -25326,7 +23989,7 @@
         <p:spPr>
           <a:xfrm>
             <a:off x="1404000" y="486000"/>
-            <a:ext cx="6298560" cy="538560"/>
+            <a:ext cx="6298200" cy="538200"/>
           </a:xfrm>
           <a:prstGeom prst="rect">
             <a:avLst/>
@@ -25351,7 +24014,7 @@
               </a:lnSpc>
             </a:pPr>
             <a:r>
-              <a:rPr b="0" lang="nb-NO" sz="1200" spc="89" strike="noStrike" cap="all">
+              <a:rPr b="0" lang="nb-NO" sz="1200" spc="86" strike="noStrike" cap="all">
                 <a:solidFill>
                   <a:srgbClr val="a6a6a6"/>
                 </a:solidFill>
@@ -25375,7 +24038,7 @@
         <p:spPr>
           <a:xfrm>
             <a:off x="1702440" y="6300000"/>
-            <a:ext cx="707760" cy="214560"/>
+            <a:ext cx="707400" cy="214200"/>
           </a:xfrm>
           <a:prstGeom prst="rect">
             <a:avLst/>
@@ -25409,16 +24072,6 @@
               </a:rPr>
               <a:t>Side </a:t>
             </a:r>
-            <a:fld id="{64EDF367-4849-4CA1-9927-EA57D3A3843B}" type="slidenum">
-              <a:rPr b="0" lang="nb-NO" sz="1200" spc="-1" strike="noStrike" cap="all">
-                <a:solidFill>
-                  <a:srgbClr val="a6a6a6"/>
-                </a:solidFill>
-                <a:latin typeface="Times New Roman"/>
-                <a:ea typeface="DejaVu Sans"/>
-              </a:rPr>
-              <a:t>1</a:t>
-            </a:fld>
             <a:endParaRPr b="0" lang="nb-NO" sz="1200" spc="-1" strike="noStrike">
               <a:latin typeface="Arial"/>
             </a:endParaRPr>
@@ -25483,7 +24136,7 @@
         <p:spPr>
           <a:xfrm>
             <a:off x="1022760" y="1014840"/>
-            <a:ext cx="7364160" cy="651600"/>
+            <a:ext cx="7363800" cy="651240"/>
           </a:xfrm>
           <a:prstGeom prst="rect">
             <a:avLst/>
@@ -25532,7 +24185,7 @@
         <p:spPr>
           <a:xfrm>
             <a:off x="1022760" y="1883880"/>
-            <a:ext cx="7364160" cy="3886560"/>
+            <a:ext cx="7363800" cy="3886200"/>
           </a:xfrm>
           <a:prstGeom prst="rect">
             <a:avLst/>
@@ -25551,7 +24204,7 @@
         <p:txBody>
           <a:bodyPr lIns="0" rIns="0" tIns="0" bIns="0"/>
           <a:p>
-            <a:pPr marL="343080" indent="-341640">
+            <a:pPr marL="343080" indent="-341280">
               <a:lnSpc>
                 <a:spcPct val="100000"/>
               </a:lnSpc>
@@ -25579,7 +24232,7 @@
             </a:endParaRPr>
           </a:p>
           <a:p>
-            <a:pPr marL="343080" indent="-341640">
+            <a:pPr marL="343080" indent="-341280">
               <a:lnSpc>
                 <a:spcPct val="100000"/>
               </a:lnSpc>
@@ -25607,7 +24260,7 @@
             </a:endParaRPr>
           </a:p>
           <a:p>
-            <a:pPr marL="343080" indent="-341640">
+            <a:pPr marL="343080" indent="-341280">
               <a:lnSpc>
                 <a:spcPct val="100000"/>
               </a:lnSpc>
@@ -25635,7 +24288,7 @@
             </a:endParaRPr>
           </a:p>
           <a:p>
-            <a:pPr lvl="1" marL="864000" indent="-322920">
+            <a:pPr lvl="1" marL="864000" indent="-322560">
               <a:lnSpc>
                 <a:spcPct val="100000"/>
               </a:lnSpc>
@@ -25664,7 +24317,7 @@
             </a:endParaRPr>
           </a:p>
           <a:p>
-            <a:pPr lvl="1" marL="864000" indent="-322920">
+            <a:pPr lvl="1" marL="864000" indent="-322560">
               <a:lnSpc>
                 <a:spcPct val="100000"/>
               </a:lnSpc>
@@ -25693,7 +24346,7 @@
             </a:endParaRPr>
           </a:p>
           <a:p>
-            <a:pPr lvl="1" marL="864000" indent="-322920">
+            <a:pPr lvl="1" marL="864000" indent="-322560">
               <a:lnSpc>
                 <a:spcPct val="100000"/>
               </a:lnSpc>
@@ -25722,7 +24375,7 @@
             </a:endParaRPr>
           </a:p>
           <a:p>
-            <a:pPr marL="343080" indent="-341640">
+            <a:pPr marL="343080" indent="-341280">
               <a:lnSpc>
                 <a:spcPct val="100000"/>
               </a:lnSpc>
@@ -25750,7 +24403,7 @@
             </a:endParaRPr>
           </a:p>
           <a:p>
-            <a:pPr marL="343080" indent="-341640">
+            <a:pPr marL="343080" indent="-341280">
               <a:lnSpc>
                 <a:spcPct val="100000"/>
               </a:lnSpc>
@@ -25778,7 +24431,7 @@
             </a:endParaRPr>
           </a:p>
           <a:p>
-            <a:pPr marL="343080" indent="-341640">
+            <a:pPr marL="343080" indent="-341280">
               <a:lnSpc>
                 <a:spcPct val="100000"/>
               </a:lnSpc>
@@ -25868,7 +24521,7 @@
         <p:spPr>
           <a:xfrm>
             <a:off x="467640" y="6300000"/>
-            <a:ext cx="934560" cy="214560"/>
+            <a:ext cx="934200" cy="214200"/>
           </a:xfrm>
           <a:prstGeom prst="rect">
             <a:avLst/>
@@ -25884,29 +24537,6 @@
           <a:effectRef idx="0"/>
           <a:fontRef idx="minor"/>
         </p:style>
-        <p:txBody>
-          <a:bodyPr lIns="0" rIns="0" tIns="0" bIns="0"/>
-          <a:p>
-            <a:pPr>
-              <a:lnSpc>
-                <a:spcPct val="100000"/>
-              </a:lnSpc>
-            </a:pPr>
-            <a:fld id="{2E981DC9-902E-4D0B-9DA7-2DF9BD16E674}" type="datetime1">
-              <a:rPr b="0" lang="nb-NO" sz="1200" spc="-1" strike="noStrike">
-                <a:solidFill>
-                  <a:srgbClr val="a6a6a6"/>
-                </a:solidFill>
-                <a:latin typeface="Times New Roman"/>
-                <a:ea typeface="DejaVu Sans"/>
-              </a:rPr>
-              <a:t>07.12.2018</a:t>
-            </a:fld>
-            <a:endParaRPr b="0" lang="nb-NO" sz="1200" spc="-1" strike="noStrike">
-              <a:latin typeface="Arial"/>
-            </a:endParaRPr>
-          </a:p>
-        </p:txBody>
       </p:sp>
       <p:sp>
         <p:nvSpPr>
@@ -25917,7 +24547,7 @@
         <p:spPr>
           <a:xfrm>
             <a:off x="1404000" y="486000"/>
-            <a:ext cx="6298560" cy="538560"/>
+            <a:ext cx="6298200" cy="538200"/>
           </a:xfrm>
           <a:prstGeom prst="rect">
             <a:avLst/>
@@ -25942,7 +24572,7 @@
               </a:lnSpc>
             </a:pPr>
             <a:r>
-              <a:rPr b="0" lang="nb-NO" sz="1200" spc="89" strike="noStrike" cap="all">
+              <a:rPr b="0" lang="nb-NO" sz="1200" spc="86" strike="noStrike" cap="all">
                 <a:solidFill>
                   <a:srgbClr val="a6a6a6"/>
                 </a:solidFill>
@@ -25966,7 +24596,7 @@
         <p:spPr>
           <a:xfrm>
             <a:off x="1702440" y="6300000"/>
-            <a:ext cx="707760" cy="214560"/>
+            <a:ext cx="707400" cy="214200"/>
           </a:xfrm>
           <a:prstGeom prst="rect">
             <a:avLst/>
@@ -26000,16 +24630,6 @@
               </a:rPr>
               <a:t>Side </a:t>
             </a:r>
-            <a:fld id="{EFC66E50-939A-4781-BD04-A223D2D82B47}" type="slidenum">
-              <a:rPr b="0" lang="nb-NO" sz="1200" spc="-1" strike="noStrike" cap="all">
-                <a:solidFill>
-                  <a:srgbClr val="a6a6a6"/>
-                </a:solidFill>
-                <a:latin typeface="Times New Roman"/>
-                <a:ea typeface="DejaVu Sans"/>
-              </a:rPr>
-              <a:t>1</a:t>
-            </a:fld>
             <a:endParaRPr b="0" lang="nb-NO" sz="1200" spc="-1" strike="noStrike">
               <a:latin typeface="Arial"/>
             </a:endParaRPr>
